--- a/presentations/Presentation 2.pptx
+++ b/presentations/Presentation 2.pptx
@@ -5,7 +5,7 @@
     <p:sldMasterId id="2147483659" r:id="rId1"/>
   </p:sldMasterIdLst>
   <p:notesMasterIdLst>
-    <p:notesMasterId r:id="rId9"/>
+    <p:notesMasterId r:id="rId11"/>
   </p:notesMasterIdLst>
   <p:sldIdLst>
     <p:sldId id="256" r:id="rId2"/>
@@ -15,20 +15,22 @@
     <p:sldId id="263" r:id="rId6"/>
     <p:sldId id="264" r:id="rId7"/>
     <p:sldId id="265" r:id="rId8"/>
+    <p:sldId id="266" r:id="rId9"/>
+    <p:sldId id="267" r:id="rId10"/>
   </p:sldIdLst>
   <p:sldSz cx="12192000" cy="6858000"/>
   <p:notesSz cx="6858000" cy="9144000"/>
   <p:embeddedFontLst>
     <p:embeddedFont>
       <p:font typeface="Calibri" panose="020F0502020204030204" pitchFamily="34" charset="0"/>
-      <p:regular r:id="rId10"/>
-      <p:bold r:id="rId11"/>
-      <p:italic r:id="rId12"/>
-      <p:boldItalic r:id="rId13"/>
+      <p:regular r:id="rId12"/>
+      <p:bold r:id="rId13"/>
+      <p:italic r:id="rId14"/>
+      <p:boldItalic r:id="rId15"/>
     </p:embeddedFont>
     <p:embeddedFont>
       <p:font typeface="Questrial" panose="02000000000000000000" pitchFamily="50" charset="0"/>
-      <p:regular r:id="rId14"/>
+      <p:regular r:id="rId16"/>
     </p:embeddedFont>
   </p:embeddedFontLst>
   <p:defaultTextStyle>
@@ -242,6 +244,11 @@
       </a:defRPr>
     </a:lvl9pPr>
   </p:defaultTextStyle>
+  <p:extLst>
+    <p:ext uri="{EFAFB233-063F-42B5-8137-9DF3F51BA10A}">
+      <p15:sldGuideLst xmlns:p15="http://schemas.microsoft.com/office/powerpoint/2012/main"/>
+    </p:ext>
+  </p:extLst>
 </p:presentation>
 </file>
 
@@ -1310,6 +1317,238 @@
     <p:extLst>
       <p:ext uri="{BB962C8B-B14F-4D97-AF65-F5344CB8AC3E}">
         <p14:creationId xmlns:p14="http://schemas.microsoft.com/office/powerpoint/2010/main" val="1669497556"/>
+      </p:ext>
+    </p:extLst>
+  </p:cSld>
+  <p:clrMapOvr>
+    <a:masterClrMapping/>
+  </p:clrMapOvr>
+</p:notes>
+</file>
+
+<file path=ppt/notesSlides/notesSlide8.xml><?xml version="1.0" encoding="utf-8"?>
+<p:notes xmlns:a="http://schemas.openxmlformats.org/drawingml/2006/main" xmlns:r="http://schemas.openxmlformats.org/officeDocument/2006/relationships" xmlns:p="http://schemas.openxmlformats.org/presentationml/2006/main" showMasterSp="0" showMasterPhAnim="0">
+  <p:cSld>
+    <p:spTree>
+      <p:nvGrpSpPr>
+        <p:cNvPr id="1" name="Shape 100"/>
+        <p:cNvGrpSpPr/>
+        <p:nvPr/>
+      </p:nvGrpSpPr>
+      <p:grpSpPr>
+        <a:xfrm>
+          <a:off x="0" y="0"/>
+          <a:ext cx="0" cy="0"/>
+          <a:chOff x="0" y="0"/>
+          <a:chExt cx="0" cy="0"/>
+        </a:xfrm>
+      </p:grpSpPr>
+      <p:sp>
+        <p:nvSpPr>
+          <p:cNvPr id="101" name="Shape 101"/>
+          <p:cNvSpPr txBox="1">
+            <a:spLocks noGrp="1"/>
+          </p:cNvSpPr>
+          <p:nvPr>
+            <p:ph type="body" idx="1"/>
+          </p:nvPr>
+        </p:nvSpPr>
+        <p:spPr>
+          <a:xfrm>
+            <a:off x="685800" y="4343400"/>
+            <a:ext cx="5486399" cy="4114800"/>
+          </a:xfrm>
+          <a:prstGeom prst="rect">
+            <a:avLst/>
+          </a:prstGeom>
+        </p:spPr>
+        <p:txBody>
+          <a:bodyPr lIns="91425" tIns="91425" rIns="91425" bIns="91425" anchor="ctr" anchorCtr="0">
+            <a:noAutofit/>
+          </a:bodyPr>
+          <a:lstStyle/>
+          <a:p>
+            <a:pPr>
+              <a:spcBef>
+                <a:spcPts val="0"/>
+              </a:spcBef>
+              <a:buNone/>
+            </a:pPr>
+            <a:endParaRPr/>
+          </a:p>
+        </p:txBody>
+      </p:sp>
+      <p:sp>
+        <p:nvSpPr>
+          <p:cNvPr id="102" name="Shape 102"/>
+          <p:cNvSpPr>
+            <a:spLocks noGrp="1" noRot="1" noChangeAspect="1"/>
+          </p:cNvSpPr>
+          <p:nvPr>
+            <p:ph type="sldImg" idx="2"/>
+          </p:nvPr>
+        </p:nvSpPr>
+        <p:spPr>
+          <a:xfrm>
+            <a:off x="381000" y="685800"/>
+            <a:ext cx="6096000" cy="3429000"/>
+          </a:xfrm>
+          <a:custGeom>
+            <a:avLst/>
+            <a:gdLst/>
+            <a:ahLst/>
+            <a:cxnLst/>
+            <a:rect l="0" t="0" r="0" b="0"/>
+            <a:pathLst>
+              <a:path w="120000" h="120000" extrusionOk="0">
+                <a:moveTo>
+                  <a:pt x="0" y="0"/>
+                </a:moveTo>
+                <a:lnTo>
+                  <a:pt x="120000" y="0"/>
+                </a:lnTo>
+                <a:lnTo>
+                  <a:pt x="120000" y="120000"/>
+                </a:lnTo>
+                <a:lnTo>
+                  <a:pt x="0" y="120000"/>
+                </a:lnTo>
+                <a:close/>
+              </a:path>
+            </a:pathLst>
+          </a:custGeom>
+          <a:noFill/>
+          <a:ln w="9525" cap="flat" cmpd="sng">
+            <a:solidFill>
+              <a:srgbClr val="000000"/>
+            </a:solidFill>
+            <a:prstDash val="solid"/>
+            <a:round/>
+            <a:headEnd type="none" w="med" len="med"/>
+            <a:tailEnd type="none" w="med" len="med"/>
+          </a:ln>
+        </p:spPr>
+      </p:sp>
+    </p:spTree>
+    <p:extLst>
+      <p:ext uri="{BB962C8B-B14F-4D97-AF65-F5344CB8AC3E}">
+        <p14:creationId xmlns:p14="http://schemas.microsoft.com/office/powerpoint/2010/main" val="3028549519"/>
+      </p:ext>
+    </p:extLst>
+  </p:cSld>
+  <p:clrMapOvr>
+    <a:masterClrMapping/>
+  </p:clrMapOvr>
+</p:notes>
+</file>
+
+<file path=ppt/notesSlides/notesSlide9.xml><?xml version="1.0" encoding="utf-8"?>
+<p:notes xmlns:a="http://schemas.openxmlformats.org/drawingml/2006/main" xmlns:r="http://schemas.openxmlformats.org/officeDocument/2006/relationships" xmlns:p="http://schemas.openxmlformats.org/presentationml/2006/main" showMasterSp="0" showMasterPhAnim="0">
+  <p:cSld>
+    <p:spTree>
+      <p:nvGrpSpPr>
+        <p:cNvPr id="1" name="Shape 100"/>
+        <p:cNvGrpSpPr/>
+        <p:nvPr/>
+      </p:nvGrpSpPr>
+      <p:grpSpPr>
+        <a:xfrm>
+          <a:off x="0" y="0"/>
+          <a:ext cx="0" cy="0"/>
+          <a:chOff x="0" y="0"/>
+          <a:chExt cx="0" cy="0"/>
+        </a:xfrm>
+      </p:grpSpPr>
+      <p:sp>
+        <p:nvSpPr>
+          <p:cNvPr id="101" name="Shape 101"/>
+          <p:cNvSpPr txBox="1">
+            <a:spLocks noGrp="1"/>
+          </p:cNvSpPr>
+          <p:nvPr>
+            <p:ph type="body" idx="1"/>
+          </p:nvPr>
+        </p:nvSpPr>
+        <p:spPr>
+          <a:xfrm>
+            <a:off x="685800" y="4343400"/>
+            <a:ext cx="5486399" cy="4114800"/>
+          </a:xfrm>
+          <a:prstGeom prst="rect">
+            <a:avLst/>
+          </a:prstGeom>
+        </p:spPr>
+        <p:txBody>
+          <a:bodyPr lIns="91425" tIns="91425" rIns="91425" bIns="91425" anchor="ctr" anchorCtr="0">
+            <a:noAutofit/>
+          </a:bodyPr>
+          <a:lstStyle/>
+          <a:p>
+            <a:pPr>
+              <a:spcBef>
+                <a:spcPts val="0"/>
+              </a:spcBef>
+              <a:buNone/>
+            </a:pPr>
+            <a:endParaRPr/>
+          </a:p>
+        </p:txBody>
+      </p:sp>
+      <p:sp>
+        <p:nvSpPr>
+          <p:cNvPr id="102" name="Shape 102"/>
+          <p:cNvSpPr>
+            <a:spLocks noGrp="1" noRot="1" noChangeAspect="1"/>
+          </p:cNvSpPr>
+          <p:nvPr>
+            <p:ph type="sldImg" idx="2"/>
+          </p:nvPr>
+        </p:nvSpPr>
+        <p:spPr>
+          <a:xfrm>
+            <a:off x="381000" y="685800"/>
+            <a:ext cx="6096000" cy="3429000"/>
+          </a:xfrm>
+          <a:custGeom>
+            <a:avLst/>
+            <a:gdLst/>
+            <a:ahLst/>
+            <a:cxnLst/>
+            <a:rect l="0" t="0" r="0" b="0"/>
+            <a:pathLst>
+              <a:path w="120000" h="120000" extrusionOk="0">
+                <a:moveTo>
+                  <a:pt x="0" y="0"/>
+                </a:moveTo>
+                <a:lnTo>
+                  <a:pt x="120000" y="0"/>
+                </a:lnTo>
+                <a:lnTo>
+                  <a:pt x="120000" y="120000"/>
+                </a:lnTo>
+                <a:lnTo>
+                  <a:pt x="0" y="120000"/>
+                </a:lnTo>
+                <a:close/>
+              </a:path>
+            </a:pathLst>
+          </a:custGeom>
+          <a:noFill/>
+          <a:ln w="9525" cap="flat" cmpd="sng">
+            <a:solidFill>
+              <a:srgbClr val="000000"/>
+            </a:solidFill>
+            <a:prstDash val="solid"/>
+            <a:round/>
+            <a:headEnd type="none" w="med" len="med"/>
+            <a:tailEnd type="none" w="med" len="med"/>
+          </a:ln>
+        </p:spPr>
+      </p:sp>
+    </p:spTree>
+    <p:extLst>
+      <p:ext uri="{BB962C8B-B14F-4D97-AF65-F5344CB8AC3E}">
+        <p14:creationId xmlns:p14="http://schemas.microsoft.com/office/powerpoint/2010/main" val="2647732507"/>
       </p:ext>
     </p:extLst>
   </p:cSld>
@@ -11762,29 +12001,8 @@
                 <a:cs typeface="Questrial"/>
                 <a:sym typeface="Questrial"/>
               </a:rPr>
-              <a:t>Using Pandas, create feature vectors for the independent variables: rating, genre(s), director(s), writer(s), actors. For example, a typical feature vector for actors would be a dataframe that would have movie IDs as rows and list of actors (from the movies in the dataset) as columns. If a specific actor was present in a specific movie, their intersection would have va</a:t>
+              <a:t>Using Pandas, create feature vectors for the independent variables: rating, genre(s), director(s), writer(s), actors. For example, a typical feature vector for actors would be a dataframe that would have movie IDs as rows and list of actors (from the movies in the dataset) as columns. If a specific actor was present in a specific movie, their intersection would have value 1; 0 otherwise.</a:t>
             </a:r>
-            <a:r>
-              <a:rPr lang="en-US" dirty="0" smtClean="0">
-                <a:solidFill>
-                  <a:srgbClr val="7F7F7F"/>
-                </a:solidFill>
-                <a:latin typeface="Questrial"/>
-                <a:ea typeface="Questrial"/>
-                <a:cs typeface="Questrial"/>
-                <a:sym typeface="Questrial"/>
-              </a:rPr>
-              <a:t>lue 1; 0 otherwise.</a:t>
-            </a:r>
-            <a:endParaRPr lang="en-US" dirty="0" smtClean="0">
-              <a:solidFill>
-                <a:srgbClr val="7F7F7F"/>
-              </a:solidFill>
-              <a:latin typeface="Questrial"/>
-              <a:ea typeface="Questrial"/>
-              <a:cs typeface="Questrial"/>
-              <a:sym typeface="Questrial"/>
-            </a:endParaRPr>
           </a:p>
           <a:p>
             <a:pPr marL="228600" marR="0" lvl="0" indent="-228600" algn="l" rtl="0">
@@ -12328,7 +12546,31 @@
                 <a:cs typeface="Questrial"/>
                 <a:sym typeface="Questrial"/>
               </a:rPr>
-              <a:t>Since all the independent variables are categorical, this is also an </a:t>
+              <a:t>Since all the independent variables are categorical, this is </a:t>
+            </a:r>
+            <a:r>
+              <a:rPr lang="en-US" dirty="0" smtClean="0">
+                <a:solidFill>
+                  <a:srgbClr val="7F7F7F"/>
+                </a:solidFill>
+                <a:latin typeface="Questrial"/>
+                <a:ea typeface="Questrial"/>
+                <a:cs typeface="Questrial"/>
+                <a:sym typeface="Questrial"/>
+              </a:rPr>
+              <a:t>also known as </a:t>
+            </a:r>
+            <a:r>
+              <a:rPr lang="en-US" dirty="0" smtClean="0">
+                <a:solidFill>
+                  <a:srgbClr val="7F7F7F"/>
+                </a:solidFill>
+                <a:latin typeface="Questrial"/>
+                <a:ea typeface="Questrial"/>
+                <a:cs typeface="Questrial"/>
+                <a:sym typeface="Questrial"/>
+              </a:rPr>
+              <a:t>an </a:t>
             </a:r>
             <a:r>
               <a:rPr lang="en-US" b="1" dirty="0" smtClean="0">
@@ -12465,6 +12707,144 @@
           </a:p>
         </p:txBody>
       </p:sp>
+      <p:pic>
+        <p:nvPicPr>
+          <p:cNvPr id="2" name="Picture 1"/>
+          <p:cNvPicPr>
+            <a:picLocks noChangeAspect="1"/>
+          </p:cNvPicPr>
+          <p:nvPr/>
+        </p:nvPicPr>
+        <p:blipFill>
+          <a:blip r:embed="rId3">
+            <a:extLst>
+              <a:ext uri="{28A0092B-C50C-407E-A947-70E740481C1C}">
+                <a14:useLocalDpi xmlns:a14="http://schemas.microsoft.com/office/drawing/2010/main" val="0"/>
+              </a:ext>
+            </a:extLst>
+          </a:blip>
+          <a:stretch>
+            <a:fillRect/>
+          </a:stretch>
+        </p:blipFill>
+        <p:spPr>
+          <a:xfrm>
+            <a:off x="1935139" y="1337480"/>
+            <a:ext cx="7998548" cy="5332365"/>
+          </a:xfrm>
+          <a:prstGeom prst="rect">
+            <a:avLst/>
+          </a:prstGeom>
+        </p:spPr>
+      </p:pic>
+    </p:spTree>
+    <p:extLst>
+      <p:ext uri="{BB962C8B-B14F-4D97-AF65-F5344CB8AC3E}">
+        <p14:creationId xmlns:p14="http://schemas.microsoft.com/office/powerpoint/2010/main" val="2671814153"/>
+      </p:ext>
+    </p:extLst>
+  </p:cSld>
+  <p:clrMapOvr>
+    <a:masterClrMapping/>
+  </p:clrMapOvr>
+  <p:transition spd="slow">
+    <p:cut/>
+  </p:transition>
+</p:sld>
+</file>
+
+<file path=ppt/slides/slide8.xml><?xml version="1.0" encoding="utf-8"?>
+<p:sld xmlns:a="http://schemas.openxmlformats.org/drawingml/2006/main" xmlns:r="http://schemas.openxmlformats.org/officeDocument/2006/relationships" xmlns:p="http://schemas.openxmlformats.org/presentationml/2006/main">
+  <p:cSld>
+    <p:bg>
+      <p:bgPr>
+        <a:solidFill>
+          <a:srgbClr val="F2F2F2"/>
+        </a:solidFill>
+        <a:effectLst/>
+      </p:bgPr>
+    </p:bg>
+    <p:spTree>
+      <p:nvGrpSpPr>
+        <p:cNvPr id="1" name="Shape 97"/>
+        <p:cNvGrpSpPr/>
+        <p:nvPr/>
+      </p:nvGrpSpPr>
+      <p:grpSpPr>
+        <a:xfrm>
+          <a:off x="0" y="0"/>
+          <a:ext cx="0" cy="0"/>
+          <a:chOff x="0" y="0"/>
+          <a:chExt cx="0" cy="0"/>
+        </a:xfrm>
+      </p:grpSpPr>
+      <p:sp>
+        <p:nvSpPr>
+          <p:cNvPr id="98" name="Shape 98"/>
+          <p:cNvSpPr txBox="1">
+            <a:spLocks noGrp="1"/>
+          </p:cNvSpPr>
+          <p:nvPr>
+            <p:ph type="title"/>
+          </p:nvPr>
+        </p:nvSpPr>
+        <p:spPr>
+          <a:xfrm>
+            <a:off x="838200" y="365125"/>
+            <a:ext cx="10515599" cy="1325562"/>
+          </a:xfrm>
+          <a:prstGeom prst="rect">
+            <a:avLst/>
+          </a:prstGeom>
+          <a:noFill/>
+          <a:ln>
+            <a:noFill/>
+          </a:ln>
+        </p:spPr>
+        <p:txBody>
+          <a:bodyPr lIns="91425" tIns="45700" rIns="91425" bIns="45700" anchor="ctr" anchorCtr="0">
+            <a:noAutofit/>
+          </a:bodyPr>
+          <a:lstStyle/>
+          <a:p>
+            <a:pPr marL="0" marR="0" lvl="0" indent="0" algn="l" rtl="0">
+              <a:lnSpc>
+                <a:spcPct val="90000"/>
+              </a:lnSpc>
+              <a:spcBef>
+                <a:spcPts val="0"/>
+              </a:spcBef>
+              <a:buClr>
+                <a:srgbClr val="7F7F7F"/>
+              </a:buClr>
+              <a:buSzPct val="25000"/>
+              <a:buFont typeface="Times New Roman"/>
+              <a:buNone/>
+            </a:pPr>
+            <a:r>
+              <a:rPr lang="en-US" sz="4400" b="0" i="0" u="none" strike="noStrike" cap="none" baseline="0" dirty="0" smtClean="0">
+                <a:solidFill>
+                  <a:srgbClr val="7F7F7F"/>
+                </a:solidFill>
+                <a:latin typeface="Times New Roman"/>
+                <a:ea typeface="Times New Roman"/>
+                <a:cs typeface="Times New Roman"/>
+                <a:sym typeface="Times New Roman"/>
+              </a:rPr>
+              <a:t>OBSERVATIONS</a:t>
+            </a:r>
+            <a:endParaRPr lang="en-US" sz="4400" b="0" i="0" u="none" strike="noStrike" cap="none" baseline="0" dirty="0">
+              <a:solidFill>
+                <a:srgbClr val="7F7F7F"/>
+              </a:solidFill>
+              <a:latin typeface="Times New Roman"/>
+              <a:ea typeface="Times New Roman"/>
+              <a:cs typeface="Times New Roman"/>
+              <a:sym typeface="Times New Roman"/>
+            </a:endParaRPr>
+          </a:p>
+        </p:txBody>
+      </p:sp>
       <p:sp>
         <p:nvSpPr>
           <p:cNvPr id="99" name="Shape 99"/>
@@ -12518,7 +12898,7 @@
                 <a:cs typeface="Questrial"/>
                 <a:sym typeface="Questrial"/>
               </a:rPr>
-              <a:t>Since all the independent variables are categorical, this is also an </a:t>
+              <a:t>Scatter points closely lying around the </a:t>
             </a:r>
             <a:r>
               <a:rPr lang="en-US" b="1" dirty="0" smtClean="0">
@@ -12530,7 +12910,7 @@
                 <a:cs typeface="Questrial"/>
                 <a:sym typeface="Questrial"/>
               </a:rPr>
-              <a:t>analysis of variance </a:t>
+              <a:t>line of best-fit</a:t>
             </a:r>
             <a:r>
               <a:rPr lang="en-US" dirty="0" smtClean="0">
@@ -12542,15 +12922,346 @@
                 <a:cs typeface="Questrial"/>
                 <a:sym typeface="Questrial"/>
               </a:rPr>
-              <a:t>(ANOVA).</a:t>
+              <a:t> (blue line), indicating a strong positive correlation between the actual ratings and the predicted ratings.</a:t>
             </a:r>
+          </a:p>
+          <a:p>
+            <a:pPr marL="228600" marR="0" lvl="0" indent="-228600" algn="l" rtl="0">
+              <a:lnSpc>
+                <a:spcPct val="90000"/>
+              </a:lnSpc>
+              <a:spcBef>
+                <a:spcPts val="0"/>
+              </a:spcBef>
+              <a:buClr>
+                <a:srgbClr val="7F7F7F"/>
+              </a:buClr>
+              <a:buSzPct val="100000"/>
+              <a:buFont typeface="Arial"/>
+              <a:buChar char="•"/>
+            </a:pPr>
+            <a:r>
+              <a:rPr lang="en-US" dirty="0" smtClean="0">
+                <a:solidFill>
+                  <a:srgbClr val="7F7F7F"/>
+                </a:solidFill>
+                <a:latin typeface="Questrial"/>
+                <a:ea typeface="Questrial"/>
+                <a:cs typeface="Questrial"/>
+                <a:sym typeface="Questrial"/>
+              </a:rPr>
+              <a:t>Root-mean-square error (RMSE): 0.8112</a:t>
+            </a:r>
+            <a:endParaRPr lang="en-US" dirty="0" smtClean="0">
+              <a:solidFill>
+                <a:srgbClr val="7F7F7F"/>
+              </a:solidFill>
+              <a:latin typeface="Questrial"/>
+              <a:ea typeface="Questrial"/>
+              <a:cs typeface="Questrial"/>
+              <a:sym typeface="Questrial"/>
+            </a:endParaRPr>
           </a:p>
         </p:txBody>
       </p:sp>
     </p:spTree>
     <p:extLst>
       <p:ext uri="{BB962C8B-B14F-4D97-AF65-F5344CB8AC3E}">
-        <p14:creationId xmlns:p14="http://schemas.microsoft.com/office/powerpoint/2010/main" val="2671814153"/>
+        <p14:creationId xmlns:p14="http://schemas.microsoft.com/office/powerpoint/2010/main" val="3720476945"/>
+      </p:ext>
+    </p:extLst>
+  </p:cSld>
+  <p:clrMapOvr>
+    <a:masterClrMapping/>
+  </p:clrMapOvr>
+  <p:transition spd="slow">
+    <p:cut/>
+  </p:transition>
+</p:sld>
+</file>
+
+<file path=ppt/slides/slide9.xml><?xml version="1.0" encoding="utf-8"?>
+<p:sld xmlns:a="http://schemas.openxmlformats.org/drawingml/2006/main" xmlns:r="http://schemas.openxmlformats.org/officeDocument/2006/relationships" xmlns:p="http://schemas.openxmlformats.org/presentationml/2006/main">
+  <p:cSld>
+    <p:bg>
+      <p:bgPr>
+        <a:solidFill>
+          <a:srgbClr val="F2F2F2"/>
+        </a:solidFill>
+        <a:effectLst/>
+      </p:bgPr>
+    </p:bg>
+    <p:spTree>
+      <p:nvGrpSpPr>
+        <p:cNvPr id="1" name="Shape 97"/>
+        <p:cNvGrpSpPr/>
+        <p:nvPr/>
+      </p:nvGrpSpPr>
+      <p:grpSpPr>
+        <a:xfrm>
+          <a:off x="0" y="0"/>
+          <a:ext cx="0" cy="0"/>
+          <a:chOff x="0" y="0"/>
+          <a:chExt cx="0" cy="0"/>
+        </a:xfrm>
+      </p:grpSpPr>
+      <p:sp>
+        <p:nvSpPr>
+          <p:cNvPr id="98" name="Shape 98"/>
+          <p:cNvSpPr txBox="1">
+            <a:spLocks noGrp="1"/>
+          </p:cNvSpPr>
+          <p:nvPr>
+            <p:ph type="title"/>
+          </p:nvPr>
+        </p:nvSpPr>
+        <p:spPr>
+          <a:xfrm>
+            <a:off x="838200" y="365125"/>
+            <a:ext cx="10515599" cy="1325562"/>
+          </a:xfrm>
+          <a:prstGeom prst="rect">
+            <a:avLst/>
+          </a:prstGeom>
+          <a:noFill/>
+          <a:ln>
+            <a:noFill/>
+          </a:ln>
+        </p:spPr>
+        <p:txBody>
+          <a:bodyPr lIns="91425" tIns="45700" rIns="91425" bIns="45700" anchor="ctr" anchorCtr="0">
+            <a:noAutofit/>
+          </a:bodyPr>
+          <a:lstStyle/>
+          <a:p>
+            <a:pPr marL="0" marR="0" lvl="0" indent="0" algn="l" rtl="0">
+              <a:lnSpc>
+                <a:spcPct val="90000"/>
+              </a:lnSpc>
+              <a:spcBef>
+                <a:spcPts val="0"/>
+              </a:spcBef>
+              <a:buClr>
+                <a:srgbClr val="7F7F7F"/>
+              </a:buClr>
+              <a:buSzPct val="25000"/>
+              <a:buFont typeface="Times New Roman"/>
+              <a:buNone/>
+            </a:pPr>
+            <a:r>
+              <a:rPr lang="en-US" sz="4400" b="0" i="0" u="none" strike="noStrike" cap="none" baseline="0" dirty="0" smtClean="0">
+                <a:solidFill>
+                  <a:srgbClr val="7F7F7F"/>
+                </a:solidFill>
+                <a:latin typeface="Times New Roman"/>
+                <a:ea typeface="Times New Roman"/>
+                <a:cs typeface="Times New Roman"/>
+                <a:sym typeface="Times New Roman"/>
+              </a:rPr>
+              <a:t>ISSUES</a:t>
+            </a:r>
+            <a:endParaRPr lang="en-US" sz="4400" b="0" i="0" u="none" strike="noStrike" cap="none" baseline="0" dirty="0">
+              <a:solidFill>
+                <a:srgbClr val="7F7F7F"/>
+              </a:solidFill>
+              <a:latin typeface="Times New Roman"/>
+              <a:ea typeface="Times New Roman"/>
+              <a:cs typeface="Times New Roman"/>
+              <a:sym typeface="Times New Roman"/>
+            </a:endParaRPr>
+          </a:p>
+        </p:txBody>
+      </p:sp>
+      <p:sp>
+        <p:nvSpPr>
+          <p:cNvPr id="99" name="Shape 99"/>
+          <p:cNvSpPr txBox="1">
+            <a:spLocks noGrp="1"/>
+          </p:cNvSpPr>
+          <p:nvPr>
+            <p:ph type="body" idx="1"/>
+          </p:nvPr>
+        </p:nvSpPr>
+        <p:spPr>
+          <a:xfrm>
+            <a:off x="838200" y="1825625"/>
+            <a:ext cx="10515599" cy="4351338"/>
+          </a:xfrm>
+          <a:prstGeom prst="rect">
+            <a:avLst/>
+          </a:prstGeom>
+          <a:noFill/>
+          <a:ln>
+            <a:noFill/>
+          </a:ln>
+        </p:spPr>
+        <p:txBody>
+          <a:bodyPr lIns="91425" tIns="45700" rIns="91425" bIns="45700" anchor="t" anchorCtr="0">
+            <a:noAutofit/>
+          </a:bodyPr>
+          <a:lstStyle/>
+          <a:p>
+            <a:pPr marL="228600" marR="0" lvl="0" indent="-228600" algn="l" rtl="0">
+              <a:lnSpc>
+                <a:spcPct val="90000"/>
+              </a:lnSpc>
+              <a:spcBef>
+                <a:spcPts val="0"/>
+              </a:spcBef>
+              <a:buClr>
+                <a:srgbClr val="7F7F7F"/>
+              </a:buClr>
+              <a:buSzPct val="100000"/>
+              <a:buFont typeface="Arial"/>
+              <a:buChar char="•"/>
+            </a:pPr>
+            <a:r>
+              <a:rPr lang="en-US" dirty="0" smtClean="0">
+                <a:solidFill>
+                  <a:srgbClr val="7F7F7F"/>
+                </a:solidFill>
+                <a:latin typeface="Questrial"/>
+                <a:ea typeface="Questrial"/>
+                <a:cs typeface="Questrial"/>
+                <a:sym typeface="Questrial"/>
+              </a:rPr>
+              <a:t>Scaling: the outcome rating with certain predictors crosses the 10 point mark</a:t>
+            </a:r>
+          </a:p>
+          <a:p>
+            <a:pPr lvl="0" indent="-228600">
+              <a:spcBef>
+                <a:spcPts val="0"/>
+              </a:spcBef>
+              <a:buClr>
+                <a:srgbClr val="7F7F7F"/>
+              </a:buClr>
+              <a:buSzPct val="100000"/>
+            </a:pPr>
+            <a:r>
+              <a:rPr lang="en-US" dirty="0" smtClean="0">
+                <a:solidFill>
+                  <a:srgbClr val="7F7F7F"/>
+                </a:solidFill>
+                <a:latin typeface="Questrial"/>
+                <a:ea typeface="Questrial"/>
+                <a:cs typeface="Questrial"/>
+                <a:sym typeface="Questrial"/>
+              </a:rPr>
+              <a:t>Memory management: since feature vectors are being created for categorical data, such as multiple actors, currently only considering movies above a </a:t>
+            </a:r>
+            <a:r>
+              <a:rPr lang="en-US" dirty="0">
+                <a:solidFill>
+                  <a:srgbClr val="7F7F7F"/>
+                </a:solidFill>
+                <a:latin typeface="Questrial"/>
+                <a:ea typeface="Questrial"/>
+                <a:cs typeface="Questrial"/>
+                <a:sym typeface="Questrial"/>
+              </a:rPr>
+              <a:t>certain threshold; </a:t>
+            </a:r>
+            <a:r>
+              <a:rPr lang="en-US" dirty="0" smtClean="0">
+                <a:solidFill>
+                  <a:srgbClr val="7F7F7F"/>
+                </a:solidFill>
+                <a:latin typeface="Questrial"/>
+                <a:ea typeface="Questrial"/>
+                <a:cs typeface="Questrial"/>
+                <a:sym typeface="Questrial"/>
+              </a:rPr>
+              <a:t>this threshold </a:t>
+            </a:r>
+            <a:r>
+              <a:rPr lang="en-US" dirty="0">
+                <a:solidFill>
+                  <a:srgbClr val="7F7F7F"/>
+                </a:solidFill>
+                <a:latin typeface="Questrial"/>
+                <a:ea typeface="Questrial"/>
+                <a:cs typeface="Questrial"/>
+                <a:sym typeface="Questrial"/>
+              </a:rPr>
+              <a:t>is the nth percentile of the list of number of </a:t>
+            </a:r>
+            <a:r>
+              <a:rPr lang="en-US" dirty="0" err="1">
+                <a:solidFill>
+                  <a:srgbClr val="7F7F7F"/>
+                </a:solidFill>
+                <a:latin typeface="Questrial"/>
+                <a:ea typeface="Questrial"/>
+                <a:cs typeface="Questrial"/>
+                <a:sym typeface="Questrial"/>
+              </a:rPr>
+              <a:t>iMDB</a:t>
+            </a:r>
+            <a:r>
+              <a:rPr lang="en-US" dirty="0">
+                <a:solidFill>
+                  <a:srgbClr val="7F7F7F"/>
+                </a:solidFill>
+                <a:latin typeface="Questrial"/>
+                <a:ea typeface="Questrial"/>
+                <a:cs typeface="Questrial"/>
+                <a:sym typeface="Questrial"/>
+              </a:rPr>
+              <a:t> votes of all movies with non-zero votes. The training dataset </a:t>
+            </a:r>
+            <a:r>
+              <a:rPr lang="en-US" dirty="0" smtClean="0">
+                <a:solidFill>
+                  <a:srgbClr val="7F7F7F"/>
+                </a:solidFill>
+                <a:latin typeface="Questrial"/>
+                <a:ea typeface="Questrial"/>
+                <a:cs typeface="Questrial"/>
+                <a:sym typeface="Questrial"/>
+              </a:rPr>
+              <a:t>includes only </a:t>
+            </a:r>
+            <a:r>
+              <a:rPr lang="en-US" dirty="0">
+                <a:solidFill>
+                  <a:srgbClr val="7F7F7F"/>
+                </a:solidFill>
+                <a:latin typeface="Questrial"/>
+                <a:ea typeface="Questrial"/>
+                <a:cs typeface="Questrial"/>
+                <a:sym typeface="Questrial"/>
+              </a:rPr>
+              <a:t>movies with votes above this value. Standardized approach rather than using a constant</a:t>
+            </a:r>
+            <a:r>
+              <a:rPr lang="en-US" dirty="0" smtClean="0">
+                <a:solidFill>
+                  <a:srgbClr val="7F7F7F"/>
+                </a:solidFill>
+                <a:latin typeface="Questrial"/>
+                <a:ea typeface="Questrial"/>
+                <a:cs typeface="Questrial"/>
+                <a:sym typeface="Questrial"/>
+              </a:rPr>
+              <a:t>. (Movie count: ~5000, actors count: ~9000)</a:t>
+            </a:r>
+            <a:endParaRPr lang="en-US" dirty="0" smtClean="0">
+              <a:solidFill>
+                <a:srgbClr val="7F7F7F"/>
+              </a:solidFill>
+              <a:latin typeface="Questrial"/>
+              <a:ea typeface="Questrial"/>
+              <a:cs typeface="Questrial"/>
+              <a:sym typeface="Questrial"/>
+            </a:endParaRPr>
+          </a:p>
+        </p:txBody>
+      </p:sp>
+    </p:spTree>
+    <p:extLst>
+      <p:ext uri="{BB962C8B-B14F-4D97-AF65-F5344CB8AC3E}">
+        <p14:creationId xmlns:p14="http://schemas.microsoft.com/office/powerpoint/2010/main" val="613664264"/>
       </p:ext>
     </p:extLst>
   </p:cSld>

--- a/presentations/Presentation 2.pptx
+++ b/presentations/Presentation 2.pptx
@@ -21,13 +21,15 @@
     <p:sldId id="266" r:id="rId16"/>
     <p:sldId id="267" r:id="rId17"/>
     <p:sldId id="268" r:id="rId18"/>
+    <p:sldId id="269" r:id="rId19"/>
+    <p:sldId id="270" r:id="rId20"/>
   </p:sldIdLst>
   <p:sldSz cy="6858000" cx="12192000"/>
   <p:notesSz cx="6858000" cy="9144000"/>
   <p:embeddedFontLst>
     <p:embeddedFont>
       <p:font typeface="Questrial"/>
-      <p:regular r:id="rId19"/>
+      <p:regular r:id="rId21"/>
     </p:embeddedFont>
   </p:embeddedFontLst>
   <p:defaultTextStyle>
@@ -598,7 +600,7 @@
   <p:cSld>
     <p:spTree>
       <p:nvGrpSpPr>
-        <p:cNvPr id="137" name="Shape 137"/>
+        <p:cNvPr id="139" name="Shape 139"/>
         <p:cNvGrpSpPr/>
         <p:nvPr/>
       </p:nvGrpSpPr>
@@ -612,7 +614,7 @@
       </p:grpSpPr>
       <p:sp>
         <p:nvSpPr>
-          <p:cNvPr id="138" name="Shape 138"/>
+          <p:cNvPr id="140" name="Shape 140"/>
           <p:cNvSpPr txBox="1"/>
           <p:nvPr>
             <p:ph idx="1" type="body"/>
@@ -664,7 +666,7 @@
       </p:sp>
       <p:sp>
         <p:nvSpPr>
-          <p:cNvPr id="139" name="Shape 139"/>
+          <p:cNvPr id="141" name="Shape 141"/>
           <p:cNvSpPr/>
           <p:nvPr>
             <p:ph idx="2" type="sldImg"/>
@@ -719,7 +721,7 @@
   <p:cSld>
     <p:spTree>
       <p:nvGrpSpPr>
-        <p:cNvPr id="143" name="Shape 143"/>
+        <p:cNvPr id="145" name="Shape 145"/>
         <p:cNvGrpSpPr/>
         <p:nvPr/>
       </p:nvGrpSpPr>
@@ -733,7 +735,7 @@
       </p:grpSpPr>
       <p:sp>
         <p:nvSpPr>
-          <p:cNvPr id="144" name="Shape 144"/>
+          <p:cNvPr id="146" name="Shape 146"/>
           <p:cNvSpPr txBox="1"/>
           <p:nvPr>
             <p:ph idx="1" type="body"/>
@@ -785,7 +787,7 @@
       </p:sp>
       <p:sp>
         <p:nvSpPr>
-          <p:cNvPr id="145" name="Shape 145"/>
+          <p:cNvPr id="147" name="Shape 147"/>
           <p:cNvSpPr/>
           <p:nvPr>
             <p:ph idx="2" type="sldImg"/>
@@ -840,7 +842,7 @@
   <p:cSld>
     <p:spTree>
       <p:nvGrpSpPr>
-        <p:cNvPr id="149" name="Shape 149"/>
+        <p:cNvPr id="151" name="Shape 151"/>
         <p:cNvGrpSpPr/>
         <p:nvPr/>
       </p:nvGrpSpPr>
@@ -854,7 +856,7 @@
       </p:grpSpPr>
       <p:sp>
         <p:nvSpPr>
-          <p:cNvPr id="150" name="Shape 150"/>
+          <p:cNvPr id="152" name="Shape 152"/>
           <p:cNvSpPr txBox="1"/>
           <p:nvPr>
             <p:ph idx="1" type="body"/>
@@ -906,7 +908,7 @@
       </p:sp>
       <p:sp>
         <p:nvSpPr>
-          <p:cNvPr id="151" name="Shape 151"/>
+          <p:cNvPr id="153" name="Shape 153"/>
           <p:cNvSpPr/>
           <p:nvPr>
             <p:ph idx="2" type="sldImg"/>
@@ -961,7 +963,7 @@
   <p:cSld>
     <p:spTree>
       <p:nvGrpSpPr>
-        <p:cNvPr id="155" name="Shape 155"/>
+        <p:cNvPr id="157" name="Shape 157"/>
         <p:cNvGrpSpPr/>
         <p:nvPr/>
       </p:nvGrpSpPr>
@@ -975,7 +977,7 @@
       </p:grpSpPr>
       <p:sp>
         <p:nvSpPr>
-          <p:cNvPr id="156" name="Shape 156"/>
+          <p:cNvPr id="158" name="Shape 158"/>
           <p:cNvSpPr txBox="1"/>
           <p:nvPr>
             <p:ph idx="1" type="body"/>
@@ -1027,7 +1029,249 @@
       </p:sp>
       <p:sp>
         <p:nvSpPr>
-          <p:cNvPr id="157" name="Shape 157"/>
+          <p:cNvPr id="159" name="Shape 159"/>
+          <p:cNvSpPr/>
+          <p:nvPr>
+            <p:ph idx="2" type="sldImg"/>
+          </p:nvPr>
+        </p:nvSpPr>
+        <p:spPr>
+          <a:xfrm>
+            <a:off x="381000" y="685800"/>
+            <a:ext cx="6096000" cy="3429000"/>
+          </a:xfrm>
+          <a:custGeom>
+            <a:pathLst>
+              <a:path extrusionOk="0" h="120000" w="120000">
+                <a:moveTo>
+                  <a:pt x="0" y="0"/>
+                </a:moveTo>
+                <a:lnTo>
+                  <a:pt x="120000" y="0"/>
+                </a:lnTo>
+                <a:lnTo>
+                  <a:pt x="120000" y="120000"/>
+                </a:lnTo>
+                <a:lnTo>
+                  <a:pt x="0" y="120000"/>
+                </a:lnTo>
+                <a:close/>
+              </a:path>
+            </a:pathLst>
+          </a:custGeom>
+          <a:noFill/>
+          <a:ln cap="flat" cmpd="sng" w="9525">
+            <a:solidFill>
+              <a:srgbClr val="000000"/>
+            </a:solidFill>
+            <a:prstDash val="solid"/>
+            <a:round/>
+            <a:headEnd len="med" w="med" type="none"/>
+            <a:tailEnd len="med" w="med" type="none"/>
+          </a:ln>
+        </p:spPr>
+      </p:sp>
+    </p:spTree>
+  </p:cSld>
+  <p:clrMapOvr>
+    <a:masterClrMapping/>
+  </p:clrMapOvr>
+</p:notes>
+</file>
+
+<file path=ppt/notesSlides/notesSlide14.xml><?xml version="1.0" encoding="utf-8"?>
+<p:notes xmlns:a="http://schemas.openxmlformats.org/drawingml/2006/main" xmlns:r="http://schemas.openxmlformats.org/officeDocument/2006/relationships" xmlns:mc="http://schemas.openxmlformats.org/markup-compatibility/2006" xmlns:mv="urn:schemas-microsoft-com:mac:vml" xmlns:p="http://schemas.openxmlformats.org/presentationml/2006/main" xmlns:c="http://schemas.openxmlformats.org/drawingml/2006/chart" xmlns:dgm="http://schemas.openxmlformats.org/drawingml/2006/diagram" xmlns:o="urn:schemas-microsoft-com:office:office" xmlns:v="urn:schemas-microsoft-com:vml" xmlns:pvml="urn:schemas-microsoft-com:office:powerpoint" xmlns:com="http://schemas.openxmlformats.org/drawingml/2006/compatibility" xmlns:p14="http://schemas.microsoft.com/office/powerpoint/2010/main" showMasterPhAnim="0" showMasterSp="0">
+  <p:cSld>
+    <p:spTree>
+      <p:nvGrpSpPr>
+        <p:cNvPr id="163" name="Shape 163"/>
+        <p:cNvGrpSpPr/>
+        <p:nvPr/>
+      </p:nvGrpSpPr>
+      <p:grpSpPr>
+        <a:xfrm>
+          <a:off x="0" y="0"/>
+          <a:ext cx="0" cy="0"/>
+          <a:chOff x="0" y="0"/>
+          <a:chExt cx="0" cy="0"/>
+        </a:xfrm>
+      </p:grpSpPr>
+      <p:sp>
+        <p:nvSpPr>
+          <p:cNvPr id="164" name="Shape 164"/>
+          <p:cNvSpPr txBox="1"/>
+          <p:nvPr>
+            <p:ph idx="1" type="body"/>
+          </p:nvPr>
+        </p:nvSpPr>
+        <p:spPr>
+          <a:xfrm>
+            <a:off x="685800" y="4343400"/>
+            <a:ext cx="5486399" cy="4114800"/>
+          </a:xfrm>
+          <a:prstGeom prst="rect">
+            <a:avLst/>
+          </a:prstGeom>
+          <a:noFill/>
+          <a:ln>
+            <a:noFill/>
+          </a:ln>
+        </p:spPr>
+        <p:txBody>
+          <a:bodyPr anchorCtr="0" anchor="ctr" bIns="91425" lIns="91425" rIns="91425" tIns="91425">
+            <a:noAutofit/>
+          </a:bodyPr>
+          <a:lstStyle/>
+          <a:p>
+            <a:pPr indent="0" lvl="0" marL="0" marR="0" rtl="0" algn="l">
+              <a:spcBef>
+                <a:spcPts val="0"/>
+              </a:spcBef>
+              <a:buClr>
+                <a:schemeClr val="dk1"/>
+              </a:buClr>
+              <a:buFont typeface="Arial"/>
+              <a:buNone/>
+            </a:pPr>
+            <a:r>
+              <a:t/>
+            </a:r>
+            <a:endParaRPr b="0" baseline="0" i="0" sz="1100" u="none" cap="none" strike="noStrike">
+              <a:solidFill>
+                <a:schemeClr val="dk1"/>
+              </a:solidFill>
+              <a:latin typeface="Arial"/>
+              <a:ea typeface="Arial"/>
+              <a:cs typeface="Arial"/>
+              <a:sym typeface="Arial"/>
+            </a:endParaRPr>
+          </a:p>
+        </p:txBody>
+      </p:sp>
+      <p:sp>
+        <p:nvSpPr>
+          <p:cNvPr id="165" name="Shape 165"/>
+          <p:cNvSpPr/>
+          <p:nvPr>
+            <p:ph idx="2" type="sldImg"/>
+          </p:nvPr>
+        </p:nvSpPr>
+        <p:spPr>
+          <a:xfrm>
+            <a:off x="381000" y="685800"/>
+            <a:ext cx="6096000" cy="3429000"/>
+          </a:xfrm>
+          <a:custGeom>
+            <a:pathLst>
+              <a:path extrusionOk="0" h="120000" w="120000">
+                <a:moveTo>
+                  <a:pt x="0" y="0"/>
+                </a:moveTo>
+                <a:lnTo>
+                  <a:pt x="120000" y="0"/>
+                </a:lnTo>
+                <a:lnTo>
+                  <a:pt x="120000" y="120000"/>
+                </a:lnTo>
+                <a:lnTo>
+                  <a:pt x="0" y="120000"/>
+                </a:lnTo>
+                <a:close/>
+              </a:path>
+            </a:pathLst>
+          </a:custGeom>
+          <a:noFill/>
+          <a:ln cap="flat" cmpd="sng" w="9525">
+            <a:solidFill>
+              <a:srgbClr val="000000"/>
+            </a:solidFill>
+            <a:prstDash val="solid"/>
+            <a:round/>
+            <a:headEnd len="med" w="med" type="none"/>
+            <a:tailEnd len="med" w="med" type="none"/>
+          </a:ln>
+        </p:spPr>
+      </p:sp>
+    </p:spTree>
+  </p:cSld>
+  <p:clrMapOvr>
+    <a:masterClrMapping/>
+  </p:clrMapOvr>
+</p:notes>
+</file>
+
+<file path=ppt/notesSlides/notesSlide15.xml><?xml version="1.0" encoding="utf-8"?>
+<p:notes xmlns:a="http://schemas.openxmlformats.org/drawingml/2006/main" xmlns:r="http://schemas.openxmlformats.org/officeDocument/2006/relationships" xmlns:mc="http://schemas.openxmlformats.org/markup-compatibility/2006" xmlns:mv="urn:schemas-microsoft-com:mac:vml" xmlns:p="http://schemas.openxmlformats.org/presentationml/2006/main" xmlns:c="http://schemas.openxmlformats.org/drawingml/2006/chart" xmlns:dgm="http://schemas.openxmlformats.org/drawingml/2006/diagram" xmlns:o="urn:schemas-microsoft-com:office:office" xmlns:v="urn:schemas-microsoft-com:vml" xmlns:pvml="urn:schemas-microsoft-com:office:powerpoint" xmlns:com="http://schemas.openxmlformats.org/drawingml/2006/compatibility" xmlns:p14="http://schemas.microsoft.com/office/powerpoint/2010/main" showMasterPhAnim="0" showMasterSp="0">
+  <p:cSld>
+    <p:spTree>
+      <p:nvGrpSpPr>
+        <p:cNvPr id="169" name="Shape 169"/>
+        <p:cNvGrpSpPr/>
+        <p:nvPr/>
+      </p:nvGrpSpPr>
+      <p:grpSpPr>
+        <a:xfrm>
+          <a:off x="0" y="0"/>
+          <a:ext cx="0" cy="0"/>
+          <a:chOff x="0" y="0"/>
+          <a:chExt cx="0" cy="0"/>
+        </a:xfrm>
+      </p:grpSpPr>
+      <p:sp>
+        <p:nvSpPr>
+          <p:cNvPr id="170" name="Shape 170"/>
+          <p:cNvSpPr txBox="1"/>
+          <p:nvPr>
+            <p:ph idx="1" type="body"/>
+          </p:nvPr>
+        </p:nvSpPr>
+        <p:spPr>
+          <a:xfrm>
+            <a:off x="685800" y="4343400"/>
+            <a:ext cx="5486399" cy="4114800"/>
+          </a:xfrm>
+          <a:prstGeom prst="rect">
+            <a:avLst/>
+          </a:prstGeom>
+          <a:noFill/>
+          <a:ln>
+            <a:noFill/>
+          </a:ln>
+        </p:spPr>
+        <p:txBody>
+          <a:bodyPr anchorCtr="0" anchor="ctr" bIns="91425" lIns="91425" rIns="91425" tIns="91425">
+            <a:noAutofit/>
+          </a:bodyPr>
+          <a:lstStyle/>
+          <a:p>
+            <a:pPr indent="0" lvl="0" marL="0" marR="0" rtl="0" algn="l">
+              <a:spcBef>
+                <a:spcPts val="0"/>
+              </a:spcBef>
+              <a:buClr>
+                <a:schemeClr val="dk1"/>
+              </a:buClr>
+              <a:buFont typeface="Arial"/>
+              <a:buNone/>
+            </a:pPr>
+            <a:r>
+              <a:t/>
+            </a:r>
+            <a:endParaRPr b="0" baseline="0" i="0" sz="1100" u="none" cap="none" strike="noStrike">
+              <a:solidFill>
+                <a:schemeClr val="dk1"/>
+              </a:solidFill>
+              <a:latin typeface="Arial"/>
+              <a:ea typeface="Arial"/>
+              <a:cs typeface="Arial"/>
+              <a:sym typeface="Arial"/>
+            </a:endParaRPr>
+          </a:p>
+        </p:txBody>
+      </p:sp>
+      <p:sp>
+        <p:nvSpPr>
+          <p:cNvPr id="171" name="Shape 171"/>
           <p:cNvSpPr/>
           <p:nvPr>
             <p:ph idx="2" type="sldImg"/>
@@ -1324,7 +1568,7 @@
   <p:cSld>
     <p:spTree>
       <p:nvGrpSpPr>
-        <p:cNvPr id="100" name="Shape 100"/>
+        <p:cNvPr id="101" name="Shape 101"/>
         <p:cNvGrpSpPr/>
         <p:nvPr/>
       </p:nvGrpSpPr>
@@ -1338,7 +1582,7 @@
       </p:grpSpPr>
       <p:sp>
         <p:nvSpPr>
-          <p:cNvPr id="101" name="Shape 101"/>
+          <p:cNvPr id="102" name="Shape 102"/>
           <p:cNvSpPr txBox="1"/>
           <p:nvPr>
             <p:ph idx="1" type="body"/>
@@ -1390,7 +1634,7 @@
       </p:sp>
       <p:sp>
         <p:nvSpPr>
-          <p:cNvPr id="102" name="Shape 102"/>
+          <p:cNvPr id="103" name="Shape 103"/>
           <p:cNvSpPr/>
           <p:nvPr>
             <p:ph idx="2" type="sldImg"/>
@@ -1445,7 +1689,7 @@
   <p:cSld>
     <p:spTree>
       <p:nvGrpSpPr>
-        <p:cNvPr id="106" name="Shape 106"/>
+        <p:cNvPr id="108" name="Shape 108"/>
         <p:cNvGrpSpPr/>
         <p:nvPr/>
       </p:nvGrpSpPr>
@@ -1459,7 +1703,7 @@
       </p:grpSpPr>
       <p:sp>
         <p:nvSpPr>
-          <p:cNvPr id="107" name="Shape 107"/>
+          <p:cNvPr id="109" name="Shape 109"/>
           <p:cNvSpPr txBox="1"/>
           <p:nvPr>
             <p:ph idx="1" type="body"/>
@@ -1511,7 +1755,7 @@
       </p:sp>
       <p:sp>
         <p:nvSpPr>
-          <p:cNvPr id="108" name="Shape 108"/>
+          <p:cNvPr id="110" name="Shape 110"/>
           <p:cNvSpPr/>
           <p:nvPr>
             <p:ph idx="2" type="sldImg"/>
@@ -1566,7 +1810,7 @@
   <p:cSld>
     <p:spTree>
       <p:nvGrpSpPr>
-        <p:cNvPr id="112" name="Shape 112"/>
+        <p:cNvPr id="114" name="Shape 114"/>
         <p:cNvGrpSpPr/>
         <p:nvPr/>
       </p:nvGrpSpPr>
@@ -1580,7 +1824,7 @@
       </p:grpSpPr>
       <p:sp>
         <p:nvSpPr>
-          <p:cNvPr id="113" name="Shape 113"/>
+          <p:cNvPr id="115" name="Shape 115"/>
           <p:cNvSpPr txBox="1"/>
           <p:nvPr>
             <p:ph idx="1" type="body"/>
@@ -1632,7 +1876,7 @@
       </p:sp>
       <p:sp>
         <p:nvSpPr>
-          <p:cNvPr id="114" name="Shape 114"/>
+          <p:cNvPr id="116" name="Shape 116"/>
           <p:cNvSpPr/>
           <p:nvPr>
             <p:ph idx="2" type="sldImg"/>
@@ -1687,7 +1931,7 @@
   <p:cSld>
     <p:spTree>
       <p:nvGrpSpPr>
-        <p:cNvPr id="119" name="Shape 119"/>
+        <p:cNvPr id="120" name="Shape 120"/>
         <p:cNvGrpSpPr/>
         <p:nvPr/>
       </p:nvGrpSpPr>
@@ -1701,7 +1945,7 @@
       </p:grpSpPr>
       <p:sp>
         <p:nvSpPr>
-          <p:cNvPr id="120" name="Shape 120"/>
+          <p:cNvPr id="121" name="Shape 121"/>
           <p:cNvSpPr txBox="1"/>
           <p:nvPr>
             <p:ph idx="1" type="body"/>
@@ -1753,7 +1997,7 @@
       </p:sp>
       <p:sp>
         <p:nvSpPr>
-          <p:cNvPr id="121" name="Shape 121"/>
+          <p:cNvPr id="122" name="Shape 122"/>
           <p:cNvSpPr/>
           <p:nvPr>
             <p:ph idx="2" type="sldImg"/>
@@ -1808,7 +2052,7 @@
   <p:cSld>
     <p:spTree>
       <p:nvGrpSpPr>
-        <p:cNvPr id="125" name="Shape 125"/>
+        <p:cNvPr id="126" name="Shape 126"/>
         <p:cNvGrpSpPr/>
         <p:nvPr/>
       </p:nvGrpSpPr>
@@ -1822,7 +2066,7 @@
       </p:grpSpPr>
       <p:sp>
         <p:nvSpPr>
-          <p:cNvPr id="126" name="Shape 126"/>
+          <p:cNvPr id="127" name="Shape 127"/>
           <p:cNvSpPr txBox="1"/>
           <p:nvPr>
             <p:ph idx="1" type="body"/>
@@ -1874,7 +2118,7 @@
       </p:sp>
       <p:sp>
         <p:nvSpPr>
-          <p:cNvPr id="127" name="Shape 127"/>
+          <p:cNvPr id="128" name="Shape 128"/>
           <p:cNvSpPr/>
           <p:nvPr>
             <p:ph idx="2" type="sldImg"/>
@@ -1929,7 +2173,7 @@
   <p:cSld>
     <p:spTree>
       <p:nvGrpSpPr>
-        <p:cNvPr id="131" name="Shape 131"/>
+        <p:cNvPr id="132" name="Shape 132"/>
         <p:cNvGrpSpPr/>
         <p:nvPr/>
       </p:nvGrpSpPr>
@@ -1943,7 +2187,7 @@
       </p:grpSpPr>
       <p:sp>
         <p:nvSpPr>
-          <p:cNvPr id="132" name="Shape 132"/>
+          <p:cNvPr id="133" name="Shape 133"/>
           <p:cNvSpPr txBox="1"/>
           <p:nvPr>
             <p:ph idx="1" type="body"/>
@@ -1995,7 +2239,7 @@
       </p:sp>
       <p:sp>
         <p:nvSpPr>
-          <p:cNvPr id="133" name="Shape 133"/>
+          <p:cNvPr id="134" name="Shape 134"/>
           <p:cNvSpPr/>
           <p:nvPr>
             <p:ph idx="2" type="sldImg"/>
@@ -14122,7 +14366,7 @@
     </p:bg>
     <p:spTree>
       <p:nvGrpSpPr>
-        <p:cNvPr id="134" name="Shape 134"/>
+        <p:cNvPr id="135" name="Shape 135"/>
         <p:cNvGrpSpPr/>
         <p:nvPr/>
       </p:nvGrpSpPr>
@@ -14136,7 +14380,7 @@
       </p:grpSpPr>
       <p:sp>
         <p:nvSpPr>
-          <p:cNvPr id="135" name="Shape 135"/>
+          <p:cNvPr id="136" name="Shape 136"/>
           <p:cNvSpPr txBox="1"/>
           <p:nvPr>
             <p:ph type="title"/>
@@ -14189,7 +14433,7 @@
                 <a:sym typeface="Times New Roman"/>
                 <a:rtl val="0"/>
               </a:rPr>
-              <a:t>O</a:t>
+              <a:t>M</a:t>
             </a:r>
             <a:r>
               <a:rPr b="0" baseline="0" i="0" lang="en-US" sz="4400" u="none" cap="none" strike="noStrike">
@@ -14202,14 +14446,14 @@
                 <a:sym typeface="Times New Roman"/>
                 <a:rtl val="0"/>
               </a:rPr>
-              <a:t>BSERVATIONS</a:t>
+              <a:t>ODEL</a:t>
             </a:r>
           </a:p>
         </p:txBody>
       </p:sp>
       <p:sp>
         <p:nvSpPr>
-          <p:cNvPr id="136" name="Shape 136"/>
+          <p:cNvPr id="137" name="Shape 137"/>
           <p:cNvSpPr txBox="1"/>
           <p:nvPr>
             <p:ph idx="1" type="body"/>
@@ -14262,33 +14506,7 @@
                 <a:sym typeface="Questrial"/>
                 <a:rtl val="0"/>
               </a:rPr>
-              <a:t>Scatter points closely lying around the </a:t>
-            </a:r>
-            <a:r>
-              <a:rPr b="1" baseline="0" i="0" lang="en-US" sz="2800" u="none" cap="none" strike="noStrike">
-                <a:solidFill>
-                  <a:srgbClr val="7F7F7F"/>
-                </a:solidFill>
-                <a:latin typeface="Questrial"/>
-                <a:ea typeface="Questrial"/>
-                <a:cs typeface="Questrial"/>
-                <a:sym typeface="Questrial"/>
-                <a:rtl val="0"/>
-              </a:rPr>
-              <a:t>line of best-fit</a:t>
-            </a:r>
-            <a:r>
-              <a:rPr b="0" baseline="0" i="0" lang="en-US" sz="2800" u="none" cap="none" strike="noStrike">
-                <a:solidFill>
-                  <a:srgbClr val="7F7F7F"/>
-                </a:solidFill>
-                <a:latin typeface="Questrial"/>
-                <a:ea typeface="Questrial"/>
-                <a:cs typeface="Questrial"/>
-                <a:sym typeface="Questrial"/>
-                <a:rtl val="0"/>
-              </a:rPr>
-              <a:t> (blue line), indicating a strong positive correlation between the actual ratings and the predicted ratings.</a:t>
+              <a:t>Import scikit-learn module, instantiate the linear regression model and “fit” the x and y dataframes corresponding to the user-specified feature columns and the outcome prediction column.</a:t>
             </a:r>
           </a:p>
           <a:p>
@@ -14320,11 +14538,164 @@
                 <a:sym typeface="Questrial"/>
                 <a:rtl val="0"/>
               </a:rPr>
-              <a:t>Root-mean-square error (RMSE): 0.8112</a:t>
+              <a:t>For example, if the user entered “R”, “Quentin Tarantino”, “Leonardo DiCaprio” as the predictors, dataframe x would contain only those columns from the original dataset.</a:t>
             </a:r>
+          </a:p>
+          <a:p>
+            <a:pPr indent="-228600" lvl="0" marL="228600" marR="0" rtl="0" algn="l">
+              <a:lnSpc>
+                <a:spcPct val="90000"/>
+              </a:lnSpc>
+              <a:spcBef>
+                <a:spcPts val="0"/>
+              </a:spcBef>
+              <a:spcAft>
+                <a:spcPts val="0"/>
+              </a:spcAft>
+              <a:buClr>
+                <a:srgbClr val="7F7F7F"/>
+              </a:buClr>
+              <a:buSzPct val="100000"/>
+              <a:buFont typeface="Arial"/>
+              <a:buChar char="•"/>
+            </a:pPr>
+            <a:r>
+              <a:rPr b="0" baseline="0" i="0" lang="en-US" sz="2800" u="none" cap="none" strike="noStrike">
+                <a:solidFill>
+                  <a:srgbClr val="7F7F7F"/>
+                </a:solidFill>
+                <a:latin typeface="Questrial"/>
+                <a:ea typeface="Questrial"/>
+                <a:cs typeface="Questrial"/>
+                <a:sym typeface="Questrial"/>
+                <a:rtl val="0"/>
+              </a:rPr>
+              <a:t>The x corresponds to x-axis which represents the independent variables, and the y corresponds to y-axis which represents the dependent variable in the following multiple linear regression equation:</a:t>
+            </a:r>
+          </a:p>
+          <a:p>
+            <a:pPr indent="-50800" lvl="0" marL="228600" marR="0" rtl="0" algn="l">
+              <a:lnSpc>
+                <a:spcPct val="90000"/>
+              </a:lnSpc>
+              <a:spcBef>
+                <a:spcPts val="0"/>
+              </a:spcBef>
+              <a:spcAft>
+                <a:spcPts val="0"/>
+              </a:spcAft>
+              <a:buClr>
+                <a:srgbClr val="7F7F7F"/>
+              </a:buClr>
+              <a:buFont typeface="Arial"/>
+              <a:buNone/>
+            </a:pPr>
+            <a:r>
+              <a:t/>
+            </a:r>
+            <a:endParaRPr b="0" baseline="0" i="0" sz="2800" u="none" cap="none" strike="noStrike">
+              <a:solidFill>
+                <a:srgbClr val="7F7F7F"/>
+              </a:solidFill>
+              <a:latin typeface="Questrial"/>
+              <a:ea typeface="Questrial"/>
+              <a:cs typeface="Questrial"/>
+              <a:sym typeface="Questrial"/>
+              <a:rtl val="0"/>
+            </a:endParaRPr>
+          </a:p>
+          <a:p>
+            <a:pPr indent="0" lvl="0" marL="0" marR="0" rtl="0" algn="l">
+              <a:lnSpc>
+                <a:spcPct val="90000"/>
+              </a:lnSpc>
+              <a:spcBef>
+                <a:spcPts val="0"/>
+              </a:spcBef>
+              <a:spcAft>
+                <a:spcPts val="0"/>
+              </a:spcAft>
+              <a:buClr>
+                <a:srgbClr val="7F7F7F"/>
+              </a:buClr>
+              <a:buSzPct val="25000"/>
+              <a:buFont typeface="Arial"/>
+              <a:buNone/>
+            </a:pPr>
+            <a:r>
+              <a:rPr b="0" baseline="0" i="0" lang="en-US" sz="2800" u="none" cap="none" strike="noStrike">
+                <a:solidFill>
+                  <a:srgbClr val="7F7F7F"/>
+                </a:solidFill>
+                <a:latin typeface="Questrial"/>
+                <a:ea typeface="Questrial"/>
+                <a:cs typeface="Questrial"/>
+                <a:sym typeface="Questrial"/>
+                <a:rtl val="0"/>
+              </a:rPr>
+              <a:t>	</a:t>
+            </a:r>
+          </a:p>
+          <a:p>
+            <a:pPr indent="-50800" lvl="0" marL="228600" marR="0" rtl="0" algn="l">
+              <a:lnSpc>
+                <a:spcPct val="90000"/>
+              </a:lnSpc>
+              <a:spcBef>
+                <a:spcPts val="0"/>
+              </a:spcBef>
+              <a:spcAft>
+                <a:spcPts val="0"/>
+              </a:spcAft>
+              <a:buClr>
+                <a:srgbClr val="7F7F7F"/>
+              </a:buClr>
+              <a:buFont typeface="Arial"/>
+              <a:buNone/>
+            </a:pPr>
+            <a:r>
+              <a:t/>
+            </a:r>
+            <a:endParaRPr b="0" baseline="0" i="0" sz="2800" u="none" cap="none" strike="noStrike">
+              <a:solidFill>
+                <a:srgbClr val="7F7F7F"/>
+              </a:solidFill>
+              <a:latin typeface="Questrial"/>
+              <a:ea typeface="Questrial"/>
+              <a:cs typeface="Questrial"/>
+              <a:sym typeface="Questrial"/>
+              <a:rtl val="0"/>
+            </a:endParaRPr>
           </a:p>
         </p:txBody>
       </p:sp>
+      <p:pic>
+        <p:nvPicPr>
+          <p:cNvPr id="138" name="Shape 138"/>
+          <p:cNvPicPr preferRelativeResize="0"/>
+          <p:nvPr/>
+        </p:nvPicPr>
+        <p:blipFill rotWithShape="1">
+          <a:blip r:embed="rId3">
+            <a:alphaModFix/>
+          </a:blip>
+          <a:srcRect b="0" l="0" r="0" t="0"/>
+          <a:stretch/>
+        </p:blipFill>
+        <p:spPr>
+          <a:xfrm>
+            <a:off x="2807176" y="6176985"/>
+            <a:ext cx="3336300" cy="617099"/>
+          </a:xfrm>
+          <a:prstGeom prst="rect">
+            <a:avLst/>
+          </a:prstGeom>
+          <a:noFill/>
+          <a:ln>
+            <a:noFill/>
+          </a:ln>
+        </p:spPr>
+      </p:pic>
     </p:spTree>
   </p:cSld>
   <p:clrMapOvr>
@@ -14348,7 +14719,7 @@
     </p:bg>
     <p:spTree>
       <p:nvGrpSpPr>
-        <p:cNvPr id="140" name="Shape 140"/>
+        <p:cNvPr id="142" name="Shape 142"/>
         <p:cNvGrpSpPr/>
         <p:nvPr/>
       </p:nvGrpSpPr>
@@ -14362,7 +14733,7 @@
       </p:grpSpPr>
       <p:sp>
         <p:nvSpPr>
-          <p:cNvPr id="141" name="Shape 141"/>
+          <p:cNvPr id="143" name="Shape 143"/>
           <p:cNvSpPr txBox="1"/>
           <p:nvPr>
             <p:ph type="title"/>
@@ -14415,7 +14786,7 @@
                 <a:sym typeface="Times New Roman"/>
                 <a:rtl val="0"/>
               </a:rPr>
-              <a:t>I</a:t>
+              <a:t>O</a:t>
             </a:r>
             <a:r>
               <a:rPr b="0" baseline="0" i="0" lang="en-US" sz="4400" u="none" cap="none" strike="noStrike">
@@ -14428,14 +14799,149 @@
                 <a:sym typeface="Times New Roman"/>
                 <a:rtl val="0"/>
               </a:rPr>
-              <a:t>SSUES</a:t>
+              <a:t>BSERVATIONS</a:t>
+            </a:r>
+          </a:p>
+        </p:txBody>
+      </p:sp>
+      <p:pic>
+        <p:nvPicPr>
+          <p:cNvPr id="144" name="Shape 144"/>
+          <p:cNvPicPr preferRelativeResize="0"/>
+          <p:nvPr/>
+        </p:nvPicPr>
+        <p:blipFill rotWithShape="1">
+          <a:blip r:embed="rId3">
+            <a:alphaModFix/>
+          </a:blip>
+          <a:srcRect b="0" l="0" r="0" t="0"/>
+          <a:stretch/>
+        </p:blipFill>
+        <p:spPr>
+          <a:xfrm>
+            <a:off x="1935139" y="1337479"/>
+            <a:ext cx="7998548" cy="5332364"/>
+          </a:xfrm>
+          <a:prstGeom prst="rect">
+            <a:avLst/>
+          </a:prstGeom>
+          <a:noFill/>
+          <a:ln>
+            <a:noFill/>
+          </a:ln>
+        </p:spPr>
+      </p:pic>
+    </p:spTree>
+  </p:cSld>
+  <p:clrMapOvr>
+    <a:masterClrMapping/>
+  </p:clrMapOvr>
+  <p:transition spd="slow">
+    <p:cut/>
+  </p:transition>
+</p:sld>
+</file>
+
+<file path=ppt/slides/slide12.xml><?xml version="1.0" encoding="utf-8"?>
+<p:sld xmlns:a="http://schemas.openxmlformats.org/drawingml/2006/main" xmlns:r="http://schemas.openxmlformats.org/officeDocument/2006/relationships" xmlns:mc="http://schemas.openxmlformats.org/markup-compatibility/2006" xmlns:mv="urn:schemas-microsoft-com:mac:vml" xmlns:p="http://schemas.openxmlformats.org/presentationml/2006/main" xmlns:c="http://schemas.openxmlformats.org/drawingml/2006/chart" xmlns:dgm="http://schemas.openxmlformats.org/drawingml/2006/diagram" xmlns:o="urn:schemas-microsoft-com:office:office" xmlns:v="urn:schemas-microsoft-com:vml" xmlns:pvml="urn:schemas-microsoft-com:office:powerpoint" xmlns:com="http://schemas.openxmlformats.org/drawingml/2006/compatibility" xmlns:p14="http://schemas.microsoft.com/office/powerpoint/2010/main">
+  <p:cSld>
+    <p:bg>
+      <p:bgPr>
+        <a:solidFill>
+          <a:srgbClr val="F2F2F2"/>
+        </a:solidFill>
+      </p:bgPr>
+    </p:bg>
+    <p:spTree>
+      <p:nvGrpSpPr>
+        <p:cNvPr id="148" name="Shape 148"/>
+        <p:cNvGrpSpPr/>
+        <p:nvPr/>
+      </p:nvGrpSpPr>
+      <p:grpSpPr>
+        <a:xfrm>
+          <a:off x="0" y="0"/>
+          <a:ext cx="0" cy="0"/>
+          <a:chOff x="0" y="0"/>
+          <a:chExt cx="0" cy="0"/>
+        </a:xfrm>
+      </p:grpSpPr>
+      <p:sp>
+        <p:nvSpPr>
+          <p:cNvPr id="149" name="Shape 149"/>
+          <p:cNvSpPr txBox="1"/>
+          <p:nvPr>
+            <p:ph type="title"/>
+          </p:nvPr>
+        </p:nvSpPr>
+        <p:spPr>
+          <a:xfrm>
+            <a:off x="838200" y="365125"/>
+            <a:ext cx="10515599" cy="1325562"/>
+          </a:xfrm>
+          <a:prstGeom prst="rect">
+            <a:avLst/>
+          </a:prstGeom>
+          <a:noFill/>
+          <a:ln>
+            <a:noFill/>
+          </a:ln>
+        </p:spPr>
+        <p:txBody>
+          <a:bodyPr anchorCtr="0" anchor="ctr" bIns="45700" lIns="91425" rIns="91425" tIns="45700">
+            <a:noAutofit/>
+          </a:bodyPr>
+          <a:lstStyle/>
+          <a:p>
+            <a:pPr indent="0" lvl="0" marL="0" marR="0" rtl="0" algn="l">
+              <a:lnSpc>
+                <a:spcPct val="90000"/>
+              </a:lnSpc>
+              <a:spcBef>
+                <a:spcPts val="0"/>
+              </a:spcBef>
+              <a:spcAft>
+                <a:spcPts val="0"/>
+              </a:spcAft>
+              <a:buClr>
+                <a:srgbClr val="7F7F7F"/>
+              </a:buClr>
+              <a:buSzPct val="25000"/>
+              <a:buFont typeface="Times New Roman"/>
+              <a:buNone/>
+            </a:pPr>
+            <a:r>
+              <a:rPr b="0" baseline="0" i="0" lang="en-US" sz="4400" u="sng" cap="none" strike="noStrike">
+                <a:solidFill>
+                  <a:srgbClr val="7F7F7F"/>
+                </a:solidFill>
+                <a:latin typeface="Times New Roman"/>
+                <a:ea typeface="Times New Roman"/>
+                <a:cs typeface="Times New Roman"/>
+                <a:sym typeface="Times New Roman"/>
+                <a:rtl val="0"/>
+              </a:rPr>
+              <a:t>O</a:t>
+            </a:r>
+            <a:r>
+              <a:rPr b="0" baseline="0" i="0" lang="en-US" sz="4400" u="none" cap="none" strike="noStrike">
+                <a:solidFill>
+                  <a:srgbClr val="7F7F7F"/>
+                </a:solidFill>
+                <a:latin typeface="Times New Roman"/>
+                <a:ea typeface="Times New Roman"/>
+                <a:cs typeface="Times New Roman"/>
+                <a:sym typeface="Times New Roman"/>
+                <a:rtl val="0"/>
+              </a:rPr>
+              <a:t>BSERVATIONS</a:t>
             </a:r>
           </a:p>
         </p:txBody>
       </p:sp>
       <p:sp>
         <p:nvSpPr>
-          <p:cNvPr id="142" name="Shape 142"/>
+          <p:cNvPr id="150" name="Shape 150"/>
           <p:cNvSpPr txBox="1"/>
           <p:nvPr>
             <p:ph idx="1" type="body"/>
@@ -14488,7 +14994,33 @@
                 <a:sym typeface="Questrial"/>
                 <a:rtl val="0"/>
               </a:rPr>
-              <a:t>Scaling: the outcome rating with certain predictors crosses the 10 point mark</a:t>
+              <a:t>Scatter points closely lying around the </a:t>
+            </a:r>
+            <a:r>
+              <a:rPr b="1" baseline="0" i="0" lang="en-US" sz="2800" u="none" cap="none" strike="noStrike">
+                <a:solidFill>
+                  <a:srgbClr val="7F7F7F"/>
+                </a:solidFill>
+                <a:latin typeface="Questrial"/>
+                <a:ea typeface="Questrial"/>
+                <a:cs typeface="Questrial"/>
+                <a:sym typeface="Questrial"/>
+                <a:rtl val="0"/>
+              </a:rPr>
+              <a:t>line of best-fit</a:t>
+            </a:r>
+            <a:r>
+              <a:rPr b="0" baseline="0" i="0" lang="en-US" sz="2800" u="none" cap="none" strike="noStrike">
+                <a:solidFill>
+                  <a:srgbClr val="7F7F7F"/>
+                </a:solidFill>
+                <a:latin typeface="Questrial"/>
+                <a:ea typeface="Questrial"/>
+                <a:cs typeface="Questrial"/>
+                <a:sym typeface="Questrial"/>
+                <a:rtl val="0"/>
+              </a:rPr>
+              <a:t> (blue line), indicating a strong positive correlation between the actual ratings and the predicted ratings.</a:t>
             </a:r>
           </a:p>
           <a:p>
@@ -14520,356 +15052,7 @@
                 <a:sym typeface="Questrial"/>
                 <a:rtl val="0"/>
               </a:rPr>
-              <a:t>Memory management: since feature vectors are being created for categorical data, such as multiple actors, currently only considering movies above a certain threshold</a:t>
-            </a:r>
-            <a:r>
-              <a:rPr lang="en-US">
-                <a:solidFill>
-                  <a:srgbClr val="7F7F7F"/>
-                </a:solidFill>
-                <a:latin typeface="Questrial"/>
-                <a:ea typeface="Questrial"/>
-                <a:cs typeface="Questrial"/>
-                <a:sym typeface="Questrial"/>
-                <a:rtl val="0"/>
-              </a:rPr>
-              <a:t> due to limited processing capabilities on a regular machine. </a:t>
-            </a:r>
-            <a:r>
-              <a:rPr b="0" baseline="0" i="0" lang="en-US" sz="2800" u="none" cap="none" strike="noStrike">
-                <a:solidFill>
-                  <a:srgbClr val="7F7F7F"/>
-                </a:solidFill>
-                <a:latin typeface="Questrial"/>
-                <a:ea typeface="Questrial"/>
-                <a:cs typeface="Questrial"/>
-                <a:sym typeface="Questrial"/>
-                <a:rtl val="0"/>
-              </a:rPr>
-              <a:t>The training dataset includes only movies with </a:t>
-            </a:r>
-            <a:r>
-              <a:rPr lang="en-US">
-                <a:solidFill>
-                  <a:srgbClr val="7F7F7F"/>
-                </a:solidFill>
-                <a:latin typeface="Questrial"/>
-                <a:ea typeface="Questrial"/>
-                <a:cs typeface="Questrial"/>
-                <a:sym typeface="Questrial"/>
-                <a:rtl val="0"/>
-              </a:rPr>
-              <a:t>more than 1000 votes</a:t>
-            </a:r>
-            <a:r>
-              <a:rPr b="0" baseline="0" i="0" lang="en-US" sz="2800" u="none" cap="none" strike="noStrike">
-                <a:solidFill>
-                  <a:srgbClr val="7F7F7F"/>
-                </a:solidFill>
-                <a:latin typeface="Questrial"/>
-                <a:ea typeface="Questrial"/>
-                <a:cs typeface="Questrial"/>
-                <a:sym typeface="Questrial"/>
-                <a:rtl val="0"/>
-              </a:rPr>
-              <a:t>. (Movie count</a:t>
-            </a:r>
-            <a:r>
-              <a:rPr lang="en-US">
-                <a:solidFill>
-                  <a:srgbClr val="7F7F7F"/>
-                </a:solidFill>
-                <a:latin typeface="Questrial"/>
-                <a:ea typeface="Questrial"/>
-                <a:cs typeface="Questrial"/>
-                <a:sym typeface="Questrial"/>
-                <a:rtl val="0"/>
-              </a:rPr>
-              <a:t>: 10200, director count: 4528, actor count: 15129)</a:t>
-            </a:r>
-          </a:p>
-        </p:txBody>
-      </p:sp>
-    </p:spTree>
-  </p:cSld>
-  <p:clrMapOvr>
-    <a:masterClrMapping/>
-  </p:clrMapOvr>
-  <p:transition spd="slow">
-    <p:cut/>
-  </p:transition>
-</p:sld>
-</file>
-
-<file path=ppt/slides/slide12.xml><?xml version="1.0" encoding="utf-8"?>
-<p:sld xmlns:a="http://schemas.openxmlformats.org/drawingml/2006/main" xmlns:r="http://schemas.openxmlformats.org/officeDocument/2006/relationships" xmlns:mc="http://schemas.openxmlformats.org/markup-compatibility/2006" xmlns:mv="urn:schemas-microsoft-com:mac:vml" xmlns:p="http://schemas.openxmlformats.org/presentationml/2006/main" xmlns:c="http://schemas.openxmlformats.org/drawingml/2006/chart" xmlns:dgm="http://schemas.openxmlformats.org/drawingml/2006/diagram" xmlns:o="urn:schemas-microsoft-com:office:office" xmlns:v="urn:schemas-microsoft-com:vml" xmlns:pvml="urn:schemas-microsoft-com:office:powerpoint" xmlns:com="http://schemas.openxmlformats.org/drawingml/2006/compatibility" xmlns:p14="http://schemas.microsoft.com/office/powerpoint/2010/main">
-  <p:cSld>
-    <p:bg>
-      <p:bgPr>
-        <a:solidFill>
-          <a:srgbClr val="F2F2F2"/>
-        </a:solidFill>
-      </p:bgPr>
-    </p:bg>
-    <p:spTree>
-      <p:nvGrpSpPr>
-        <p:cNvPr id="146" name="Shape 146"/>
-        <p:cNvGrpSpPr/>
-        <p:nvPr/>
-      </p:nvGrpSpPr>
-      <p:grpSpPr>
-        <a:xfrm>
-          <a:off x="0" y="0"/>
-          <a:ext cx="0" cy="0"/>
-          <a:chOff x="0" y="0"/>
-          <a:chExt cx="0" cy="0"/>
-        </a:xfrm>
-      </p:grpSpPr>
-      <p:sp>
-        <p:nvSpPr>
-          <p:cNvPr id="147" name="Shape 147"/>
-          <p:cNvSpPr txBox="1"/>
-          <p:nvPr>
-            <p:ph type="title"/>
-          </p:nvPr>
-        </p:nvSpPr>
-        <p:spPr>
-          <a:xfrm>
-            <a:off x="838200" y="365125"/>
-            <a:ext cx="10515599" cy="1325562"/>
-          </a:xfrm>
-          <a:prstGeom prst="rect">
-            <a:avLst/>
-          </a:prstGeom>
-          <a:noFill/>
-          <a:ln>
-            <a:noFill/>
-          </a:ln>
-        </p:spPr>
-        <p:txBody>
-          <a:bodyPr anchorCtr="0" anchor="ctr" bIns="45700" lIns="91425" rIns="91425" tIns="45700">
-            <a:noAutofit/>
-          </a:bodyPr>
-          <a:lstStyle/>
-          <a:p>
-            <a:pPr indent="0" lvl="0" marL="0" marR="0" rtl="0" algn="l">
-              <a:lnSpc>
-                <a:spcPct val="90000"/>
-              </a:lnSpc>
-              <a:spcBef>
-                <a:spcPts val="0"/>
-              </a:spcBef>
-              <a:spcAft>
-                <a:spcPts val="0"/>
-              </a:spcAft>
-              <a:buClr>
-                <a:srgbClr val="7F7F7F"/>
-              </a:buClr>
-              <a:buSzPct val="25000"/>
-              <a:buFont typeface="Times New Roman"/>
-              <a:buNone/>
-            </a:pPr>
-            <a:r>
-              <a:rPr b="0" baseline="0" i="0" lang="en-US" sz="4400" u="sng" cap="none" strike="noStrike">
-                <a:solidFill>
-                  <a:srgbClr val="7F7F7F"/>
-                </a:solidFill>
-                <a:latin typeface="Times New Roman"/>
-                <a:ea typeface="Times New Roman"/>
-                <a:cs typeface="Times New Roman"/>
-                <a:sym typeface="Times New Roman"/>
-                <a:rtl val="0"/>
-              </a:rPr>
-              <a:t>F</a:t>
-            </a:r>
-            <a:r>
-              <a:rPr b="0" baseline="0" i="0" lang="en-US" sz="4400" u="none" cap="none" strike="noStrike">
-                <a:solidFill>
-                  <a:srgbClr val="7F7F7F"/>
-                </a:solidFill>
-                <a:latin typeface="Times New Roman"/>
-                <a:ea typeface="Times New Roman"/>
-                <a:cs typeface="Times New Roman"/>
-                <a:sym typeface="Times New Roman"/>
-                <a:rtl val="0"/>
-              </a:rPr>
-              <a:t>UTURE </a:t>
-            </a:r>
-            <a:r>
-              <a:rPr b="0" baseline="0" i="0" lang="en-US" sz="4400" cap="none" strike="noStrike">
-                <a:solidFill>
-                  <a:srgbClr val="7F7F7F"/>
-                </a:solidFill>
-                <a:latin typeface="Times New Roman"/>
-                <a:ea typeface="Times New Roman"/>
-                <a:cs typeface="Times New Roman"/>
-                <a:sym typeface="Times New Roman"/>
-                <a:rtl val="0"/>
-              </a:rPr>
-              <a:t>P</a:t>
-            </a:r>
-            <a:r>
-              <a:rPr b="0" baseline="0" i="0" lang="en-US" sz="4400" u="none" cap="none" strike="noStrike">
-                <a:solidFill>
-                  <a:srgbClr val="7F7F7F"/>
-                </a:solidFill>
-                <a:latin typeface="Times New Roman"/>
-                <a:ea typeface="Times New Roman"/>
-                <a:cs typeface="Times New Roman"/>
-                <a:sym typeface="Times New Roman"/>
-                <a:rtl val="0"/>
-              </a:rPr>
-              <a:t>LANS</a:t>
-            </a:r>
-          </a:p>
-        </p:txBody>
-      </p:sp>
-      <p:sp>
-        <p:nvSpPr>
-          <p:cNvPr id="148" name="Shape 148"/>
-          <p:cNvSpPr txBox="1"/>
-          <p:nvPr>
-            <p:ph idx="1" type="body"/>
-          </p:nvPr>
-        </p:nvSpPr>
-        <p:spPr>
-          <a:xfrm>
-            <a:off x="838200" y="1825625"/>
-            <a:ext cx="10515599" cy="4351338"/>
-          </a:xfrm>
-          <a:prstGeom prst="rect">
-            <a:avLst/>
-          </a:prstGeom>
-          <a:noFill/>
-          <a:ln>
-            <a:noFill/>
-          </a:ln>
-        </p:spPr>
-        <p:txBody>
-          <a:bodyPr anchorCtr="0" anchor="t" bIns="45700" lIns="91425" rIns="91425" tIns="45700">
-            <a:noAutofit/>
-          </a:bodyPr>
-          <a:lstStyle/>
-          <a:p>
-            <a:pPr indent="-228600" lvl="0" marL="228600" marR="0" rtl="0" algn="l">
-              <a:lnSpc>
-                <a:spcPct val="90000"/>
-              </a:lnSpc>
-              <a:spcBef>
-                <a:spcPts val="0"/>
-              </a:spcBef>
-              <a:spcAft>
-                <a:spcPts val="0"/>
-              </a:spcAft>
-              <a:buClr>
-                <a:srgbClr val="7F7F7F"/>
-              </a:buClr>
-              <a:buSzPct val="100000"/>
-              <a:buFont typeface="Arial"/>
-              <a:buChar char="•"/>
-            </a:pPr>
-            <a:r>
-              <a:rPr b="0" baseline="0" i="0" lang="en-US" sz="2800" u="none" cap="none" strike="noStrike">
-                <a:solidFill>
-                  <a:srgbClr val="7F7F7F"/>
-                </a:solidFill>
-                <a:latin typeface="Questrial"/>
-                <a:ea typeface="Questrial"/>
-                <a:cs typeface="Questrial"/>
-                <a:sym typeface="Questrial"/>
-                <a:rtl val="0"/>
-              </a:rPr>
-              <a:t>Implement support for more features, more outcome predictors</a:t>
-            </a:r>
-            <a:r>
-              <a:rPr lang="en-US">
-                <a:solidFill>
-                  <a:srgbClr val="7F7F7F"/>
-                </a:solidFill>
-                <a:latin typeface="Questrial"/>
-                <a:ea typeface="Questrial"/>
-                <a:cs typeface="Questrial"/>
-                <a:sym typeface="Questrial"/>
-                <a:rtl val="0"/>
-              </a:rPr>
-              <a:t> such as box office data: </a:t>
-            </a:r>
-            <a:r>
-              <a:rPr b="0" baseline="0" i="0" lang="en-US" sz="2800" u="none" cap="none" strike="noStrike">
-                <a:solidFill>
-                  <a:srgbClr val="7F7F7F"/>
-                </a:solidFill>
-                <a:latin typeface="Questrial"/>
-                <a:ea typeface="Questrial"/>
-                <a:cs typeface="Questrial"/>
-                <a:sym typeface="Questrial"/>
-                <a:rtl val="0"/>
-              </a:rPr>
-              <a:t>budget (feature), gross (outcome)</a:t>
-            </a:r>
-          </a:p>
-          <a:p>
-            <a:pPr indent="-228600" lvl="0" marL="228600" marR="0" rtl="0" algn="l">
-              <a:lnSpc>
-                <a:spcPct val="90000"/>
-              </a:lnSpc>
-              <a:spcBef>
-                <a:spcPts val="0"/>
-              </a:spcBef>
-              <a:spcAft>
-                <a:spcPts val="0"/>
-              </a:spcAft>
-              <a:buClr>
-                <a:srgbClr val="7F7F7F"/>
-              </a:buClr>
-              <a:buSzPct val="100000"/>
-              <a:buFont typeface="Arial"/>
-              <a:buChar char="•"/>
-            </a:pPr>
-            <a:r>
-              <a:rPr b="0" baseline="0" i="0" lang="en-US" sz="2800" u="none" cap="none" strike="noStrike">
-                <a:solidFill>
-                  <a:srgbClr val="7F7F7F"/>
-                </a:solidFill>
-                <a:latin typeface="Questrial"/>
-                <a:ea typeface="Questrial"/>
-                <a:cs typeface="Questrial"/>
-                <a:sym typeface="Questrial"/>
-                <a:rtl val="0"/>
-              </a:rPr>
-              <a:t>Currently working on parsing Rotten Tomatoes movie data to add more predictors such as production houses</a:t>
-            </a:r>
-          </a:p>
-          <a:p>
-            <a:pPr indent="-228600" lvl="0" marL="228600" marR="0" rtl="0" algn="l">
-              <a:lnSpc>
-                <a:spcPct val="90000"/>
-              </a:lnSpc>
-              <a:spcBef>
-                <a:spcPts val="0"/>
-              </a:spcBef>
-              <a:spcAft>
-                <a:spcPts val="0"/>
-              </a:spcAft>
-              <a:buClr>
-                <a:srgbClr val="7F7F7F"/>
-              </a:buClr>
-              <a:buSzPct val="100000"/>
-              <a:buFont typeface="Questrial"/>
-              <a:buChar char="•"/>
-            </a:pPr>
-            <a:r>
-              <a:rPr lang="en-US">
-                <a:solidFill>
-                  <a:srgbClr val="7F7F7F"/>
-                </a:solidFill>
-                <a:latin typeface="Questrial"/>
-                <a:ea typeface="Questrial"/>
-                <a:cs typeface="Questrial"/>
-                <a:sym typeface="Questrial"/>
-                <a:rtl val="0"/>
-              </a:rPr>
-              <a:t>Using box office data, analyze trends such as predicting the ideal time (month) for a movie release based on the budget and gross, showing a bar chart for the predicted box office collections depending upon the months</a:t>
+              <a:t>Root-mean-square error (RMSE): 0.8112</a:t>
             </a:r>
           </a:p>
         </p:txBody>
@@ -14897,7 +15080,7 @@
     </p:bg>
     <p:spTree>
       <p:nvGrpSpPr>
-        <p:cNvPr id="152" name="Shape 152"/>
+        <p:cNvPr id="154" name="Shape 154"/>
         <p:cNvGrpSpPr/>
         <p:nvPr/>
       </p:nvGrpSpPr>
@@ -14911,7 +15094,7 @@
       </p:grpSpPr>
       <p:sp>
         <p:nvSpPr>
-          <p:cNvPr id="153" name="Shape 153"/>
+          <p:cNvPr id="155" name="Shape 155"/>
           <p:cNvSpPr txBox="1"/>
           <p:nvPr>
             <p:ph type="title"/>
@@ -14964,6 +15147,271 @@
                 <a:sym typeface="Times New Roman"/>
                 <a:rtl val="0"/>
               </a:rPr>
+              <a:t>I</a:t>
+            </a:r>
+            <a:r>
+              <a:rPr b="0" baseline="0" i="0" lang="en-US" sz="4400" u="none" cap="none" strike="noStrike">
+                <a:solidFill>
+                  <a:srgbClr val="7F7F7F"/>
+                </a:solidFill>
+                <a:latin typeface="Times New Roman"/>
+                <a:ea typeface="Times New Roman"/>
+                <a:cs typeface="Times New Roman"/>
+                <a:sym typeface="Times New Roman"/>
+                <a:rtl val="0"/>
+              </a:rPr>
+              <a:t>SSUES</a:t>
+            </a:r>
+          </a:p>
+        </p:txBody>
+      </p:sp>
+      <p:sp>
+        <p:nvSpPr>
+          <p:cNvPr id="156" name="Shape 156"/>
+          <p:cNvSpPr txBox="1"/>
+          <p:nvPr>
+            <p:ph idx="1" type="body"/>
+          </p:nvPr>
+        </p:nvSpPr>
+        <p:spPr>
+          <a:xfrm>
+            <a:off x="838200" y="1825625"/>
+            <a:ext cx="10515599" cy="4351338"/>
+          </a:xfrm>
+          <a:prstGeom prst="rect">
+            <a:avLst/>
+          </a:prstGeom>
+          <a:noFill/>
+          <a:ln>
+            <a:noFill/>
+          </a:ln>
+        </p:spPr>
+        <p:txBody>
+          <a:bodyPr anchorCtr="0" anchor="t" bIns="45700" lIns="91425" rIns="91425" tIns="45700">
+            <a:noAutofit/>
+          </a:bodyPr>
+          <a:lstStyle/>
+          <a:p>
+            <a:pPr indent="-228600" lvl="0" marL="228600" marR="0" rtl="0" algn="l">
+              <a:lnSpc>
+                <a:spcPct val="90000"/>
+              </a:lnSpc>
+              <a:spcBef>
+                <a:spcPts val="0"/>
+              </a:spcBef>
+              <a:spcAft>
+                <a:spcPts val="0"/>
+              </a:spcAft>
+              <a:buClr>
+                <a:srgbClr val="7F7F7F"/>
+              </a:buClr>
+              <a:buSzPct val="100000"/>
+              <a:buFont typeface="Arial"/>
+              <a:buChar char="•"/>
+            </a:pPr>
+            <a:r>
+              <a:rPr b="0" baseline="0" i="0" lang="en-US" sz="2800" u="none" cap="none" strike="noStrike">
+                <a:solidFill>
+                  <a:srgbClr val="7F7F7F"/>
+                </a:solidFill>
+                <a:latin typeface="Questrial"/>
+                <a:ea typeface="Questrial"/>
+                <a:cs typeface="Questrial"/>
+                <a:sym typeface="Questrial"/>
+                <a:rtl val="0"/>
+              </a:rPr>
+              <a:t>Scaling: the outcome rating with certain predictors crosses the 10 point mark</a:t>
+            </a:r>
+          </a:p>
+          <a:p>
+            <a:pPr indent="-228600" lvl="0" marL="228600" marR="0" rtl="0" algn="l">
+              <a:lnSpc>
+                <a:spcPct val="90000"/>
+              </a:lnSpc>
+              <a:spcBef>
+                <a:spcPts val="0"/>
+              </a:spcBef>
+              <a:spcAft>
+                <a:spcPts val="0"/>
+              </a:spcAft>
+              <a:buClr>
+                <a:srgbClr val="7F7F7F"/>
+              </a:buClr>
+              <a:buSzPct val="100000"/>
+              <a:buFont typeface="Arial"/>
+              <a:buChar char="•"/>
+            </a:pPr>
+            <a:r>
+              <a:rPr b="0" baseline="0" i="0" lang="en-US" sz="2800" u="none" cap="none" strike="noStrike">
+                <a:solidFill>
+                  <a:srgbClr val="7F7F7F"/>
+                </a:solidFill>
+                <a:latin typeface="Questrial"/>
+                <a:ea typeface="Questrial"/>
+                <a:cs typeface="Questrial"/>
+                <a:sym typeface="Questrial"/>
+                <a:rtl val="0"/>
+              </a:rPr>
+              <a:t>Memory management: since feature vectors are being created for categorical data, such as multiple actors, currently only considering movies above a certain threshold</a:t>
+            </a:r>
+            <a:r>
+              <a:rPr lang="en-US">
+                <a:solidFill>
+                  <a:srgbClr val="7F7F7F"/>
+                </a:solidFill>
+                <a:latin typeface="Questrial"/>
+                <a:ea typeface="Questrial"/>
+                <a:cs typeface="Questrial"/>
+                <a:sym typeface="Questrial"/>
+                <a:rtl val="0"/>
+              </a:rPr>
+              <a:t> due to limited processing capabilities on a regular machine. </a:t>
+            </a:r>
+            <a:r>
+              <a:rPr b="0" baseline="0" i="0" lang="en-US" sz="2800" u="none" cap="none" strike="noStrike">
+                <a:solidFill>
+                  <a:srgbClr val="7F7F7F"/>
+                </a:solidFill>
+                <a:latin typeface="Questrial"/>
+                <a:ea typeface="Questrial"/>
+                <a:cs typeface="Questrial"/>
+                <a:sym typeface="Questrial"/>
+                <a:rtl val="0"/>
+              </a:rPr>
+              <a:t>The training dataset includes only movies with </a:t>
+            </a:r>
+            <a:r>
+              <a:rPr lang="en-US">
+                <a:solidFill>
+                  <a:srgbClr val="7F7F7F"/>
+                </a:solidFill>
+                <a:latin typeface="Questrial"/>
+                <a:ea typeface="Questrial"/>
+                <a:cs typeface="Questrial"/>
+                <a:sym typeface="Questrial"/>
+                <a:rtl val="0"/>
+              </a:rPr>
+              <a:t>more than 1000 votes</a:t>
+            </a:r>
+            <a:r>
+              <a:rPr b="0" baseline="0" i="0" lang="en-US" sz="2800" u="none" cap="none" strike="noStrike">
+                <a:solidFill>
+                  <a:srgbClr val="7F7F7F"/>
+                </a:solidFill>
+                <a:latin typeface="Questrial"/>
+                <a:ea typeface="Questrial"/>
+                <a:cs typeface="Questrial"/>
+                <a:sym typeface="Questrial"/>
+                <a:rtl val="0"/>
+              </a:rPr>
+              <a:t>. (Movie count</a:t>
+            </a:r>
+            <a:r>
+              <a:rPr lang="en-US">
+                <a:solidFill>
+                  <a:srgbClr val="7F7F7F"/>
+                </a:solidFill>
+                <a:latin typeface="Questrial"/>
+                <a:ea typeface="Questrial"/>
+                <a:cs typeface="Questrial"/>
+                <a:sym typeface="Questrial"/>
+                <a:rtl val="0"/>
+              </a:rPr>
+              <a:t>: 10200, director count: 4528, actor count: 15129)</a:t>
+            </a:r>
+          </a:p>
+        </p:txBody>
+      </p:sp>
+    </p:spTree>
+  </p:cSld>
+  <p:clrMapOvr>
+    <a:masterClrMapping/>
+  </p:clrMapOvr>
+  <p:transition spd="slow">
+    <p:cut/>
+  </p:transition>
+</p:sld>
+</file>
+
+<file path=ppt/slides/slide14.xml><?xml version="1.0" encoding="utf-8"?>
+<p:sld xmlns:a="http://schemas.openxmlformats.org/drawingml/2006/main" xmlns:r="http://schemas.openxmlformats.org/officeDocument/2006/relationships" xmlns:mc="http://schemas.openxmlformats.org/markup-compatibility/2006" xmlns:mv="urn:schemas-microsoft-com:mac:vml" xmlns:p="http://schemas.openxmlformats.org/presentationml/2006/main" xmlns:c="http://schemas.openxmlformats.org/drawingml/2006/chart" xmlns:dgm="http://schemas.openxmlformats.org/drawingml/2006/diagram" xmlns:o="urn:schemas-microsoft-com:office:office" xmlns:v="urn:schemas-microsoft-com:vml" xmlns:pvml="urn:schemas-microsoft-com:office:powerpoint" xmlns:com="http://schemas.openxmlformats.org/drawingml/2006/compatibility" xmlns:p14="http://schemas.microsoft.com/office/powerpoint/2010/main">
+  <p:cSld>
+    <p:bg>
+      <p:bgPr>
+        <a:solidFill>
+          <a:srgbClr val="F2F2F2"/>
+        </a:solidFill>
+      </p:bgPr>
+    </p:bg>
+    <p:spTree>
+      <p:nvGrpSpPr>
+        <p:cNvPr id="160" name="Shape 160"/>
+        <p:cNvGrpSpPr/>
+        <p:nvPr/>
+      </p:nvGrpSpPr>
+      <p:grpSpPr>
+        <a:xfrm>
+          <a:off x="0" y="0"/>
+          <a:ext cx="0" cy="0"/>
+          <a:chOff x="0" y="0"/>
+          <a:chExt cx="0" cy="0"/>
+        </a:xfrm>
+      </p:grpSpPr>
+      <p:sp>
+        <p:nvSpPr>
+          <p:cNvPr id="161" name="Shape 161"/>
+          <p:cNvSpPr txBox="1"/>
+          <p:nvPr>
+            <p:ph type="title"/>
+          </p:nvPr>
+        </p:nvSpPr>
+        <p:spPr>
+          <a:xfrm>
+            <a:off x="838200" y="365125"/>
+            <a:ext cx="10515599" cy="1325562"/>
+          </a:xfrm>
+          <a:prstGeom prst="rect">
+            <a:avLst/>
+          </a:prstGeom>
+          <a:noFill/>
+          <a:ln>
+            <a:noFill/>
+          </a:ln>
+        </p:spPr>
+        <p:txBody>
+          <a:bodyPr anchorCtr="0" anchor="ctr" bIns="45700" lIns="91425" rIns="91425" tIns="45700">
+            <a:noAutofit/>
+          </a:bodyPr>
+          <a:lstStyle/>
+          <a:p>
+            <a:pPr indent="0" lvl="0" marL="0" marR="0" rtl="0" algn="l">
+              <a:lnSpc>
+                <a:spcPct val="90000"/>
+              </a:lnSpc>
+              <a:spcBef>
+                <a:spcPts val="0"/>
+              </a:spcBef>
+              <a:spcAft>
+                <a:spcPts val="0"/>
+              </a:spcAft>
+              <a:buClr>
+                <a:srgbClr val="7F7F7F"/>
+              </a:buClr>
+              <a:buSzPct val="25000"/>
+              <a:buFont typeface="Times New Roman"/>
+              <a:buNone/>
+            </a:pPr>
+            <a:r>
+              <a:rPr b="0" baseline="0" i="0" lang="en-US" sz="4400" u="sng" cap="none" strike="noStrike">
+                <a:solidFill>
+                  <a:srgbClr val="7F7F7F"/>
+                </a:solidFill>
+                <a:latin typeface="Times New Roman"/>
+                <a:ea typeface="Times New Roman"/>
+                <a:cs typeface="Times New Roman"/>
+                <a:sym typeface="Times New Roman"/>
+                <a:rtl val="0"/>
+              </a:rPr>
               <a:t>F</a:t>
             </a:r>
             <a:r>
@@ -15010,7 +15458,291 @@
       </p:sp>
       <p:sp>
         <p:nvSpPr>
-          <p:cNvPr id="154" name="Shape 154"/>
+          <p:cNvPr id="162" name="Shape 162"/>
+          <p:cNvSpPr txBox="1"/>
+          <p:nvPr>
+            <p:ph idx="1" type="body"/>
+          </p:nvPr>
+        </p:nvSpPr>
+        <p:spPr>
+          <a:xfrm>
+            <a:off x="838200" y="1825625"/>
+            <a:ext cx="10515599" cy="4351338"/>
+          </a:xfrm>
+          <a:prstGeom prst="rect">
+            <a:avLst/>
+          </a:prstGeom>
+          <a:noFill/>
+          <a:ln>
+            <a:noFill/>
+          </a:ln>
+        </p:spPr>
+        <p:txBody>
+          <a:bodyPr anchorCtr="0" anchor="t" bIns="45700" lIns="91425" rIns="91425" tIns="45700">
+            <a:noAutofit/>
+          </a:bodyPr>
+          <a:lstStyle/>
+          <a:p>
+            <a:pPr indent="-228600" lvl="0" marL="228600" marR="0" rtl="0" algn="l">
+              <a:lnSpc>
+                <a:spcPct val="90000"/>
+              </a:lnSpc>
+              <a:spcBef>
+                <a:spcPts val="0"/>
+              </a:spcBef>
+              <a:spcAft>
+                <a:spcPts val="0"/>
+              </a:spcAft>
+              <a:buClr>
+                <a:srgbClr val="7F7F7F"/>
+              </a:buClr>
+              <a:buSzPct val="100000"/>
+              <a:buFont typeface="Arial"/>
+              <a:buChar char="•"/>
+            </a:pPr>
+            <a:r>
+              <a:rPr b="0" baseline="0" i="0" lang="en-US" sz="2800" u="none" cap="none" strike="noStrike">
+                <a:solidFill>
+                  <a:srgbClr val="7F7F7F"/>
+                </a:solidFill>
+                <a:latin typeface="Questrial"/>
+                <a:ea typeface="Questrial"/>
+                <a:cs typeface="Questrial"/>
+                <a:sym typeface="Questrial"/>
+                <a:rtl val="0"/>
+              </a:rPr>
+              <a:t>Implement support for more features, more outcome predictors</a:t>
+            </a:r>
+            <a:r>
+              <a:rPr lang="en-US">
+                <a:solidFill>
+                  <a:srgbClr val="7F7F7F"/>
+                </a:solidFill>
+                <a:latin typeface="Questrial"/>
+                <a:ea typeface="Questrial"/>
+                <a:cs typeface="Questrial"/>
+                <a:sym typeface="Questrial"/>
+                <a:rtl val="0"/>
+              </a:rPr>
+              <a:t> such as box office data: </a:t>
+            </a:r>
+            <a:r>
+              <a:rPr b="0" baseline="0" i="0" lang="en-US" sz="2800" u="none" cap="none" strike="noStrike">
+                <a:solidFill>
+                  <a:srgbClr val="7F7F7F"/>
+                </a:solidFill>
+                <a:latin typeface="Questrial"/>
+                <a:ea typeface="Questrial"/>
+                <a:cs typeface="Questrial"/>
+                <a:sym typeface="Questrial"/>
+                <a:rtl val="0"/>
+              </a:rPr>
+              <a:t>budget (feature), gross (outcome)</a:t>
+            </a:r>
+          </a:p>
+          <a:p>
+            <a:pPr indent="-228600" lvl="0" marL="228600" marR="0" rtl="0" algn="l">
+              <a:lnSpc>
+                <a:spcPct val="90000"/>
+              </a:lnSpc>
+              <a:spcBef>
+                <a:spcPts val="0"/>
+              </a:spcBef>
+              <a:spcAft>
+                <a:spcPts val="0"/>
+              </a:spcAft>
+              <a:buClr>
+                <a:srgbClr val="7F7F7F"/>
+              </a:buClr>
+              <a:buSzPct val="100000"/>
+              <a:buFont typeface="Arial"/>
+              <a:buChar char="•"/>
+            </a:pPr>
+            <a:r>
+              <a:rPr b="0" baseline="0" i="0" lang="en-US" sz="2800" u="none" cap="none" strike="noStrike">
+                <a:solidFill>
+                  <a:srgbClr val="7F7F7F"/>
+                </a:solidFill>
+                <a:latin typeface="Questrial"/>
+                <a:ea typeface="Questrial"/>
+                <a:cs typeface="Questrial"/>
+                <a:sym typeface="Questrial"/>
+                <a:rtl val="0"/>
+              </a:rPr>
+              <a:t>Currently working on parsing Rotten Tomatoes movie data to add more predictors such as production houses</a:t>
+            </a:r>
+          </a:p>
+          <a:p>
+            <a:pPr indent="-228600" lvl="0" marL="228600" marR="0" rtl="0" algn="l">
+              <a:lnSpc>
+                <a:spcPct val="90000"/>
+              </a:lnSpc>
+              <a:spcBef>
+                <a:spcPts val="0"/>
+              </a:spcBef>
+              <a:spcAft>
+                <a:spcPts val="0"/>
+              </a:spcAft>
+              <a:buClr>
+                <a:srgbClr val="7F7F7F"/>
+              </a:buClr>
+              <a:buSzPct val="100000"/>
+              <a:buFont typeface="Questrial"/>
+              <a:buChar char="•"/>
+            </a:pPr>
+            <a:r>
+              <a:rPr lang="en-US">
+                <a:solidFill>
+                  <a:srgbClr val="7F7F7F"/>
+                </a:solidFill>
+                <a:latin typeface="Questrial"/>
+                <a:ea typeface="Questrial"/>
+                <a:cs typeface="Questrial"/>
+                <a:sym typeface="Questrial"/>
+                <a:rtl val="0"/>
+              </a:rPr>
+              <a:t>Using box office data, analyze trends such as predicting the ideal time (month) for a movie release based on the budget and gross, showing a bar chart for the predicted box office collections depending upon the months</a:t>
+            </a:r>
+          </a:p>
+        </p:txBody>
+      </p:sp>
+    </p:spTree>
+  </p:cSld>
+  <p:clrMapOvr>
+    <a:masterClrMapping/>
+  </p:clrMapOvr>
+  <p:transition spd="slow">
+    <p:cut/>
+  </p:transition>
+</p:sld>
+</file>
+
+<file path=ppt/slides/slide15.xml><?xml version="1.0" encoding="utf-8"?>
+<p:sld xmlns:a="http://schemas.openxmlformats.org/drawingml/2006/main" xmlns:r="http://schemas.openxmlformats.org/officeDocument/2006/relationships" xmlns:mc="http://schemas.openxmlformats.org/markup-compatibility/2006" xmlns:mv="urn:schemas-microsoft-com:mac:vml" xmlns:p="http://schemas.openxmlformats.org/presentationml/2006/main" xmlns:c="http://schemas.openxmlformats.org/drawingml/2006/chart" xmlns:dgm="http://schemas.openxmlformats.org/drawingml/2006/diagram" xmlns:o="urn:schemas-microsoft-com:office:office" xmlns:v="urn:schemas-microsoft-com:vml" xmlns:pvml="urn:schemas-microsoft-com:office:powerpoint" xmlns:com="http://schemas.openxmlformats.org/drawingml/2006/compatibility" xmlns:p14="http://schemas.microsoft.com/office/powerpoint/2010/main">
+  <p:cSld>
+    <p:bg>
+      <p:bgPr>
+        <a:solidFill>
+          <a:srgbClr val="F2F2F2"/>
+        </a:solidFill>
+      </p:bgPr>
+    </p:bg>
+    <p:spTree>
+      <p:nvGrpSpPr>
+        <p:cNvPr id="166" name="Shape 166"/>
+        <p:cNvGrpSpPr/>
+        <p:nvPr/>
+      </p:nvGrpSpPr>
+      <p:grpSpPr>
+        <a:xfrm>
+          <a:off x="0" y="0"/>
+          <a:ext cx="0" cy="0"/>
+          <a:chOff x="0" y="0"/>
+          <a:chExt cx="0" cy="0"/>
+        </a:xfrm>
+      </p:grpSpPr>
+      <p:sp>
+        <p:nvSpPr>
+          <p:cNvPr id="167" name="Shape 167"/>
+          <p:cNvSpPr txBox="1"/>
+          <p:nvPr>
+            <p:ph type="title"/>
+          </p:nvPr>
+        </p:nvSpPr>
+        <p:spPr>
+          <a:xfrm>
+            <a:off x="838200" y="365125"/>
+            <a:ext cx="10515599" cy="1325562"/>
+          </a:xfrm>
+          <a:prstGeom prst="rect">
+            <a:avLst/>
+          </a:prstGeom>
+          <a:noFill/>
+          <a:ln>
+            <a:noFill/>
+          </a:ln>
+        </p:spPr>
+        <p:txBody>
+          <a:bodyPr anchorCtr="0" anchor="ctr" bIns="45700" lIns="91425" rIns="91425" tIns="45700">
+            <a:noAutofit/>
+          </a:bodyPr>
+          <a:lstStyle/>
+          <a:p>
+            <a:pPr indent="0" lvl="0" marL="0" marR="0" rtl="0" algn="l">
+              <a:lnSpc>
+                <a:spcPct val="90000"/>
+              </a:lnSpc>
+              <a:spcBef>
+                <a:spcPts val="0"/>
+              </a:spcBef>
+              <a:spcAft>
+                <a:spcPts val="0"/>
+              </a:spcAft>
+              <a:buClr>
+                <a:srgbClr val="7F7F7F"/>
+              </a:buClr>
+              <a:buSzPct val="25000"/>
+              <a:buFont typeface="Times New Roman"/>
+              <a:buNone/>
+            </a:pPr>
+            <a:r>
+              <a:rPr b="0" baseline="0" i="0" lang="en-US" sz="4400" u="sng" cap="none" strike="noStrike">
+                <a:solidFill>
+                  <a:srgbClr val="7F7F7F"/>
+                </a:solidFill>
+                <a:latin typeface="Times New Roman"/>
+                <a:ea typeface="Times New Roman"/>
+                <a:cs typeface="Times New Roman"/>
+                <a:sym typeface="Times New Roman"/>
+                <a:rtl val="0"/>
+              </a:rPr>
+              <a:t>F</a:t>
+            </a:r>
+            <a:r>
+              <a:rPr b="0" baseline="0" i="0" lang="en-US" sz="4400" u="none" cap="none" strike="noStrike">
+                <a:solidFill>
+                  <a:srgbClr val="7F7F7F"/>
+                </a:solidFill>
+                <a:latin typeface="Times New Roman"/>
+                <a:ea typeface="Times New Roman"/>
+                <a:cs typeface="Times New Roman"/>
+                <a:sym typeface="Times New Roman"/>
+                <a:rtl val="0"/>
+              </a:rPr>
+              <a:t>UTURE </a:t>
+            </a:r>
+            <a:r>
+              <a:rPr b="0" baseline="0" i="0" lang="en-US" sz="4400" cap="none" strike="noStrike">
+                <a:solidFill>
+                  <a:srgbClr val="7F7F7F"/>
+                </a:solidFill>
+                <a:latin typeface="Times New Roman"/>
+                <a:ea typeface="Times New Roman"/>
+                <a:cs typeface="Times New Roman"/>
+                <a:sym typeface="Times New Roman"/>
+                <a:rtl val="0"/>
+              </a:rPr>
+              <a:t>P</a:t>
+            </a:r>
+            <a:r>
+              <a:rPr b="0" baseline="0" i="0" lang="en-US" sz="4400" u="none" cap="none" strike="noStrike">
+                <a:solidFill>
+                  <a:srgbClr val="7F7F7F"/>
+                </a:solidFill>
+                <a:latin typeface="Times New Roman"/>
+                <a:ea typeface="Times New Roman"/>
+                <a:cs typeface="Times New Roman"/>
+                <a:sym typeface="Times New Roman"/>
+                <a:rtl val="0"/>
+              </a:rPr>
+              <a:t>LANS</a:t>
+            </a:r>
+          </a:p>
+        </p:txBody>
+      </p:sp>
+      <p:sp>
+        <p:nvSpPr>
+          <p:cNvPr id="168" name="Shape 168"/>
           <p:cNvSpPr txBox="1"/>
           <p:nvPr>
             <p:ph idx="1" type="body"/>
@@ -15752,6 +16484,1170 @@
         <p:spPr>
           <a:xfrm>
             <a:off x="838200" y="365125"/>
+            <a:ext cx="10515599" cy="1325700"/>
+          </a:xfrm>
+          <a:prstGeom prst="rect">
+            <a:avLst/>
+          </a:prstGeom>
+          <a:noFill/>
+          <a:ln>
+            <a:noFill/>
+          </a:ln>
+        </p:spPr>
+        <p:txBody>
+          <a:bodyPr anchorCtr="0" anchor="ctr" bIns="45700" lIns="91425" rIns="91425" tIns="45700">
+            <a:noAutofit/>
+          </a:bodyPr>
+          <a:lstStyle/>
+          <a:p>
+            <a:pPr indent="0" lvl="0" marL="0" marR="0" rtl="0" algn="l">
+              <a:lnSpc>
+                <a:spcPct val="90000"/>
+              </a:lnSpc>
+              <a:spcBef>
+                <a:spcPts val="0"/>
+              </a:spcBef>
+              <a:spcAft>
+                <a:spcPts val="0"/>
+              </a:spcAft>
+              <a:buClr>
+                <a:srgbClr val="7F7F7F"/>
+              </a:buClr>
+              <a:buSzPct val="25000"/>
+              <a:buFont typeface="Times New Roman"/>
+              <a:buNone/>
+            </a:pPr>
+            <a:r>
+              <a:rPr lang="en-US" u="sng">
+                <a:solidFill>
+                  <a:srgbClr val="7F7F7F"/>
+                </a:solidFill>
+                <a:latin typeface="Times New Roman"/>
+                <a:ea typeface="Times New Roman"/>
+                <a:cs typeface="Times New Roman"/>
+                <a:sym typeface="Times New Roman"/>
+              </a:rPr>
+              <a:t>L</a:t>
+            </a:r>
+            <a:r>
+              <a:rPr lang="en-US">
+                <a:solidFill>
+                  <a:srgbClr val="7F7F7F"/>
+                </a:solidFill>
+                <a:latin typeface="Times New Roman"/>
+                <a:ea typeface="Times New Roman"/>
+                <a:cs typeface="Times New Roman"/>
+                <a:sym typeface="Times New Roman"/>
+              </a:rPr>
+              <a:t>INEAR REGRESSION</a:t>
+            </a:r>
+          </a:p>
+        </p:txBody>
+      </p:sp>
+      <p:sp>
+        <p:nvSpPr>
+          <p:cNvPr id="99" name="Shape 99"/>
+          <p:cNvSpPr txBox="1"/>
+          <p:nvPr>
+            <p:ph idx="1" type="body"/>
+          </p:nvPr>
+        </p:nvSpPr>
+        <p:spPr>
+          <a:xfrm>
+            <a:off x="838200" y="1825625"/>
+            <a:ext cx="10515599" cy="4351199"/>
+          </a:xfrm>
+          <a:prstGeom prst="rect">
+            <a:avLst/>
+          </a:prstGeom>
+          <a:noFill/>
+          <a:ln>
+            <a:noFill/>
+          </a:ln>
+        </p:spPr>
+        <p:txBody>
+          <a:bodyPr anchorCtr="0" anchor="t" bIns="45700" lIns="91425" rIns="91425" tIns="45700">
+            <a:noAutofit/>
+          </a:bodyPr>
+          <a:lstStyle/>
+          <a:p>
+            <a:pPr indent="0" lvl="0" marL="0" marR="0" rtl="0" algn="l">
+              <a:lnSpc>
+                <a:spcPct val="90000"/>
+              </a:lnSpc>
+              <a:spcBef>
+                <a:spcPts val="0"/>
+              </a:spcBef>
+              <a:spcAft>
+                <a:spcPts val="0"/>
+              </a:spcAft>
+              <a:buNone/>
+            </a:pPr>
+            <a:r>
+              <a:rPr b="1" lang="en-US" sz="2200">
+                <a:solidFill>
+                  <a:srgbClr val="7F7F7F"/>
+                </a:solidFill>
+                <a:latin typeface="Questrial"/>
+                <a:ea typeface="Questrial"/>
+                <a:cs typeface="Questrial"/>
+                <a:sym typeface="Questrial"/>
+              </a:rPr>
+              <a:t>Simple linear regression</a:t>
+            </a:r>
+            <a:r>
+              <a:rPr lang="en-US" sz="2200">
+                <a:solidFill>
+                  <a:srgbClr val="7F7F7F"/>
+                </a:solidFill>
+                <a:latin typeface="Questrial"/>
+                <a:ea typeface="Questrial"/>
+                <a:cs typeface="Questrial"/>
+                <a:sym typeface="Questrial"/>
+              </a:rPr>
+              <a:t> is an approach for predicting a quantitative response using a single feature (or "predictor" or "input variable"). It takes the following form:</a:t>
+            </a:r>
+          </a:p>
+          <a:p>
+            <a:pPr indent="0" marL="0" marR="0" rtl="0">
+              <a:lnSpc>
+                <a:spcPct val="90000"/>
+              </a:lnSpc>
+              <a:spcBef>
+                <a:spcPts val="0"/>
+              </a:spcBef>
+              <a:spcAft>
+                <a:spcPts val="0"/>
+              </a:spcAft>
+              <a:buNone/>
+            </a:pPr>
+            <a:r>
+              <a:t/>
+            </a:r>
+            <a:endParaRPr sz="2200">
+              <a:solidFill>
+                <a:srgbClr val="7F7F7F"/>
+              </a:solidFill>
+              <a:latin typeface="Questrial"/>
+              <a:ea typeface="Questrial"/>
+              <a:cs typeface="Questrial"/>
+              <a:sym typeface="Questrial"/>
+            </a:endParaRPr>
+          </a:p>
+          <a:p>
+            <a:pPr indent="0" lvl="0" marL="0" marR="0" rtl="0">
+              <a:lnSpc>
+                <a:spcPct val="90000"/>
+              </a:lnSpc>
+              <a:spcBef>
+                <a:spcPts val="0"/>
+              </a:spcBef>
+              <a:spcAft>
+                <a:spcPts val="0"/>
+              </a:spcAft>
+              <a:buNone/>
+            </a:pPr>
+            <a:r>
+              <a:t/>
+            </a:r>
+            <a:endParaRPr sz="2200">
+              <a:solidFill>
+                <a:srgbClr val="7F7F7F"/>
+              </a:solidFill>
+              <a:latin typeface="Questrial"/>
+              <a:ea typeface="Questrial"/>
+              <a:cs typeface="Questrial"/>
+              <a:sym typeface="Questrial"/>
+            </a:endParaRPr>
+          </a:p>
+          <a:p>
+            <a:pPr indent="0" lvl="0" marL="0" marR="0" rtl="0" algn="l">
+              <a:lnSpc>
+                <a:spcPct val="90000"/>
+              </a:lnSpc>
+              <a:spcBef>
+                <a:spcPts val="0"/>
+              </a:spcBef>
+              <a:spcAft>
+                <a:spcPts val="0"/>
+              </a:spcAft>
+              <a:buClr>
+                <a:schemeClr val="dk1"/>
+              </a:buClr>
+              <a:buSzPct val="50000"/>
+              <a:buFont typeface="Arial"/>
+              <a:buNone/>
+            </a:pPr>
+            <a:r>
+              <a:rPr lang="en-US" sz="2200">
+                <a:solidFill>
+                  <a:srgbClr val="7F7F7F"/>
+                </a:solidFill>
+                <a:latin typeface="Questrial"/>
+                <a:ea typeface="Questrial"/>
+                <a:cs typeface="Questrial"/>
+                <a:sym typeface="Questrial"/>
+              </a:rPr>
+              <a:t>What does each term represent?</a:t>
+            </a:r>
+          </a:p>
+          <a:p>
+            <a:pPr indent="-50800" lvl="0" marL="228600" marR="0" rtl="0" algn="l">
+              <a:lnSpc>
+                <a:spcPct val="90000"/>
+              </a:lnSpc>
+              <a:spcBef>
+                <a:spcPts val="0"/>
+              </a:spcBef>
+              <a:spcAft>
+                <a:spcPts val="0"/>
+              </a:spcAft>
+              <a:buClr>
+                <a:schemeClr val="dk1"/>
+              </a:buClr>
+              <a:buFont typeface="Arial"/>
+              <a:buNone/>
+            </a:pPr>
+            <a:r>
+              <a:t/>
+            </a:r>
+            <a:endParaRPr sz="2200">
+              <a:solidFill>
+                <a:srgbClr val="7F7F7F"/>
+              </a:solidFill>
+              <a:latin typeface="Questrial"/>
+              <a:ea typeface="Questrial"/>
+              <a:cs typeface="Questrial"/>
+              <a:sym typeface="Questrial"/>
+            </a:endParaRPr>
+          </a:p>
+          <a:p>
+            <a:pPr indent="0" lvl="0" marL="0" marR="0" rtl="0" algn="l">
+              <a:lnSpc>
+                <a:spcPct val="90000"/>
+              </a:lnSpc>
+              <a:spcBef>
+                <a:spcPts val="0"/>
+              </a:spcBef>
+              <a:spcAft>
+                <a:spcPts val="0"/>
+              </a:spcAft>
+              <a:buClr>
+                <a:schemeClr val="dk1"/>
+              </a:buClr>
+              <a:buSzPct val="50000"/>
+              <a:buFont typeface="Arial"/>
+              <a:buNone/>
+            </a:pPr>
+            <a:r>
+              <a:rPr i="1" lang="en-US" sz="2200">
+                <a:solidFill>
+                  <a:srgbClr val="7F7F7F"/>
+                </a:solidFill>
+                <a:latin typeface="Times New Roman"/>
+                <a:ea typeface="Times New Roman"/>
+                <a:cs typeface="Times New Roman"/>
+                <a:sym typeface="Times New Roman"/>
+              </a:rPr>
+              <a:t>y</a:t>
+            </a:r>
+            <a:r>
+              <a:rPr lang="en-US" sz="2200">
+                <a:solidFill>
+                  <a:srgbClr val="7F7F7F"/>
+                </a:solidFill>
+                <a:latin typeface="Questrial"/>
+                <a:ea typeface="Questrial"/>
+                <a:cs typeface="Questrial"/>
+                <a:sym typeface="Questrial"/>
+              </a:rPr>
+              <a:t> is the response</a:t>
+            </a:r>
+          </a:p>
+          <a:p>
+            <a:pPr indent="0" lvl="0" marL="0" marR="0" rtl="0" algn="l">
+              <a:lnSpc>
+                <a:spcPct val="90000"/>
+              </a:lnSpc>
+              <a:spcBef>
+                <a:spcPts val="0"/>
+              </a:spcBef>
+              <a:spcAft>
+                <a:spcPts val="0"/>
+              </a:spcAft>
+              <a:buClr>
+                <a:schemeClr val="dk1"/>
+              </a:buClr>
+              <a:buSzPct val="50000"/>
+              <a:buFont typeface="Arial"/>
+              <a:buNone/>
+            </a:pPr>
+            <a:r>
+              <a:rPr i="1" lang="en-US" sz="2200">
+                <a:solidFill>
+                  <a:srgbClr val="7F7F7F"/>
+                </a:solidFill>
+                <a:latin typeface="Times New Roman"/>
+                <a:ea typeface="Times New Roman"/>
+                <a:cs typeface="Times New Roman"/>
+                <a:sym typeface="Times New Roman"/>
+              </a:rPr>
+              <a:t>x</a:t>
+            </a:r>
+            <a:r>
+              <a:rPr lang="en-US" sz="2200">
+                <a:solidFill>
+                  <a:srgbClr val="7F7F7F"/>
+                </a:solidFill>
+                <a:latin typeface="Questrial"/>
+                <a:ea typeface="Questrial"/>
+                <a:cs typeface="Questrial"/>
+                <a:sym typeface="Questrial"/>
+              </a:rPr>
+              <a:t> is the feature</a:t>
+            </a:r>
+          </a:p>
+          <a:p>
+            <a:pPr indent="0" lvl="0" marL="0" marR="0" rtl="0" algn="l">
+              <a:lnSpc>
+                <a:spcPct val="90000"/>
+              </a:lnSpc>
+              <a:spcBef>
+                <a:spcPts val="0"/>
+              </a:spcBef>
+              <a:spcAft>
+                <a:spcPts val="0"/>
+              </a:spcAft>
+              <a:buClr>
+                <a:schemeClr val="dk1"/>
+              </a:buClr>
+              <a:buSzPct val="50000"/>
+              <a:buFont typeface="Arial"/>
+              <a:buNone/>
+            </a:pPr>
+            <a:r>
+              <a:rPr i="1" lang="en-US" sz="2200">
+                <a:solidFill>
+                  <a:srgbClr val="7F7F7F"/>
+                </a:solidFill>
+                <a:latin typeface="Times New Roman"/>
+                <a:ea typeface="Times New Roman"/>
+                <a:cs typeface="Times New Roman"/>
+                <a:sym typeface="Times New Roman"/>
+              </a:rPr>
+              <a:t>β0</a:t>
+            </a:r>
+            <a:r>
+              <a:rPr lang="en-US" sz="2200">
+                <a:solidFill>
+                  <a:srgbClr val="7F7F7F"/>
+                </a:solidFill>
+                <a:latin typeface="Questrial"/>
+                <a:ea typeface="Questrial"/>
+                <a:cs typeface="Questrial"/>
+                <a:sym typeface="Questrial"/>
+              </a:rPr>
+              <a:t> is the intercept</a:t>
+            </a:r>
+          </a:p>
+          <a:p>
+            <a:pPr indent="0" lvl="0" marL="0" marR="0" rtl="0" algn="l">
+              <a:lnSpc>
+                <a:spcPct val="90000"/>
+              </a:lnSpc>
+              <a:spcBef>
+                <a:spcPts val="0"/>
+              </a:spcBef>
+              <a:spcAft>
+                <a:spcPts val="0"/>
+              </a:spcAft>
+              <a:buClr>
+                <a:schemeClr val="dk1"/>
+              </a:buClr>
+              <a:buSzPct val="50000"/>
+              <a:buFont typeface="Arial"/>
+              <a:buNone/>
+            </a:pPr>
+            <a:r>
+              <a:rPr i="1" lang="en-US" sz="2200">
+                <a:solidFill>
+                  <a:srgbClr val="7F7F7F"/>
+                </a:solidFill>
+                <a:latin typeface="Times New Roman"/>
+                <a:ea typeface="Times New Roman"/>
+                <a:cs typeface="Times New Roman"/>
+                <a:sym typeface="Times New Roman"/>
+              </a:rPr>
+              <a:t>β1</a:t>
+            </a:r>
+            <a:r>
+              <a:rPr lang="en-US" sz="2200">
+                <a:solidFill>
+                  <a:srgbClr val="7F7F7F"/>
+                </a:solidFill>
+                <a:latin typeface="Questrial"/>
+                <a:ea typeface="Questrial"/>
+                <a:cs typeface="Questrial"/>
+                <a:sym typeface="Questrial"/>
+              </a:rPr>
+              <a:t> is the coefficient for </a:t>
+            </a:r>
+            <a:r>
+              <a:rPr i="1" lang="en-US" sz="2200">
+                <a:solidFill>
+                  <a:srgbClr val="7F7F7F"/>
+                </a:solidFill>
+                <a:latin typeface="Times New Roman"/>
+                <a:ea typeface="Times New Roman"/>
+                <a:cs typeface="Times New Roman"/>
+                <a:sym typeface="Times New Roman"/>
+              </a:rPr>
+              <a:t>x</a:t>
+            </a:r>
+          </a:p>
+          <a:p>
+            <a:pPr indent="0" lvl="0" marL="0" marR="0" rtl="0" algn="l">
+              <a:lnSpc>
+                <a:spcPct val="90000"/>
+              </a:lnSpc>
+              <a:spcBef>
+                <a:spcPts val="0"/>
+              </a:spcBef>
+              <a:spcAft>
+                <a:spcPts val="0"/>
+              </a:spcAft>
+              <a:buClr>
+                <a:schemeClr val="dk1"/>
+              </a:buClr>
+              <a:buFont typeface="Arial"/>
+              <a:buNone/>
+            </a:pPr>
+            <a:r>
+              <a:t/>
+            </a:r>
+            <a:endParaRPr sz="2200">
+              <a:solidFill>
+                <a:srgbClr val="7F7F7F"/>
+              </a:solidFill>
+              <a:latin typeface="Questrial"/>
+              <a:ea typeface="Questrial"/>
+              <a:cs typeface="Questrial"/>
+              <a:sym typeface="Questrial"/>
+            </a:endParaRPr>
+          </a:p>
+          <a:p>
+            <a:pPr indent="0" lvl="0" marL="0" marR="0" rtl="0" algn="l">
+              <a:lnSpc>
+                <a:spcPct val="90000"/>
+              </a:lnSpc>
+              <a:spcBef>
+                <a:spcPts val="0"/>
+              </a:spcBef>
+              <a:spcAft>
+                <a:spcPts val="0"/>
+              </a:spcAft>
+              <a:buClr>
+                <a:schemeClr val="dk1"/>
+              </a:buClr>
+              <a:buSzPct val="50000"/>
+              <a:buFont typeface="Arial"/>
+              <a:buNone/>
+            </a:pPr>
+            <a:r>
+              <a:rPr lang="en-US" sz="2200">
+                <a:solidFill>
+                  <a:srgbClr val="7F7F7F"/>
+                </a:solidFill>
+                <a:latin typeface="Questrial"/>
+                <a:ea typeface="Questrial"/>
+                <a:cs typeface="Questrial"/>
+                <a:sym typeface="Questrial"/>
+              </a:rPr>
+              <a:t>Together, </a:t>
+            </a:r>
+            <a:r>
+              <a:rPr i="1" lang="en-US" sz="2200">
+                <a:solidFill>
+                  <a:srgbClr val="7F7F7F"/>
+                </a:solidFill>
+                <a:latin typeface="Times New Roman"/>
+                <a:ea typeface="Times New Roman"/>
+                <a:cs typeface="Times New Roman"/>
+                <a:sym typeface="Times New Roman"/>
+              </a:rPr>
+              <a:t>β0</a:t>
+            </a:r>
+            <a:r>
+              <a:rPr lang="en-US" sz="2200">
+                <a:solidFill>
+                  <a:srgbClr val="7F7F7F"/>
+                </a:solidFill>
+                <a:latin typeface="Questrial"/>
+                <a:ea typeface="Questrial"/>
+                <a:cs typeface="Questrial"/>
+                <a:sym typeface="Questrial"/>
+              </a:rPr>
+              <a:t> and </a:t>
+            </a:r>
+            <a:r>
+              <a:rPr i="1" lang="en-US" sz="2200">
+                <a:solidFill>
+                  <a:srgbClr val="7F7F7F"/>
+                </a:solidFill>
+                <a:latin typeface="Times New Roman"/>
+                <a:ea typeface="Times New Roman"/>
+                <a:cs typeface="Times New Roman"/>
+                <a:sym typeface="Times New Roman"/>
+              </a:rPr>
+              <a:t>β1</a:t>
+            </a:r>
+            <a:r>
+              <a:rPr lang="en-US" sz="2200">
+                <a:solidFill>
+                  <a:srgbClr val="7F7F7F"/>
+                </a:solidFill>
+                <a:latin typeface="Questrial"/>
+                <a:ea typeface="Questrial"/>
+                <a:cs typeface="Questrial"/>
+                <a:sym typeface="Questrial"/>
+              </a:rPr>
+              <a:t> are called the model coefficients. To create our model, you must "learn" the values of these coefficients. And once we've learned these coefficients, we can use the model to predict the iMDB movie ratings.</a:t>
+            </a:r>
+          </a:p>
+          <a:p>
+            <a:pPr indent="-50800" lvl="0" marL="228600" marR="0" rtl="0" algn="l">
+              <a:lnSpc>
+                <a:spcPct val="90000"/>
+              </a:lnSpc>
+              <a:spcBef>
+                <a:spcPts val="0"/>
+              </a:spcBef>
+              <a:spcAft>
+                <a:spcPts val="0"/>
+              </a:spcAft>
+              <a:buClr>
+                <a:srgbClr val="7F7F7F"/>
+              </a:buClr>
+              <a:buFont typeface="Arial"/>
+              <a:buNone/>
+            </a:pPr>
+            <a:r>
+              <a:t/>
+            </a:r>
+            <a:endParaRPr sz="2200">
+              <a:solidFill>
+                <a:srgbClr val="7F7F7F"/>
+              </a:solidFill>
+              <a:latin typeface="Questrial"/>
+              <a:ea typeface="Questrial"/>
+              <a:cs typeface="Questrial"/>
+              <a:sym typeface="Questrial"/>
+            </a:endParaRPr>
+          </a:p>
+          <a:p>
+            <a:pPr indent="0" lvl="0" marL="0" marR="0" rtl="0" algn="l">
+              <a:lnSpc>
+                <a:spcPct val="90000"/>
+              </a:lnSpc>
+              <a:spcBef>
+                <a:spcPts val="1000"/>
+              </a:spcBef>
+              <a:spcAft>
+                <a:spcPts val="0"/>
+              </a:spcAft>
+              <a:buClr>
+                <a:schemeClr val="dk1"/>
+              </a:buClr>
+              <a:buFont typeface="Arial"/>
+              <a:buNone/>
+            </a:pPr>
+            <a:r>
+              <a:t/>
+            </a:r>
+            <a:endParaRPr b="0" baseline="0" i="0" sz="2200" u="none" cap="none" strike="noStrike">
+              <a:solidFill>
+                <a:srgbClr val="7F7F7F"/>
+              </a:solidFill>
+              <a:latin typeface="Questrial"/>
+              <a:ea typeface="Questrial"/>
+              <a:cs typeface="Questrial"/>
+              <a:sym typeface="Questrial"/>
+            </a:endParaRPr>
+          </a:p>
+        </p:txBody>
+      </p:sp>
+      <p:pic>
+        <p:nvPicPr>
+          <p:cNvPr id="100" name="Shape 100"/>
+          <p:cNvPicPr preferRelativeResize="0"/>
+          <p:nvPr/>
+        </p:nvPicPr>
+        <p:blipFill rotWithShape="1">
+          <a:blip r:embed="rId3">
+            <a:alphaModFix/>
+          </a:blip>
+          <a:srcRect b="0" l="0" r="48301" t="0"/>
+          <a:stretch/>
+        </p:blipFill>
+        <p:spPr>
+          <a:xfrm>
+            <a:off x="5233650" y="2640250"/>
+            <a:ext cx="1519199" cy="543599"/>
+          </a:xfrm>
+          <a:prstGeom prst="rect">
+            <a:avLst/>
+          </a:prstGeom>
+          <a:noFill/>
+          <a:ln>
+            <a:noFill/>
+          </a:ln>
+        </p:spPr>
+      </p:pic>
+    </p:spTree>
+  </p:cSld>
+  <p:clrMapOvr>
+    <a:masterClrMapping/>
+  </p:clrMapOvr>
+  <p:transition spd="slow">
+    <p:cut/>
+  </p:transition>
+</p:sld>
+</file>
+
+<file path=ppt/slides/slide5.xml><?xml version="1.0" encoding="utf-8"?>
+<p:sld xmlns:a="http://schemas.openxmlformats.org/drawingml/2006/main" xmlns:r="http://schemas.openxmlformats.org/officeDocument/2006/relationships" xmlns:mc="http://schemas.openxmlformats.org/markup-compatibility/2006" xmlns:mv="urn:schemas-microsoft-com:mac:vml" xmlns:p="http://schemas.openxmlformats.org/presentationml/2006/main" xmlns:c="http://schemas.openxmlformats.org/drawingml/2006/chart" xmlns:dgm="http://schemas.openxmlformats.org/drawingml/2006/diagram" xmlns:o="urn:schemas-microsoft-com:office:office" xmlns:v="urn:schemas-microsoft-com:vml" xmlns:pvml="urn:schemas-microsoft-com:office:powerpoint" xmlns:com="http://schemas.openxmlformats.org/drawingml/2006/compatibility" xmlns:p14="http://schemas.microsoft.com/office/powerpoint/2010/main">
+  <p:cSld>
+    <p:bg>
+      <p:bgPr>
+        <a:solidFill>
+          <a:srgbClr val="F2F2F2"/>
+        </a:solidFill>
+      </p:bgPr>
+    </p:bg>
+    <p:spTree>
+      <p:nvGrpSpPr>
+        <p:cNvPr id="104" name="Shape 104"/>
+        <p:cNvGrpSpPr/>
+        <p:nvPr/>
+      </p:nvGrpSpPr>
+      <p:grpSpPr>
+        <a:xfrm>
+          <a:off x="0" y="0"/>
+          <a:ext cx="0" cy="0"/>
+          <a:chOff x="0" y="0"/>
+          <a:chExt cx="0" cy="0"/>
+        </a:xfrm>
+      </p:grpSpPr>
+      <p:sp>
+        <p:nvSpPr>
+          <p:cNvPr id="105" name="Shape 105"/>
+          <p:cNvSpPr txBox="1"/>
+          <p:nvPr>
+            <p:ph type="title"/>
+          </p:nvPr>
+        </p:nvSpPr>
+        <p:spPr>
+          <a:xfrm>
+            <a:off x="838200" y="365125"/>
+            <a:ext cx="10515599" cy="1325700"/>
+          </a:xfrm>
+          <a:prstGeom prst="rect">
+            <a:avLst/>
+          </a:prstGeom>
+          <a:noFill/>
+          <a:ln>
+            <a:noFill/>
+          </a:ln>
+        </p:spPr>
+        <p:txBody>
+          <a:bodyPr anchorCtr="0" anchor="ctr" bIns="45700" lIns="91425" rIns="91425" tIns="45700">
+            <a:noAutofit/>
+          </a:bodyPr>
+          <a:lstStyle/>
+          <a:p>
+            <a:pPr indent="0" lvl="0" marL="0" marR="0" rtl="0" algn="l">
+              <a:lnSpc>
+                <a:spcPct val="90000"/>
+              </a:lnSpc>
+              <a:spcBef>
+                <a:spcPts val="0"/>
+              </a:spcBef>
+              <a:spcAft>
+                <a:spcPts val="0"/>
+              </a:spcAft>
+              <a:buClr>
+                <a:srgbClr val="7F7F7F"/>
+              </a:buClr>
+              <a:buSzPct val="25000"/>
+              <a:buFont typeface="Times New Roman"/>
+              <a:buNone/>
+            </a:pPr>
+            <a:r>
+              <a:rPr lang="en-US" u="sng">
+                <a:solidFill>
+                  <a:srgbClr val="7F7F7F"/>
+                </a:solidFill>
+                <a:latin typeface="Times New Roman"/>
+                <a:ea typeface="Times New Roman"/>
+                <a:cs typeface="Times New Roman"/>
+                <a:sym typeface="Times New Roman"/>
+              </a:rPr>
+              <a:t>L</a:t>
+            </a:r>
+            <a:r>
+              <a:rPr lang="en-US">
+                <a:solidFill>
+                  <a:srgbClr val="7F7F7F"/>
+                </a:solidFill>
+                <a:latin typeface="Times New Roman"/>
+                <a:ea typeface="Times New Roman"/>
+                <a:cs typeface="Times New Roman"/>
+                <a:sym typeface="Times New Roman"/>
+              </a:rPr>
+              <a:t>INEAR REGRESSION</a:t>
+            </a:r>
+          </a:p>
+        </p:txBody>
+      </p:sp>
+      <p:sp>
+        <p:nvSpPr>
+          <p:cNvPr id="106" name="Shape 106"/>
+          <p:cNvSpPr txBox="1"/>
+          <p:nvPr>
+            <p:ph idx="1" type="body"/>
+          </p:nvPr>
+        </p:nvSpPr>
+        <p:spPr>
+          <a:xfrm>
+            <a:off x="838200" y="1825625"/>
+            <a:ext cx="10515599" cy="4351199"/>
+          </a:xfrm>
+          <a:prstGeom prst="rect">
+            <a:avLst/>
+          </a:prstGeom>
+          <a:noFill/>
+          <a:ln>
+            <a:noFill/>
+          </a:ln>
+        </p:spPr>
+        <p:txBody>
+          <a:bodyPr anchorCtr="0" anchor="t" bIns="45700" lIns="91425" rIns="91425" tIns="45700">
+            <a:noAutofit/>
+          </a:bodyPr>
+          <a:lstStyle/>
+          <a:p>
+            <a:pPr indent="0" lvl="0" marL="0" marR="0" rtl="0" algn="l">
+              <a:lnSpc>
+                <a:spcPct val="90000"/>
+              </a:lnSpc>
+              <a:spcBef>
+                <a:spcPts val="0"/>
+              </a:spcBef>
+              <a:spcAft>
+                <a:spcPts val="0"/>
+              </a:spcAft>
+              <a:buClr>
+                <a:schemeClr val="dk1"/>
+              </a:buClr>
+              <a:buSzPct val="39285"/>
+              <a:buFont typeface="Arial"/>
+              <a:buNone/>
+            </a:pPr>
+            <a:r>
+              <a:rPr lang="en-US">
+                <a:solidFill>
+                  <a:srgbClr val="7F7F7F"/>
+                </a:solidFill>
+                <a:latin typeface="Questrial"/>
+                <a:ea typeface="Questrial"/>
+                <a:cs typeface="Questrial"/>
+                <a:sym typeface="Questrial"/>
+              </a:rPr>
+              <a:t>Simple linear regression can easily be extended to include multiple features. This is called </a:t>
+            </a:r>
+            <a:r>
+              <a:rPr b="1" lang="en-US">
+                <a:solidFill>
+                  <a:srgbClr val="7F7F7F"/>
+                </a:solidFill>
+                <a:latin typeface="Questrial"/>
+                <a:ea typeface="Questrial"/>
+                <a:cs typeface="Questrial"/>
+                <a:sym typeface="Questrial"/>
+              </a:rPr>
+              <a:t>multiple linear regression</a:t>
+            </a:r>
+            <a:r>
+              <a:rPr lang="en-US">
+                <a:solidFill>
+                  <a:srgbClr val="7F7F7F"/>
+                </a:solidFill>
+                <a:latin typeface="Questrial"/>
+                <a:ea typeface="Questrial"/>
+                <a:cs typeface="Questrial"/>
+                <a:sym typeface="Questrial"/>
+              </a:rPr>
+              <a:t>:</a:t>
+            </a:r>
+          </a:p>
+          <a:p>
+            <a:pPr indent="0" lvl="0" marL="0" marR="0" rtl="0" algn="l">
+              <a:lnSpc>
+                <a:spcPct val="90000"/>
+              </a:lnSpc>
+              <a:spcBef>
+                <a:spcPts val="0"/>
+              </a:spcBef>
+              <a:spcAft>
+                <a:spcPts val="0"/>
+              </a:spcAft>
+              <a:buClr>
+                <a:schemeClr val="dk1"/>
+              </a:buClr>
+              <a:buFont typeface="Arial"/>
+              <a:buNone/>
+            </a:pPr>
+            <a:r>
+              <a:t/>
+            </a:r>
+            <a:endParaRPr>
+              <a:solidFill>
+                <a:srgbClr val="7F7F7F"/>
+              </a:solidFill>
+              <a:latin typeface="Questrial"/>
+              <a:ea typeface="Questrial"/>
+              <a:cs typeface="Questrial"/>
+              <a:sym typeface="Questrial"/>
+            </a:endParaRPr>
+          </a:p>
+          <a:p>
+            <a:pPr indent="0" lvl="0" marL="0" marR="0" rtl="0" algn="l">
+              <a:lnSpc>
+                <a:spcPct val="90000"/>
+              </a:lnSpc>
+              <a:spcBef>
+                <a:spcPts val="0"/>
+              </a:spcBef>
+              <a:spcAft>
+                <a:spcPts val="0"/>
+              </a:spcAft>
+              <a:buClr>
+                <a:schemeClr val="dk1"/>
+              </a:buClr>
+              <a:buFont typeface="Arial"/>
+              <a:buNone/>
+            </a:pPr>
+            <a:r>
+              <a:t/>
+            </a:r>
+            <a:endParaRPr>
+              <a:solidFill>
+                <a:srgbClr val="7F7F7F"/>
+              </a:solidFill>
+              <a:latin typeface="Questrial"/>
+              <a:ea typeface="Questrial"/>
+              <a:cs typeface="Questrial"/>
+              <a:sym typeface="Questrial"/>
+            </a:endParaRPr>
+          </a:p>
+          <a:p>
+            <a:pPr indent="0" lvl="0" marL="0" marR="0" rtl="0" algn="l">
+              <a:lnSpc>
+                <a:spcPct val="90000"/>
+              </a:lnSpc>
+              <a:spcBef>
+                <a:spcPts val="0"/>
+              </a:spcBef>
+              <a:spcAft>
+                <a:spcPts val="0"/>
+              </a:spcAft>
+              <a:buClr>
+                <a:schemeClr val="dk1"/>
+              </a:buClr>
+              <a:buFont typeface="Arial"/>
+              <a:buNone/>
+            </a:pPr>
+            <a:r>
+              <a:t/>
+            </a:r>
+            <a:endParaRPr>
+              <a:solidFill>
+                <a:srgbClr val="7F7F7F"/>
+              </a:solidFill>
+              <a:latin typeface="Questrial"/>
+              <a:ea typeface="Questrial"/>
+              <a:cs typeface="Questrial"/>
+              <a:sym typeface="Questrial"/>
+            </a:endParaRPr>
+          </a:p>
+          <a:p>
+            <a:pPr indent="-50800" lvl="0" marL="228600" marR="0" rtl="0" algn="l">
+              <a:lnSpc>
+                <a:spcPct val="90000"/>
+              </a:lnSpc>
+              <a:spcBef>
+                <a:spcPts val="0"/>
+              </a:spcBef>
+              <a:spcAft>
+                <a:spcPts val="0"/>
+              </a:spcAft>
+              <a:buClr>
+                <a:srgbClr val="7F7F7F"/>
+              </a:buClr>
+              <a:buFont typeface="Arial"/>
+              <a:buNone/>
+            </a:pPr>
+            <a:r>
+              <a:t/>
+            </a:r>
+            <a:endParaRPr>
+              <a:solidFill>
+                <a:srgbClr val="7F7F7F"/>
+              </a:solidFill>
+              <a:latin typeface="Questrial"/>
+              <a:ea typeface="Questrial"/>
+              <a:cs typeface="Questrial"/>
+              <a:sym typeface="Questrial"/>
+            </a:endParaRPr>
+          </a:p>
+          <a:p>
+            <a:pPr indent="0" lvl="0" marL="0" marR="0" rtl="0" algn="l">
+              <a:lnSpc>
+                <a:spcPct val="90000"/>
+              </a:lnSpc>
+              <a:spcBef>
+                <a:spcPts val="1000"/>
+              </a:spcBef>
+              <a:spcAft>
+                <a:spcPts val="0"/>
+              </a:spcAft>
+              <a:buClr>
+                <a:schemeClr val="dk1"/>
+              </a:buClr>
+              <a:buFont typeface="Arial"/>
+              <a:buNone/>
+            </a:pPr>
+            <a:r>
+              <a:t/>
+            </a:r>
+            <a:endParaRPr b="0" baseline="0" i="0" u="none" cap="none" strike="noStrike">
+              <a:solidFill>
+                <a:srgbClr val="7F7F7F"/>
+              </a:solidFill>
+              <a:latin typeface="Questrial"/>
+              <a:ea typeface="Questrial"/>
+              <a:cs typeface="Questrial"/>
+              <a:sym typeface="Questrial"/>
+            </a:endParaRPr>
+          </a:p>
+        </p:txBody>
+      </p:sp>
+      <p:pic>
+        <p:nvPicPr>
+          <p:cNvPr id="107" name="Shape 107"/>
+          <p:cNvPicPr preferRelativeResize="0"/>
+          <p:nvPr/>
+        </p:nvPicPr>
+        <p:blipFill rotWithShape="1">
+          <a:blip r:embed="rId3">
+            <a:alphaModFix/>
+          </a:blip>
+          <a:srcRect b="0" l="0" r="0" t="0"/>
+          <a:stretch/>
+        </p:blipFill>
+        <p:spPr>
+          <a:xfrm>
+            <a:off x="4427851" y="3120460"/>
+            <a:ext cx="3336300" cy="617099"/>
+          </a:xfrm>
+          <a:prstGeom prst="rect">
+            <a:avLst/>
+          </a:prstGeom>
+          <a:noFill/>
+          <a:ln>
+            <a:noFill/>
+          </a:ln>
+        </p:spPr>
+      </p:pic>
+    </p:spTree>
+  </p:cSld>
+  <p:clrMapOvr>
+    <a:masterClrMapping/>
+  </p:clrMapOvr>
+  <p:transition spd="slow">
+    <p:cut/>
+  </p:transition>
+</p:sld>
+</file>
+
+<file path=ppt/slides/slide6.xml><?xml version="1.0" encoding="utf-8"?>
+<p:sld xmlns:a="http://schemas.openxmlformats.org/drawingml/2006/main" xmlns:r="http://schemas.openxmlformats.org/officeDocument/2006/relationships" xmlns:mc="http://schemas.openxmlformats.org/markup-compatibility/2006" xmlns:mv="urn:schemas-microsoft-com:mac:vml" xmlns:p="http://schemas.openxmlformats.org/presentationml/2006/main" xmlns:c="http://schemas.openxmlformats.org/drawingml/2006/chart" xmlns:dgm="http://schemas.openxmlformats.org/drawingml/2006/diagram" xmlns:o="urn:schemas-microsoft-com:office:office" xmlns:v="urn:schemas-microsoft-com:vml" xmlns:pvml="urn:schemas-microsoft-com:office:powerpoint" xmlns:com="http://schemas.openxmlformats.org/drawingml/2006/compatibility" xmlns:p14="http://schemas.microsoft.com/office/powerpoint/2010/main">
+  <p:cSld>
+    <p:bg>
+      <p:bgPr>
+        <a:solidFill>
+          <a:srgbClr val="F2F2F2"/>
+        </a:solidFill>
+      </p:bgPr>
+    </p:bg>
+    <p:spTree>
+      <p:nvGrpSpPr>
+        <p:cNvPr id="111" name="Shape 111"/>
+        <p:cNvGrpSpPr/>
+        <p:nvPr/>
+      </p:nvGrpSpPr>
+      <p:grpSpPr>
+        <a:xfrm>
+          <a:off x="0" y="0"/>
+          <a:ext cx="0" cy="0"/>
+          <a:chOff x="0" y="0"/>
+          <a:chExt cx="0" cy="0"/>
+        </a:xfrm>
+      </p:grpSpPr>
+      <p:sp>
+        <p:nvSpPr>
+          <p:cNvPr id="112" name="Shape 112"/>
+          <p:cNvSpPr txBox="1"/>
+          <p:nvPr>
+            <p:ph type="title"/>
+          </p:nvPr>
+        </p:nvSpPr>
+        <p:spPr>
+          <a:xfrm>
+            <a:off x="838200" y="365125"/>
+            <a:ext cx="10515599" cy="1325700"/>
+          </a:xfrm>
+          <a:prstGeom prst="rect">
+            <a:avLst/>
+          </a:prstGeom>
+          <a:noFill/>
+          <a:ln>
+            <a:noFill/>
+          </a:ln>
+        </p:spPr>
+        <p:txBody>
+          <a:bodyPr anchorCtr="0" anchor="ctr" bIns="45700" lIns="91425" rIns="91425" tIns="45700">
+            <a:noAutofit/>
+          </a:bodyPr>
+          <a:lstStyle/>
+          <a:p>
+            <a:pPr indent="0" lvl="0" marL="0" marR="0" rtl="0" algn="l">
+              <a:lnSpc>
+                <a:spcPct val="90000"/>
+              </a:lnSpc>
+              <a:spcBef>
+                <a:spcPts val="0"/>
+              </a:spcBef>
+              <a:spcAft>
+                <a:spcPts val="0"/>
+              </a:spcAft>
+              <a:buClr>
+                <a:srgbClr val="7F7F7F"/>
+              </a:buClr>
+              <a:buSzPct val="25000"/>
+              <a:buFont typeface="Times New Roman"/>
+              <a:buNone/>
+            </a:pPr>
+            <a:r>
+              <a:rPr lang="en-US" u="sng">
+                <a:solidFill>
+                  <a:srgbClr val="7F7F7F"/>
+                </a:solidFill>
+                <a:latin typeface="Times New Roman"/>
+                <a:ea typeface="Times New Roman"/>
+                <a:cs typeface="Times New Roman"/>
+                <a:sym typeface="Times New Roman"/>
+              </a:rPr>
+              <a:t>E</a:t>
+            </a:r>
+            <a:r>
+              <a:rPr lang="en-US">
+                <a:solidFill>
+                  <a:srgbClr val="7F7F7F"/>
+                </a:solidFill>
+                <a:latin typeface="Times New Roman"/>
+                <a:ea typeface="Times New Roman"/>
+                <a:cs typeface="Times New Roman"/>
+                <a:sym typeface="Times New Roman"/>
+              </a:rPr>
+              <a:t>STIMATING MODEL COEFFICIENTS</a:t>
+            </a:r>
+          </a:p>
+        </p:txBody>
+      </p:sp>
+      <p:pic>
+        <p:nvPicPr>
+          <p:cNvPr id="113" name="Shape 113"/>
+          <p:cNvPicPr preferRelativeResize="0"/>
+          <p:nvPr/>
+        </p:nvPicPr>
+        <p:blipFill rotWithShape="1">
+          <a:blip r:embed="rId3">
+            <a:alphaModFix/>
+          </a:blip>
+          <a:srcRect b="0" l="0" r="0" t="4924"/>
+          <a:stretch/>
+        </p:blipFill>
+        <p:spPr>
+          <a:xfrm>
+            <a:off x="1281825" y="1420725"/>
+            <a:ext cx="9298200" cy="5077199"/>
+          </a:xfrm>
+          <a:prstGeom prst="rect">
+            <a:avLst/>
+          </a:prstGeom>
+          <a:noFill/>
+          <a:ln>
+            <a:noFill/>
+          </a:ln>
+        </p:spPr>
+      </p:pic>
+    </p:spTree>
+  </p:cSld>
+  <p:clrMapOvr>
+    <a:masterClrMapping/>
+  </p:clrMapOvr>
+  <p:transition spd="slow">
+    <p:cut/>
+  </p:transition>
+</p:sld>
+</file>
+
+<file path=ppt/slides/slide7.xml><?xml version="1.0" encoding="utf-8"?>
+<p:sld xmlns:a="http://schemas.openxmlformats.org/drawingml/2006/main" xmlns:r="http://schemas.openxmlformats.org/officeDocument/2006/relationships" xmlns:mc="http://schemas.openxmlformats.org/markup-compatibility/2006" xmlns:mv="urn:schemas-microsoft-com:mac:vml" xmlns:p="http://schemas.openxmlformats.org/presentationml/2006/main" xmlns:c="http://schemas.openxmlformats.org/drawingml/2006/chart" xmlns:dgm="http://schemas.openxmlformats.org/drawingml/2006/diagram" xmlns:o="urn:schemas-microsoft-com:office:office" xmlns:v="urn:schemas-microsoft-com:vml" xmlns:pvml="urn:schemas-microsoft-com:office:powerpoint" xmlns:com="http://schemas.openxmlformats.org/drawingml/2006/compatibility" xmlns:p14="http://schemas.microsoft.com/office/powerpoint/2010/main">
+  <p:cSld>
+    <p:bg>
+      <p:bgPr>
+        <a:solidFill>
+          <a:srgbClr val="F2F2F2"/>
+        </a:solidFill>
+      </p:bgPr>
+    </p:bg>
+    <p:spTree>
+      <p:nvGrpSpPr>
+        <p:cNvPr id="117" name="Shape 117"/>
+        <p:cNvGrpSpPr/>
+        <p:nvPr/>
+      </p:nvGrpSpPr>
+      <p:grpSpPr>
+        <a:xfrm>
+          <a:off x="0" y="0"/>
+          <a:ext cx="0" cy="0"/>
+          <a:chOff x="0" y="0"/>
+          <a:chExt cx="0" cy="0"/>
+        </a:xfrm>
+      </p:grpSpPr>
+      <p:sp>
+        <p:nvSpPr>
+          <p:cNvPr id="118" name="Shape 118"/>
+          <p:cNvSpPr txBox="1"/>
+          <p:nvPr>
+            <p:ph type="title"/>
+          </p:nvPr>
+        </p:nvSpPr>
+        <p:spPr>
+          <a:xfrm>
+            <a:off x="838200" y="365125"/>
             <a:ext cx="10515599" cy="1325562"/>
           </a:xfrm>
           <a:prstGeom prst="rect">
@@ -15816,7 +17712,7 @@
       </p:sp>
       <p:sp>
         <p:nvSpPr>
-          <p:cNvPr id="99" name="Shape 99"/>
+          <p:cNvPr id="119" name="Shape 119"/>
           <p:cNvSpPr txBox="1"/>
           <p:nvPr>
             <p:ph idx="1" type="body"/>
@@ -16171,7 +18067,7 @@
 </p:sld>
 </file>
 
-<file path=ppt/slides/slide5.xml><?xml version="1.0" encoding="utf-8"?>
+<file path=ppt/slides/slide8.xml><?xml version="1.0" encoding="utf-8"?>
 <p:sld xmlns:a="http://schemas.openxmlformats.org/drawingml/2006/main" xmlns:r="http://schemas.openxmlformats.org/officeDocument/2006/relationships" xmlns:mc="http://schemas.openxmlformats.org/markup-compatibility/2006" xmlns:mv="urn:schemas-microsoft-com:mac:vml" xmlns:p="http://schemas.openxmlformats.org/presentationml/2006/main" xmlns:c="http://schemas.openxmlformats.org/drawingml/2006/chart" xmlns:dgm="http://schemas.openxmlformats.org/drawingml/2006/diagram" xmlns:o="urn:schemas-microsoft-com:office:office" xmlns:v="urn:schemas-microsoft-com:vml" xmlns:pvml="urn:schemas-microsoft-com:office:powerpoint" xmlns:com="http://schemas.openxmlformats.org/drawingml/2006/compatibility" xmlns:p14="http://schemas.microsoft.com/office/powerpoint/2010/main">
   <p:cSld>
     <p:bg>
@@ -16183,7 +18079,7 @@
     </p:bg>
     <p:spTree>
       <p:nvGrpSpPr>
-        <p:cNvPr id="103" name="Shape 103"/>
+        <p:cNvPr id="123" name="Shape 123"/>
         <p:cNvGrpSpPr/>
         <p:nvPr/>
       </p:nvGrpSpPr>
@@ -16197,7 +18093,7 @@
       </p:grpSpPr>
       <p:sp>
         <p:nvSpPr>
-          <p:cNvPr id="104" name="Shape 104"/>
+          <p:cNvPr id="124" name="Shape 124"/>
           <p:cNvSpPr txBox="1"/>
           <p:nvPr>
             <p:ph type="title"/>
@@ -16268,7 +18164,7 @@
       </p:sp>
       <p:sp>
         <p:nvSpPr>
-          <p:cNvPr id="105" name="Shape 105"/>
+          <p:cNvPr id="125" name="Shape 125"/>
           <p:cNvSpPr txBox="1"/>
           <p:nvPr>
             <p:ph idx="1" type="body"/>
@@ -16293,7 +18189,7 @@
           </a:bodyPr>
           <a:lstStyle/>
           <a:p>
-            <a:pPr indent="-228600" lvl="0" marL="228600" marR="0" rtl="0" algn="l">
+            <a:pPr indent="-215900" lvl="0" marL="228600" marR="0" rtl="0" algn="l">
               <a:lnSpc>
                 <a:spcPct val="90000"/>
               </a:lnSpc>
@@ -16311,7 +18207,7 @@
               <a:buChar char="•"/>
             </a:pPr>
             <a:r>
-              <a:rPr lang="en-US">
+              <a:rPr lang="en-US" sz="2600">
                 <a:solidFill>
                   <a:srgbClr val="7F7F7F"/>
                 </a:solidFill>
@@ -16320,20 +18216,14 @@
                 <a:cs typeface="Questrial"/>
                 <a:sym typeface="Questrial"/>
               </a:rPr>
-              <a:t>Since all the independent variables are categorical, not continuous, need to convert the categorical variables into a form that “makes sense” to regression analysis.</a:t>
+              <a:t>Since all the independent variables here are categorical, not continuous, need to convert the categorical variables into a form that “makes sense” to regression analysis.</a:t>
             </a:r>
           </a:p>
           <a:p>
-            <a:pPr indent="-228600" lvl="0" marL="228600" marR="0" rtl="0" algn="l">
-              <a:lnSpc>
-                <a:spcPct val="90000"/>
-              </a:lnSpc>
-              <a:spcBef>
-                <a:spcPts val="0"/>
-              </a:spcBef>
-              <a:spcAft>
-                <a:spcPts val="0"/>
-              </a:spcAft>
+            <a:pPr indent="12700" lvl="0" rtl="0">
+              <a:spcBef>
+                <a:spcPts val="0"/>
+              </a:spcBef>
               <a:buClr>
                 <a:srgbClr val="7F7F7F"/>
               </a:buClr>
@@ -16342,7 +18232,62 @@
               <a:buChar char="•"/>
             </a:pPr>
             <a:r>
-              <a:rPr lang="en-US">
+              <a:rPr lang="en-US" sz="2600">
+                <a:solidFill>
+                  <a:srgbClr val="7F7F7F"/>
+                </a:solidFill>
+                <a:latin typeface="Questrial"/>
+                <a:ea typeface="Questrial"/>
+                <a:cs typeface="Questrial"/>
+                <a:sym typeface="Questrial"/>
+              </a:rPr>
+              <a:t>All the independent variables are categorical; this is also known as an </a:t>
+            </a:r>
+            <a:r>
+              <a:rPr b="1" lang="en-US" sz="2600">
+                <a:solidFill>
+                  <a:srgbClr val="7F7F7F"/>
+                </a:solidFill>
+                <a:latin typeface="Questrial"/>
+                <a:ea typeface="Questrial"/>
+                <a:cs typeface="Questrial"/>
+                <a:sym typeface="Questrial"/>
+              </a:rPr>
+              <a:t>analysis of variance </a:t>
+            </a:r>
+            <a:r>
+              <a:rPr lang="en-US" sz="2600">
+                <a:solidFill>
+                  <a:srgbClr val="7F7F7F"/>
+                </a:solidFill>
+                <a:latin typeface="Questrial"/>
+                <a:ea typeface="Questrial"/>
+                <a:cs typeface="Questrial"/>
+                <a:sym typeface="Questrial"/>
+              </a:rPr>
+              <a:t>(ANOVA).</a:t>
+            </a:r>
+          </a:p>
+          <a:p>
+            <a:pPr indent="-215900" lvl="0" marL="228600" marR="0" rtl="0" algn="l">
+              <a:lnSpc>
+                <a:spcPct val="90000"/>
+              </a:lnSpc>
+              <a:spcBef>
+                <a:spcPts val="0"/>
+              </a:spcBef>
+              <a:spcAft>
+                <a:spcPts val="0"/>
+              </a:spcAft>
+              <a:buClr>
+                <a:srgbClr val="7F7F7F"/>
+              </a:buClr>
+              <a:buSzPct val="100000"/>
+              <a:buFont typeface="Questrial"/>
+              <a:buChar char="•"/>
+            </a:pPr>
+            <a:r>
+              <a:rPr lang="en-US" sz="2600">
                 <a:solidFill>
                   <a:srgbClr val="7F7F7F"/>
                 </a:solidFill>
@@ -16355,7 +18300,7 @@
             </a:r>
           </a:p>
           <a:p>
-            <a:pPr indent="-228600" lvl="0" marL="228600" marR="0" rtl="0" algn="l">
+            <a:pPr indent="-215900" lvl="0" marL="228600" marR="0" rtl="0" algn="l">
               <a:lnSpc>
                 <a:spcPct val="90000"/>
               </a:lnSpc>
@@ -16373,7 +18318,7 @@
               <a:buChar char="•"/>
             </a:pPr>
             <a:r>
-              <a:rPr lang="en-US">
+              <a:rPr lang="en-US" sz="2600">
                 <a:solidFill>
                   <a:srgbClr val="7F7F7F"/>
                 </a:solidFill>
@@ -16405,7 +18350,7 @@
             <a:r>
               <a:t/>
             </a:r>
-            <a:endParaRPr b="0" baseline="0" i="0" sz="2800" u="none" cap="none" strike="noStrike">
+            <a:endParaRPr b="0" baseline="0" i="0" sz="2600" u="none" cap="none" strike="noStrike">
               <a:solidFill>
                 <a:srgbClr val="7F7F7F"/>
               </a:solidFill>
@@ -16414,753 +18359,6 @@
               <a:cs typeface="Questrial"/>
               <a:sym typeface="Questrial"/>
             </a:endParaRPr>
-          </a:p>
-        </p:txBody>
-      </p:sp>
-    </p:spTree>
-  </p:cSld>
-  <p:clrMapOvr>
-    <a:masterClrMapping/>
-  </p:clrMapOvr>
-  <p:transition spd="slow">
-    <p:cut/>
-  </p:transition>
-</p:sld>
-</file>
-
-<file path=ppt/slides/slide6.xml><?xml version="1.0" encoding="utf-8"?>
-<p:sld xmlns:a="http://schemas.openxmlformats.org/drawingml/2006/main" xmlns:r="http://schemas.openxmlformats.org/officeDocument/2006/relationships" xmlns:mc="http://schemas.openxmlformats.org/markup-compatibility/2006" xmlns:mv="urn:schemas-microsoft-com:mac:vml" xmlns:p="http://schemas.openxmlformats.org/presentationml/2006/main" xmlns:c="http://schemas.openxmlformats.org/drawingml/2006/chart" xmlns:dgm="http://schemas.openxmlformats.org/drawingml/2006/diagram" xmlns:o="urn:schemas-microsoft-com:office:office" xmlns:v="urn:schemas-microsoft-com:vml" xmlns:pvml="urn:schemas-microsoft-com:office:powerpoint" xmlns:com="http://schemas.openxmlformats.org/drawingml/2006/compatibility" xmlns:p14="http://schemas.microsoft.com/office/powerpoint/2010/main">
-  <p:cSld>
-    <p:bg>
-      <p:bgPr>
-        <a:solidFill>
-          <a:srgbClr val="F2F2F2"/>
-        </a:solidFill>
-      </p:bgPr>
-    </p:bg>
-    <p:spTree>
-      <p:nvGrpSpPr>
-        <p:cNvPr id="109" name="Shape 109"/>
-        <p:cNvGrpSpPr/>
-        <p:nvPr/>
-      </p:nvGrpSpPr>
-      <p:grpSpPr>
-        <a:xfrm>
-          <a:off x="0" y="0"/>
-          <a:ext cx="0" cy="0"/>
-          <a:chOff x="0" y="0"/>
-          <a:chExt cx="0" cy="0"/>
-        </a:xfrm>
-      </p:grpSpPr>
-      <p:sp>
-        <p:nvSpPr>
-          <p:cNvPr id="110" name="Shape 110"/>
-          <p:cNvSpPr txBox="1"/>
-          <p:nvPr>
-            <p:ph type="title"/>
-          </p:nvPr>
-        </p:nvSpPr>
-        <p:spPr>
-          <a:xfrm>
-            <a:off x="838200" y="365125"/>
-            <a:ext cx="10515599" cy="1325562"/>
-          </a:xfrm>
-          <a:prstGeom prst="rect">
-            <a:avLst/>
-          </a:prstGeom>
-          <a:noFill/>
-          <a:ln>
-            <a:noFill/>
-          </a:ln>
-        </p:spPr>
-        <p:txBody>
-          <a:bodyPr anchorCtr="0" anchor="ctr" bIns="45700" lIns="91425" rIns="91425" tIns="45700">
-            <a:noAutofit/>
-          </a:bodyPr>
-          <a:lstStyle/>
-          <a:p>
-            <a:pPr indent="0" lvl="0" marL="0" marR="0" rtl="0" algn="l">
-              <a:lnSpc>
-                <a:spcPct val="90000"/>
-              </a:lnSpc>
-              <a:spcBef>
-                <a:spcPts val="0"/>
-              </a:spcBef>
-              <a:spcAft>
-                <a:spcPts val="0"/>
-              </a:spcAft>
-              <a:buClr>
-                <a:srgbClr val="7F7F7F"/>
-              </a:buClr>
-              <a:buSzPct val="25000"/>
-              <a:buFont typeface="Times New Roman"/>
-              <a:buNone/>
-            </a:pPr>
-            <a:r>
-              <a:rPr b="0" baseline="0" i="0" lang="en-US" sz="4400" u="sng" cap="none" strike="noStrike">
-                <a:solidFill>
-                  <a:srgbClr val="7F7F7F"/>
-                </a:solidFill>
-                <a:latin typeface="Times New Roman"/>
-                <a:ea typeface="Times New Roman"/>
-                <a:cs typeface="Times New Roman"/>
-                <a:sym typeface="Times New Roman"/>
-                <a:rtl val="0"/>
-              </a:rPr>
-              <a:t>M</a:t>
-            </a:r>
-            <a:r>
-              <a:rPr b="0" baseline="0" i="0" lang="en-US" sz="4400" u="none" cap="none" strike="noStrike">
-                <a:solidFill>
-                  <a:srgbClr val="7F7F7F"/>
-                </a:solidFill>
-                <a:latin typeface="Times New Roman"/>
-                <a:ea typeface="Times New Roman"/>
-                <a:cs typeface="Times New Roman"/>
-                <a:sym typeface="Times New Roman"/>
-                <a:rtl val="0"/>
-              </a:rPr>
-              <a:t>ODEL</a:t>
-            </a:r>
-          </a:p>
-        </p:txBody>
-      </p:sp>
-      <p:sp>
-        <p:nvSpPr>
-          <p:cNvPr id="111" name="Shape 111"/>
-          <p:cNvSpPr txBox="1"/>
-          <p:nvPr>
-            <p:ph idx="1" type="body"/>
-          </p:nvPr>
-        </p:nvSpPr>
-        <p:spPr>
-          <a:xfrm>
-            <a:off x="838200" y="1825625"/>
-            <a:ext cx="10515599" cy="4351338"/>
-          </a:xfrm>
-          <a:prstGeom prst="rect">
-            <a:avLst/>
-          </a:prstGeom>
-          <a:noFill/>
-          <a:ln>
-            <a:noFill/>
-          </a:ln>
-        </p:spPr>
-        <p:txBody>
-          <a:bodyPr anchorCtr="0" anchor="t" bIns="45700" lIns="91425" rIns="91425" tIns="45700">
-            <a:noAutofit/>
-          </a:bodyPr>
-          <a:lstStyle/>
-          <a:p>
-            <a:pPr indent="-228600" lvl="0" marL="228600" marR="0" rtl="0" algn="l">
-              <a:lnSpc>
-                <a:spcPct val="90000"/>
-              </a:lnSpc>
-              <a:spcBef>
-                <a:spcPts val="0"/>
-              </a:spcBef>
-              <a:spcAft>
-                <a:spcPts val="0"/>
-              </a:spcAft>
-              <a:buClr>
-                <a:srgbClr val="7F7F7F"/>
-              </a:buClr>
-              <a:buSzPct val="100000"/>
-              <a:buFont typeface="Arial"/>
-              <a:buChar char="•"/>
-            </a:pPr>
-            <a:r>
-              <a:rPr b="0" baseline="0" i="0" lang="en-US" sz="2800" u="none" cap="none" strike="noStrike">
-                <a:solidFill>
-                  <a:srgbClr val="7F7F7F"/>
-                </a:solidFill>
-                <a:latin typeface="Questrial"/>
-                <a:ea typeface="Questrial"/>
-                <a:cs typeface="Questrial"/>
-                <a:sym typeface="Questrial"/>
-                <a:rtl val="0"/>
-              </a:rPr>
-              <a:t>Using Pandas get_dummies() function, create feature vectors for the independent variables: rating, genre(s), director(s), writer(s), actors. For example, a typical feature vector for actors would be a dataframe that would have movie IDs as rows and list of actors (from the movies in the dataset) as columns (dummy variables). If a specific actor was present in a specific movie, their intersection would have value 1; 0 otherwise.</a:t>
-            </a:r>
-          </a:p>
-          <a:p>
-            <a:pPr indent="-228600" lvl="0" marL="228600" marR="0" rtl="0" algn="l">
-              <a:lnSpc>
-                <a:spcPct val="90000"/>
-              </a:lnSpc>
-              <a:spcBef>
-                <a:spcPts val="0"/>
-              </a:spcBef>
-              <a:spcAft>
-                <a:spcPts val="0"/>
-              </a:spcAft>
-              <a:buClr>
-                <a:srgbClr val="7F7F7F"/>
-              </a:buClr>
-              <a:buSzPct val="100000"/>
-              <a:buFont typeface="Arial"/>
-              <a:buChar char="•"/>
-            </a:pPr>
-            <a:r>
-              <a:rPr b="0" baseline="0" i="0" lang="en-US" sz="2800" u="none" cap="none" strike="noStrike">
-                <a:solidFill>
-                  <a:srgbClr val="7F7F7F"/>
-                </a:solidFill>
-                <a:latin typeface="Questrial"/>
-                <a:ea typeface="Questrial"/>
-                <a:cs typeface="Questrial"/>
-                <a:sym typeface="Questrial"/>
-                <a:rtl val="0"/>
-              </a:rPr>
-              <a:t>Concatenate the feature vectors to the original dataframe which has the loaded csv data.</a:t>
-            </a:r>
-          </a:p>
-        </p:txBody>
-      </p:sp>
-    </p:spTree>
-  </p:cSld>
-  <p:clrMapOvr>
-    <a:masterClrMapping/>
-  </p:clrMapOvr>
-  <p:transition spd="slow">
-    <p:cut/>
-  </p:transition>
-</p:sld>
-</file>
-
-<file path=ppt/slides/slide7.xml><?xml version="1.0" encoding="utf-8"?>
-<p:sld xmlns:a="http://schemas.openxmlformats.org/drawingml/2006/main" xmlns:r="http://schemas.openxmlformats.org/officeDocument/2006/relationships" xmlns:mc="http://schemas.openxmlformats.org/markup-compatibility/2006" xmlns:mv="urn:schemas-microsoft-com:mac:vml" xmlns:p="http://schemas.openxmlformats.org/presentationml/2006/main" xmlns:c="http://schemas.openxmlformats.org/drawingml/2006/chart" xmlns:dgm="http://schemas.openxmlformats.org/drawingml/2006/diagram" xmlns:o="urn:schemas-microsoft-com:office:office" xmlns:v="urn:schemas-microsoft-com:vml" xmlns:pvml="urn:schemas-microsoft-com:office:powerpoint" xmlns:com="http://schemas.openxmlformats.org/drawingml/2006/compatibility" xmlns:p14="http://schemas.microsoft.com/office/powerpoint/2010/main">
-  <p:cSld>
-    <p:bg>
-      <p:bgPr>
-        <a:solidFill>
-          <a:srgbClr val="F2F2F2"/>
-        </a:solidFill>
-      </p:bgPr>
-    </p:bg>
-    <p:spTree>
-      <p:nvGrpSpPr>
-        <p:cNvPr id="115" name="Shape 115"/>
-        <p:cNvGrpSpPr/>
-        <p:nvPr/>
-      </p:nvGrpSpPr>
-      <p:grpSpPr>
-        <a:xfrm>
-          <a:off x="0" y="0"/>
-          <a:ext cx="0" cy="0"/>
-          <a:chOff x="0" y="0"/>
-          <a:chExt cx="0" cy="0"/>
-        </a:xfrm>
-      </p:grpSpPr>
-      <p:sp>
-        <p:nvSpPr>
-          <p:cNvPr id="116" name="Shape 116"/>
-          <p:cNvSpPr txBox="1"/>
-          <p:nvPr>
-            <p:ph type="title"/>
-          </p:nvPr>
-        </p:nvSpPr>
-        <p:spPr>
-          <a:xfrm>
-            <a:off x="838200" y="365125"/>
-            <a:ext cx="10515599" cy="1325562"/>
-          </a:xfrm>
-          <a:prstGeom prst="rect">
-            <a:avLst/>
-          </a:prstGeom>
-          <a:noFill/>
-          <a:ln>
-            <a:noFill/>
-          </a:ln>
-        </p:spPr>
-        <p:txBody>
-          <a:bodyPr anchorCtr="0" anchor="ctr" bIns="45700" lIns="91425" rIns="91425" tIns="45700">
-            <a:noAutofit/>
-          </a:bodyPr>
-          <a:lstStyle/>
-          <a:p>
-            <a:pPr indent="0" lvl="0" marL="0" marR="0" rtl="0" algn="l">
-              <a:lnSpc>
-                <a:spcPct val="90000"/>
-              </a:lnSpc>
-              <a:spcBef>
-                <a:spcPts val="0"/>
-              </a:spcBef>
-              <a:spcAft>
-                <a:spcPts val="0"/>
-              </a:spcAft>
-              <a:buClr>
-                <a:srgbClr val="7F7F7F"/>
-              </a:buClr>
-              <a:buSzPct val="25000"/>
-              <a:buFont typeface="Times New Roman"/>
-              <a:buNone/>
-            </a:pPr>
-            <a:r>
-              <a:rPr b="0" baseline="0" i="0" lang="en-US" sz="4400" u="sng" cap="none" strike="noStrike">
-                <a:solidFill>
-                  <a:srgbClr val="7F7F7F"/>
-                </a:solidFill>
-                <a:latin typeface="Times New Roman"/>
-                <a:ea typeface="Times New Roman"/>
-                <a:cs typeface="Times New Roman"/>
-                <a:sym typeface="Times New Roman"/>
-                <a:rtl val="0"/>
-              </a:rPr>
-              <a:t>M</a:t>
-            </a:r>
-            <a:r>
-              <a:rPr b="0" baseline="0" i="0" lang="en-US" sz="4400" u="none" cap="none" strike="noStrike">
-                <a:solidFill>
-                  <a:srgbClr val="7F7F7F"/>
-                </a:solidFill>
-                <a:latin typeface="Times New Roman"/>
-                <a:ea typeface="Times New Roman"/>
-                <a:cs typeface="Times New Roman"/>
-                <a:sym typeface="Times New Roman"/>
-                <a:rtl val="0"/>
-              </a:rPr>
-              <a:t>ODEL</a:t>
-            </a:r>
-          </a:p>
-        </p:txBody>
-      </p:sp>
-      <p:sp>
-        <p:nvSpPr>
-          <p:cNvPr id="117" name="Shape 117"/>
-          <p:cNvSpPr txBox="1"/>
-          <p:nvPr>
-            <p:ph idx="1" type="body"/>
-          </p:nvPr>
-        </p:nvSpPr>
-        <p:spPr>
-          <a:xfrm>
-            <a:off x="838200" y="1825625"/>
-            <a:ext cx="10515599" cy="4351338"/>
-          </a:xfrm>
-          <a:prstGeom prst="rect">
-            <a:avLst/>
-          </a:prstGeom>
-          <a:noFill/>
-          <a:ln>
-            <a:noFill/>
-          </a:ln>
-        </p:spPr>
-        <p:txBody>
-          <a:bodyPr anchorCtr="0" anchor="t" bIns="45700" lIns="91425" rIns="91425" tIns="45700">
-            <a:noAutofit/>
-          </a:bodyPr>
-          <a:lstStyle/>
-          <a:p>
-            <a:pPr indent="-228600" lvl="0" marL="228600" marR="0" rtl="0" algn="l">
-              <a:lnSpc>
-                <a:spcPct val="90000"/>
-              </a:lnSpc>
-              <a:spcBef>
-                <a:spcPts val="0"/>
-              </a:spcBef>
-              <a:spcAft>
-                <a:spcPts val="0"/>
-              </a:spcAft>
-              <a:buClr>
-                <a:srgbClr val="7F7F7F"/>
-              </a:buClr>
-              <a:buSzPct val="100000"/>
-              <a:buFont typeface="Arial"/>
-              <a:buChar char="•"/>
-            </a:pPr>
-            <a:r>
-              <a:rPr b="0" baseline="0" i="0" lang="en-US" sz="2800" u="none" cap="none" strike="noStrike">
-                <a:solidFill>
-                  <a:srgbClr val="7F7F7F"/>
-                </a:solidFill>
-                <a:latin typeface="Questrial"/>
-                <a:ea typeface="Questrial"/>
-                <a:cs typeface="Questrial"/>
-                <a:sym typeface="Questrial"/>
-                <a:rtl val="0"/>
-              </a:rPr>
-              <a:t>Import scikit-learn module, instantiate the linear regression model and “fit” the x and y dataframes corresponding to the user-specified feature columns and the outcome prediction column.</a:t>
-            </a:r>
-          </a:p>
-          <a:p>
-            <a:pPr indent="-228600" lvl="0" marL="228600" marR="0" rtl="0" algn="l">
-              <a:lnSpc>
-                <a:spcPct val="90000"/>
-              </a:lnSpc>
-              <a:spcBef>
-                <a:spcPts val="0"/>
-              </a:spcBef>
-              <a:spcAft>
-                <a:spcPts val="0"/>
-              </a:spcAft>
-              <a:buClr>
-                <a:srgbClr val="7F7F7F"/>
-              </a:buClr>
-              <a:buSzPct val="100000"/>
-              <a:buFont typeface="Arial"/>
-              <a:buChar char="•"/>
-            </a:pPr>
-            <a:r>
-              <a:rPr b="0" baseline="0" i="0" lang="en-US" sz="2800" u="none" cap="none" strike="noStrike">
-                <a:solidFill>
-                  <a:srgbClr val="7F7F7F"/>
-                </a:solidFill>
-                <a:latin typeface="Questrial"/>
-                <a:ea typeface="Questrial"/>
-                <a:cs typeface="Questrial"/>
-                <a:sym typeface="Questrial"/>
-                <a:rtl val="0"/>
-              </a:rPr>
-              <a:t>For example, if the user entered “R”, “Quentin Tarantino”, “Leonardo DiCaprio” as the predictors, dataframe x would contain only those columns from the original dataset.</a:t>
-            </a:r>
-          </a:p>
-          <a:p>
-            <a:pPr indent="-228600" lvl="0" marL="228600" marR="0" rtl="0" algn="l">
-              <a:lnSpc>
-                <a:spcPct val="90000"/>
-              </a:lnSpc>
-              <a:spcBef>
-                <a:spcPts val="0"/>
-              </a:spcBef>
-              <a:spcAft>
-                <a:spcPts val="0"/>
-              </a:spcAft>
-              <a:buClr>
-                <a:srgbClr val="7F7F7F"/>
-              </a:buClr>
-              <a:buSzPct val="100000"/>
-              <a:buFont typeface="Arial"/>
-              <a:buChar char="•"/>
-            </a:pPr>
-            <a:r>
-              <a:rPr b="0" baseline="0" i="0" lang="en-US" sz="2800" u="none" cap="none" strike="noStrike">
-                <a:solidFill>
-                  <a:srgbClr val="7F7F7F"/>
-                </a:solidFill>
-                <a:latin typeface="Questrial"/>
-                <a:ea typeface="Questrial"/>
-                <a:cs typeface="Questrial"/>
-                <a:sym typeface="Questrial"/>
-                <a:rtl val="0"/>
-              </a:rPr>
-              <a:t>The x corresponds to x-axis which represents the independent variables, and the y corresponds to y-axis which represents the dependent variable in the following multiple linear regression equation:</a:t>
-            </a:r>
-          </a:p>
-          <a:p>
-            <a:pPr indent="-50800" lvl="0" marL="228600" marR="0" rtl="0" algn="l">
-              <a:lnSpc>
-                <a:spcPct val="90000"/>
-              </a:lnSpc>
-              <a:spcBef>
-                <a:spcPts val="0"/>
-              </a:spcBef>
-              <a:spcAft>
-                <a:spcPts val="0"/>
-              </a:spcAft>
-              <a:buClr>
-                <a:srgbClr val="7F7F7F"/>
-              </a:buClr>
-              <a:buFont typeface="Arial"/>
-              <a:buNone/>
-            </a:pPr>
-            <a:r>
-              <a:t/>
-            </a:r>
-            <a:endParaRPr b="0" baseline="0" i="0" sz="2800" u="none" cap="none" strike="noStrike">
-              <a:solidFill>
-                <a:srgbClr val="7F7F7F"/>
-              </a:solidFill>
-              <a:latin typeface="Questrial"/>
-              <a:ea typeface="Questrial"/>
-              <a:cs typeface="Questrial"/>
-              <a:sym typeface="Questrial"/>
-              <a:rtl val="0"/>
-            </a:endParaRPr>
-          </a:p>
-          <a:p>
-            <a:pPr indent="0" lvl="0" marL="0" marR="0" rtl="0" algn="l">
-              <a:lnSpc>
-                <a:spcPct val="90000"/>
-              </a:lnSpc>
-              <a:spcBef>
-                <a:spcPts val="0"/>
-              </a:spcBef>
-              <a:spcAft>
-                <a:spcPts val="0"/>
-              </a:spcAft>
-              <a:buClr>
-                <a:srgbClr val="7F7F7F"/>
-              </a:buClr>
-              <a:buSzPct val="25000"/>
-              <a:buFont typeface="Arial"/>
-              <a:buNone/>
-            </a:pPr>
-            <a:r>
-              <a:rPr b="0" baseline="0" i="0" lang="en-US" sz="2800" u="none" cap="none" strike="noStrike">
-                <a:solidFill>
-                  <a:srgbClr val="7F7F7F"/>
-                </a:solidFill>
-                <a:latin typeface="Questrial"/>
-                <a:ea typeface="Questrial"/>
-                <a:cs typeface="Questrial"/>
-                <a:sym typeface="Questrial"/>
-                <a:rtl val="0"/>
-              </a:rPr>
-              <a:t>	</a:t>
-            </a:r>
-          </a:p>
-          <a:p>
-            <a:pPr indent="-50800" lvl="0" marL="228600" marR="0" rtl="0" algn="l">
-              <a:lnSpc>
-                <a:spcPct val="90000"/>
-              </a:lnSpc>
-              <a:spcBef>
-                <a:spcPts val="0"/>
-              </a:spcBef>
-              <a:spcAft>
-                <a:spcPts val="0"/>
-              </a:spcAft>
-              <a:buClr>
-                <a:srgbClr val="7F7F7F"/>
-              </a:buClr>
-              <a:buFont typeface="Arial"/>
-              <a:buNone/>
-            </a:pPr>
-            <a:r>
-              <a:t/>
-            </a:r>
-            <a:endParaRPr b="0" baseline="0" i="0" sz="2800" u="none" cap="none" strike="noStrike">
-              <a:solidFill>
-                <a:srgbClr val="7F7F7F"/>
-              </a:solidFill>
-              <a:latin typeface="Questrial"/>
-              <a:ea typeface="Questrial"/>
-              <a:cs typeface="Questrial"/>
-              <a:sym typeface="Questrial"/>
-              <a:rtl val="0"/>
-            </a:endParaRPr>
-          </a:p>
-        </p:txBody>
-      </p:sp>
-      <p:pic>
-        <p:nvPicPr>
-          <p:cNvPr id="118" name="Shape 118"/>
-          <p:cNvPicPr preferRelativeResize="0"/>
-          <p:nvPr/>
-        </p:nvPicPr>
-        <p:blipFill rotWithShape="1">
-          <a:blip r:embed="rId3">
-            <a:alphaModFix/>
-          </a:blip>
-          <a:srcRect b="0" l="0" r="0" t="0"/>
-          <a:stretch/>
-        </p:blipFill>
-        <p:spPr>
-          <a:xfrm>
-            <a:off x="2807176" y="6176985"/>
-            <a:ext cx="3336300" cy="617099"/>
-          </a:xfrm>
-          <a:prstGeom prst="rect">
-            <a:avLst/>
-          </a:prstGeom>
-          <a:noFill/>
-          <a:ln>
-            <a:noFill/>
-          </a:ln>
-        </p:spPr>
-      </p:pic>
-    </p:spTree>
-  </p:cSld>
-  <p:clrMapOvr>
-    <a:masterClrMapping/>
-  </p:clrMapOvr>
-  <p:transition spd="slow">
-    <p:cut/>
-  </p:transition>
-</p:sld>
-</file>
-
-<file path=ppt/slides/slide8.xml><?xml version="1.0" encoding="utf-8"?>
-<p:sld xmlns:a="http://schemas.openxmlformats.org/drawingml/2006/main" xmlns:r="http://schemas.openxmlformats.org/officeDocument/2006/relationships" xmlns:mc="http://schemas.openxmlformats.org/markup-compatibility/2006" xmlns:mv="urn:schemas-microsoft-com:mac:vml" xmlns:p="http://schemas.openxmlformats.org/presentationml/2006/main" xmlns:c="http://schemas.openxmlformats.org/drawingml/2006/chart" xmlns:dgm="http://schemas.openxmlformats.org/drawingml/2006/diagram" xmlns:o="urn:schemas-microsoft-com:office:office" xmlns:v="urn:schemas-microsoft-com:vml" xmlns:pvml="urn:schemas-microsoft-com:office:powerpoint" xmlns:com="http://schemas.openxmlformats.org/drawingml/2006/compatibility" xmlns:p14="http://schemas.microsoft.com/office/powerpoint/2010/main">
-  <p:cSld>
-    <p:bg>
-      <p:bgPr>
-        <a:solidFill>
-          <a:srgbClr val="F2F2F2"/>
-        </a:solidFill>
-      </p:bgPr>
-    </p:bg>
-    <p:spTree>
-      <p:nvGrpSpPr>
-        <p:cNvPr id="122" name="Shape 122"/>
-        <p:cNvGrpSpPr/>
-        <p:nvPr/>
-      </p:nvGrpSpPr>
-      <p:grpSpPr>
-        <a:xfrm>
-          <a:off x="0" y="0"/>
-          <a:ext cx="0" cy="0"/>
-          <a:chOff x="0" y="0"/>
-          <a:chExt cx="0" cy="0"/>
-        </a:xfrm>
-      </p:grpSpPr>
-      <p:sp>
-        <p:nvSpPr>
-          <p:cNvPr id="123" name="Shape 123"/>
-          <p:cNvSpPr txBox="1"/>
-          <p:nvPr>
-            <p:ph type="title"/>
-          </p:nvPr>
-        </p:nvSpPr>
-        <p:spPr>
-          <a:xfrm>
-            <a:off x="838200" y="365125"/>
-            <a:ext cx="10515599" cy="1325562"/>
-          </a:xfrm>
-          <a:prstGeom prst="rect">
-            <a:avLst/>
-          </a:prstGeom>
-          <a:noFill/>
-          <a:ln>
-            <a:noFill/>
-          </a:ln>
-        </p:spPr>
-        <p:txBody>
-          <a:bodyPr anchorCtr="0" anchor="ctr" bIns="45700" lIns="91425" rIns="91425" tIns="45700">
-            <a:noAutofit/>
-          </a:bodyPr>
-          <a:lstStyle/>
-          <a:p>
-            <a:pPr indent="0" lvl="0" marL="0" marR="0" rtl="0" algn="l">
-              <a:lnSpc>
-                <a:spcPct val="90000"/>
-              </a:lnSpc>
-              <a:spcBef>
-                <a:spcPts val="0"/>
-              </a:spcBef>
-              <a:spcAft>
-                <a:spcPts val="0"/>
-              </a:spcAft>
-              <a:buClr>
-                <a:srgbClr val="7F7F7F"/>
-              </a:buClr>
-              <a:buSzPct val="25000"/>
-              <a:buFont typeface="Times New Roman"/>
-              <a:buNone/>
-            </a:pPr>
-            <a:r>
-              <a:rPr b="0" baseline="0" i="0" lang="en-US" sz="4400" u="sng" cap="none" strike="noStrike">
-                <a:solidFill>
-                  <a:srgbClr val="7F7F7F"/>
-                </a:solidFill>
-                <a:latin typeface="Times New Roman"/>
-                <a:ea typeface="Times New Roman"/>
-                <a:cs typeface="Times New Roman"/>
-                <a:sym typeface="Times New Roman"/>
-                <a:rtl val="0"/>
-              </a:rPr>
-              <a:t>M</a:t>
-            </a:r>
-            <a:r>
-              <a:rPr b="0" baseline="0" i="0" lang="en-US" sz="4400" u="none" cap="none" strike="noStrike">
-                <a:solidFill>
-                  <a:srgbClr val="7F7F7F"/>
-                </a:solidFill>
-                <a:latin typeface="Times New Roman"/>
-                <a:ea typeface="Times New Roman"/>
-                <a:cs typeface="Times New Roman"/>
-                <a:sym typeface="Times New Roman"/>
-                <a:rtl val="0"/>
-              </a:rPr>
-              <a:t>ODEL</a:t>
-            </a:r>
-          </a:p>
-        </p:txBody>
-      </p:sp>
-      <p:sp>
-        <p:nvSpPr>
-          <p:cNvPr id="124" name="Shape 124"/>
-          <p:cNvSpPr txBox="1"/>
-          <p:nvPr>
-            <p:ph idx="1" type="body"/>
-          </p:nvPr>
-        </p:nvSpPr>
-        <p:spPr>
-          <a:xfrm>
-            <a:off x="838200" y="1825625"/>
-            <a:ext cx="10515599" cy="4351338"/>
-          </a:xfrm>
-          <a:prstGeom prst="rect">
-            <a:avLst/>
-          </a:prstGeom>
-          <a:noFill/>
-          <a:ln>
-            <a:noFill/>
-          </a:ln>
-        </p:spPr>
-        <p:txBody>
-          <a:bodyPr anchorCtr="0" anchor="t" bIns="45700" lIns="91425" rIns="91425" tIns="45700">
-            <a:noAutofit/>
-          </a:bodyPr>
-          <a:lstStyle/>
-          <a:p>
-            <a:pPr indent="-228600" lvl="0" marL="228600" marR="0" rtl="0" algn="l">
-              <a:lnSpc>
-                <a:spcPct val="90000"/>
-              </a:lnSpc>
-              <a:spcBef>
-                <a:spcPts val="0"/>
-              </a:spcBef>
-              <a:spcAft>
-                <a:spcPts val="0"/>
-              </a:spcAft>
-              <a:buClr>
-                <a:srgbClr val="7F7F7F"/>
-              </a:buClr>
-              <a:buSzPct val="100000"/>
-              <a:buFont typeface="Arial"/>
-              <a:buChar char="•"/>
-            </a:pPr>
-            <a:r>
-              <a:rPr b="0" baseline="0" i="0" lang="en-US" sz="2800" u="none" cap="none" strike="noStrike">
-                <a:solidFill>
-                  <a:srgbClr val="7F7F7F"/>
-                </a:solidFill>
-                <a:latin typeface="Questrial"/>
-                <a:ea typeface="Questrial"/>
-                <a:cs typeface="Questrial"/>
-                <a:sym typeface="Questrial"/>
-                <a:rtl val="0"/>
-              </a:rPr>
-              <a:t>Since all the independent variables are categorical, this is also known as an </a:t>
-            </a:r>
-            <a:r>
-              <a:rPr b="1" baseline="0" i="0" lang="en-US" sz="2800" u="none" cap="none" strike="noStrike">
-                <a:solidFill>
-                  <a:srgbClr val="7F7F7F"/>
-                </a:solidFill>
-                <a:latin typeface="Questrial"/>
-                <a:ea typeface="Questrial"/>
-                <a:cs typeface="Questrial"/>
-                <a:sym typeface="Questrial"/>
-                <a:rtl val="0"/>
-              </a:rPr>
-              <a:t>analysis of variance </a:t>
-            </a:r>
-            <a:r>
-              <a:rPr b="0" baseline="0" i="0" lang="en-US" sz="2800" u="none" cap="none" strike="noStrike">
-                <a:solidFill>
-                  <a:srgbClr val="7F7F7F"/>
-                </a:solidFill>
-                <a:latin typeface="Questrial"/>
-                <a:ea typeface="Questrial"/>
-                <a:cs typeface="Questrial"/>
-                <a:sym typeface="Questrial"/>
-                <a:rtl val="0"/>
-              </a:rPr>
-              <a:t>(ANOVA).</a:t>
-            </a:r>
           </a:p>
         </p:txBody>
       </p:sp>
@@ -17187,7 +18385,7 @@
     </p:bg>
     <p:spTree>
       <p:nvGrpSpPr>
-        <p:cNvPr id="128" name="Shape 128"/>
+        <p:cNvPr id="129" name="Shape 129"/>
         <p:cNvGrpSpPr/>
         <p:nvPr/>
       </p:nvGrpSpPr>
@@ -17201,7 +18399,7 @@
       </p:grpSpPr>
       <p:sp>
         <p:nvSpPr>
-          <p:cNvPr id="129" name="Shape 129"/>
+          <p:cNvPr id="130" name="Shape 130"/>
           <p:cNvSpPr txBox="1"/>
           <p:nvPr>
             <p:ph type="title"/>
@@ -17254,7 +18452,7 @@
                 <a:sym typeface="Times New Roman"/>
                 <a:rtl val="0"/>
               </a:rPr>
-              <a:t>O</a:t>
+              <a:t>M</a:t>
             </a:r>
             <a:r>
               <a:rPr b="0" baseline="0" i="0" lang="en-US" sz="4400" u="none" cap="none" strike="noStrike">
@@ -17267,28 +18465,23 @@
                 <a:sym typeface="Times New Roman"/>
                 <a:rtl val="0"/>
               </a:rPr>
-              <a:t>BSERVATIONS</a:t>
+              <a:t>ODEL</a:t>
             </a:r>
           </a:p>
         </p:txBody>
       </p:sp>
-      <p:pic>
-        <p:nvPicPr>
-          <p:cNvPr id="130" name="Shape 130"/>
-          <p:cNvPicPr preferRelativeResize="0"/>
-          <p:nvPr/>
-        </p:nvPicPr>
-        <p:blipFill rotWithShape="1">
-          <a:blip r:embed="rId3">
-            <a:alphaModFix/>
-          </a:blip>
-          <a:srcRect b="0" l="0" r="0" t="0"/>
-          <a:stretch/>
-        </p:blipFill>
+      <p:sp>
+        <p:nvSpPr>
+          <p:cNvPr id="131" name="Shape 131"/>
+          <p:cNvSpPr txBox="1"/>
+          <p:nvPr>
+            <p:ph idx="1" type="body"/>
+          </p:nvPr>
+        </p:nvSpPr>
         <p:spPr>
           <a:xfrm>
-            <a:off x="1935139" y="1337479"/>
-            <a:ext cx="7998548" cy="5332364"/>
+            <a:off x="838200" y="1825625"/>
+            <a:ext cx="10515599" cy="4351338"/>
           </a:xfrm>
           <a:prstGeom prst="rect">
             <a:avLst/>
@@ -17298,7 +18491,77 @@
             <a:noFill/>
           </a:ln>
         </p:spPr>
-      </p:pic>
+        <p:txBody>
+          <a:bodyPr anchorCtr="0" anchor="t" bIns="45700" lIns="91425" rIns="91425" tIns="45700">
+            <a:noAutofit/>
+          </a:bodyPr>
+          <a:lstStyle/>
+          <a:p>
+            <a:pPr indent="-228600" lvl="0" marL="228600" marR="0" rtl="0" algn="l">
+              <a:lnSpc>
+                <a:spcPct val="90000"/>
+              </a:lnSpc>
+              <a:spcBef>
+                <a:spcPts val="0"/>
+              </a:spcBef>
+              <a:spcAft>
+                <a:spcPts val="0"/>
+              </a:spcAft>
+              <a:buClr>
+                <a:srgbClr val="7F7F7F"/>
+              </a:buClr>
+              <a:buSzPct val="100000"/>
+              <a:buFont typeface="Arial"/>
+              <a:buChar char="•"/>
+            </a:pPr>
+            <a:r>
+              <a:rPr b="0" baseline="0" i="0" lang="en-US" sz="2800" u="none" cap="none" strike="noStrike">
+                <a:solidFill>
+                  <a:srgbClr val="7F7F7F"/>
+                </a:solidFill>
+                <a:latin typeface="Questrial"/>
+                <a:ea typeface="Questrial"/>
+                <a:cs typeface="Questrial"/>
+                <a:sym typeface="Questrial"/>
+                <a:rtl val="0"/>
+              </a:rPr>
+              <a:t>Using Pandas get_dummies() function, create feature vectors for the independent variables: rating, genre(s), director(s), writer(s), actors. For example, a typical feature vector for actors would be a dataframe that would have movie IDs as rows and list of actors (from the movies in the dataset) as columns (dummy variables). If a specific actor was present in a specific movie, their intersection would have value 1; 0 otherwise.</a:t>
+            </a:r>
+          </a:p>
+          <a:p>
+            <a:pPr indent="-228600" lvl="0" marL="228600" marR="0" rtl="0" algn="l">
+              <a:lnSpc>
+                <a:spcPct val="90000"/>
+              </a:lnSpc>
+              <a:spcBef>
+                <a:spcPts val="0"/>
+              </a:spcBef>
+              <a:spcAft>
+                <a:spcPts val="0"/>
+              </a:spcAft>
+              <a:buClr>
+                <a:srgbClr val="7F7F7F"/>
+              </a:buClr>
+              <a:buSzPct val="100000"/>
+              <a:buFont typeface="Arial"/>
+              <a:buChar char="•"/>
+            </a:pPr>
+            <a:r>
+              <a:rPr b="0" baseline="0" i="0" lang="en-US" sz="2800" u="none" cap="none" strike="noStrike">
+                <a:solidFill>
+                  <a:srgbClr val="7F7F7F"/>
+                </a:solidFill>
+                <a:latin typeface="Questrial"/>
+                <a:ea typeface="Questrial"/>
+                <a:cs typeface="Questrial"/>
+                <a:sym typeface="Questrial"/>
+                <a:rtl val="0"/>
+              </a:rPr>
+              <a:t>Concatenate the feature vectors to the original dataframe which has the loaded csv data.</a:t>
+            </a:r>
+          </a:p>
+        </p:txBody>
+      </p:sp>
     </p:spTree>
   </p:cSld>
   <p:clrMapOvr>
@@ -17311,6 +18574,285 @@
 </file>
 
 <file path=ppt/theme/theme1.xml><?xml version="1.0" encoding="utf-8"?>
+<a:theme xmlns:a="http://schemas.openxmlformats.org/drawingml/2006/main" xmlns:r="http://schemas.openxmlformats.org/officeDocument/2006/relationships" name="Office Theme">
+  <a:themeElements>
+    <a:clrScheme name="Office">
+      <a:dk1>
+        <a:srgbClr val="000000"/>
+      </a:dk1>
+      <a:lt1>
+        <a:srgbClr val="FFFFFF"/>
+      </a:lt1>
+      <a:dk2>
+        <a:srgbClr val="44546A"/>
+      </a:dk2>
+      <a:lt2>
+        <a:srgbClr val="E7E6E6"/>
+      </a:lt2>
+      <a:accent1>
+        <a:srgbClr val="5B9BD5"/>
+      </a:accent1>
+      <a:accent2>
+        <a:srgbClr val="ED7D31"/>
+      </a:accent2>
+      <a:accent3>
+        <a:srgbClr val="A5A5A5"/>
+      </a:accent3>
+      <a:accent4>
+        <a:srgbClr val="FFC000"/>
+      </a:accent4>
+      <a:accent5>
+        <a:srgbClr val="4472C4"/>
+      </a:accent5>
+      <a:accent6>
+        <a:srgbClr val="70AD47"/>
+      </a:accent6>
+      <a:hlink>
+        <a:srgbClr val="0563C1"/>
+      </a:hlink>
+      <a:folHlink>
+        <a:srgbClr val="954F72"/>
+      </a:folHlink>
+    </a:clrScheme>
+    <a:fontScheme name="Office">
+      <a:majorFont>
+        <a:latin typeface="Arial"/>
+        <a:ea typeface=""/>
+        <a:cs typeface=""/>
+        <a:font script="Jpan" typeface="ＭＳ Ｐゴシック"/>
+        <a:font script="Hang" typeface="맑은 고딕"/>
+        <a:font script="Hans" typeface="宋体"/>
+        <a:font script="Hant" typeface="新細明體"/>
+        <a:font script="Arab" typeface="Times New Roman"/>
+        <a:font script="Hebr" typeface="Times New Roman"/>
+        <a:font script="Thai" typeface="Angsana New"/>
+        <a:font script="Ethi" typeface="Nyala"/>
+        <a:font script="Beng" typeface="Vrinda"/>
+        <a:font script="Gujr" typeface="Shruti"/>
+        <a:font script="Khmr" typeface="MoolBoran"/>
+        <a:font script="Knda" typeface="Tunga"/>
+        <a:font script="Guru" typeface="Raavi"/>
+        <a:font script="Cans" typeface="Euphemia"/>
+        <a:font script="Cher" typeface="Plantagenet Cherokee"/>
+        <a:font script="Yiii" typeface="Microsoft Yi Baiti"/>
+        <a:font script="Tibt" typeface="Microsoft Himalaya"/>
+        <a:font script="Thaa" typeface="MV Boli"/>
+        <a:font script="Deva" typeface="Mangal"/>
+        <a:font script="Telu" typeface="Gautami"/>
+        <a:font script="Taml" typeface="Latha"/>
+        <a:font script="Syrc" typeface="Estrangelo Edessa"/>
+        <a:font script="Orya" typeface="Kalinga"/>
+        <a:font script="Mlym" typeface="Kartika"/>
+        <a:font script="Laoo" typeface="DokChampa"/>
+        <a:font script="Sinh" typeface="Iskoola Pota"/>
+        <a:font script="Mong" typeface="Mongolian Baiti"/>
+        <a:font script="Viet" typeface="Times New Roman"/>
+        <a:font script="Uigh" typeface="Microsoft Uighur"/>
+        <a:font script="Geor" typeface="Sylfaen"/>
+      </a:majorFont>
+      <a:minorFont>
+        <a:latin typeface="Arial"/>
+        <a:ea typeface=""/>
+        <a:cs typeface=""/>
+        <a:font script="Jpan" typeface="ＭＳ Ｐゴシック"/>
+        <a:font script="Hang" typeface="맑은 고딕"/>
+        <a:font script="Hans" typeface="宋体"/>
+        <a:font script="Hant" typeface="新細明體"/>
+        <a:font script="Arab" typeface="Arial"/>
+        <a:font script="Hebr" typeface="Arial"/>
+        <a:font script="Thai" typeface="Cordia New"/>
+        <a:font script="Ethi" typeface="Nyala"/>
+        <a:font script="Beng" typeface="Vrinda"/>
+        <a:font script="Gujr" typeface="Shruti"/>
+        <a:font script="Khmr" typeface="DaunPenh"/>
+        <a:font script="Knda" typeface="Tunga"/>
+        <a:font script="Guru" typeface="Raavi"/>
+        <a:font script="Cans" typeface="Euphemia"/>
+        <a:font script="Cher" typeface="Plantagenet Cherokee"/>
+        <a:font script="Yiii" typeface="Microsoft Yi Baiti"/>
+        <a:font script="Tibt" typeface="Microsoft Himalaya"/>
+        <a:font script="Thaa" typeface="MV Boli"/>
+        <a:font script="Deva" typeface="Mangal"/>
+        <a:font script="Telu" typeface="Gautami"/>
+        <a:font script="Taml" typeface="Latha"/>
+        <a:font script="Syrc" typeface="Estrangelo Edessa"/>
+        <a:font script="Orya" typeface="Kalinga"/>
+        <a:font script="Mlym" typeface="Kartika"/>
+        <a:font script="Laoo" typeface="DokChampa"/>
+        <a:font script="Sinh" typeface="Iskoola Pota"/>
+        <a:font script="Mong" typeface="Mongolian Baiti"/>
+        <a:font script="Viet" typeface="Arial"/>
+        <a:font script="Uigh" typeface="Microsoft Uighur"/>
+        <a:font script="Geor" typeface="Sylfaen"/>
+      </a:minorFont>
+    </a:fontScheme>
+    <a:fmtScheme name="Office">
+      <a:fillStyleLst>
+        <a:solidFill>
+          <a:schemeClr val="phClr"/>
+        </a:solidFill>
+        <a:gradFill rotWithShape="1">
+          <a:gsLst>
+            <a:gs pos="0">
+              <a:schemeClr val="phClr">
+                <a:tint val="50000"/>
+                <a:satMod val="300000"/>
+              </a:schemeClr>
+            </a:gs>
+            <a:gs pos="35000">
+              <a:schemeClr val="phClr">
+                <a:tint val="37000"/>
+                <a:satMod val="300000"/>
+              </a:schemeClr>
+            </a:gs>
+            <a:gs pos="100000">
+              <a:schemeClr val="phClr">
+                <a:tint val="15000"/>
+                <a:satMod val="350000"/>
+              </a:schemeClr>
+            </a:gs>
+          </a:gsLst>
+          <a:lin ang="16200000" scaled="1"/>
+        </a:gradFill>
+        <a:gradFill rotWithShape="1">
+          <a:gsLst>
+            <a:gs pos="0">
+              <a:schemeClr val="phClr">
+                <a:tint val="100000"/>
+                <a:shade val="100000"/>
+                <a:satMod val="130000"/>
+              </a:schemeClr>
+            </a:gs>
+            <a:gs pos="100000">
+              <a:schemeClr val="phClr">
+                <a:tint val="50000"/>
+                <a:shade val="100000"/>
+                <a:satMod val="350000"/>
+              </a:schemeClr>
+            </a:gs>
+          </a:gsLst>
+          <a:lin ang="16200000" scaled="0"/>
+        </a:gradFill>
+      </a:fillStyleLst>
+      <a:lnStyleLst>
+        <a:ln w="9525" cap="flat" cmpd="sng" algn="ctr">
+          <a:solidFill>
+            <a:schemeClr val="phClr">
+              <a:shade val="95000"/>
+              <a:satMod val="105000"/>
+            </a:schemeClr>
+          </a:solidFill>
+          <a:prstDash val="solid"/>
+        </a:ln>
+        <a:ln w="25400" cap="flat" cmpd="sng" algn="ctr">
+          <a:solidFill>
+            <a:schemeClr val="phClr"/>
+          </a:solidFill>
+          <a:prstDash val="solid"/>
+        </a:ln>
+        <a:ln w="38100" cap="flat" cmpd="sng" algn="ctr">
+          <a:solidFill>
+            <a:schemeClr val="phClr"/>
+          </a:solidFill>
+          <a:prstDash val="solid"/>
+        </a:ln>
+      </a:lnStyleLst>
+      <a:effectStyleLst>
+        <a:effectStyle>
+          <a:effectLst>
+            <a:outerShdw blurRad="40000" dist="20000" dir="5400000" rotWithShape="0">
+              <a:srgbClr val="000000">
+                <a:alpha val="38000"/>
+              </a:srgbClr>
+            </a:outerShdw>
+          </a:effectLst>
+        </a:effectStyle>
+        <a:effectStyle>
+          <a:effectLst>
+            <a:outerShdw blurRad="40000" dist="23000" dir="5400000" rotWithShape="0">
+              <a:srgbClr val="000000">
+                <a:alpha val="35000"/>
+              </a:srgbClr>
+            </a:outerShdw>
+          </a:effectLst>
+        </a:effectStyle>
+        <a:effectStyle>
+          <a:effectLst>
+            <a:outerShdw blurRad="40000" dist="23000" dir="5400000" rotWithShape="0">
+              <a:srgbClr val="000000">
+                <a:alpha val="35000"/>
+              </a:srgbClr>
+            </a:outerShdw>
+          </a:effectLst>
+          <a:scene3d>
+            <a:camera prst="orthographicFront">
+              <a:rot lat="0" lon="0" rev="0"/>
+            </a:camera>
+            <a:lightRig rig="threePt" dir="t">
+              <a:rot lat="0" lon="0" rev="1200000"/>
+            </a:lightRig>
+          </a:scene3d>
+          <a:sp3d>
+            <a:bevelT w="63500" h="25400"/>
+          </a:sp3d>
+        </a:effectStyle>
+      </a:effectStyleLst>
+      <a:bgFillStyleLst>
+        <a:solidFill>
+          <a:schemeClr val="phClr"/>
+        </a:solidFill>
+        <a:gradFill rotWithShape="1">
+          <a:gsLst>
+            <a:gs pos="0">
+              <a:schemeClr val="phClr">
+                <a:tint val="40000"/>
+                <a:satMod val="350000"/>
+              </a:schemeClr>
+            </a:gs>
+            <a:gs pos="40000">
+              <a:schemeClr val="phClr">
+                <a:tint val="45000"/>
+                <a:shade val="99000"/>
+                <a:satMod val="350000"/>
+              </a:schemeClr>
+            </a:gs>
+            <a:gs pos="100000">
+              <a:schemeClr val="phClr">
+                <a:shade val="20000"/>
+                <a:satMod val="255000"/>
+              </a:schemeClr>
+            </a:gs>
+          </a:gsLst>
+          <a:path path="circle">
+            <a:fillToRect l="50000" t="-80000" r="50000" b="180000"/>
+          </a:path>
+        </a:gradFill>
+        <a:gradFill rotWithShape="1">
+          <a:gsLst>
+            <a:gs pos="0">
+              <a:schemeClr val="phClr">
+                <a:tint val="80000"/>
+                <a:satMod val="300000"/>
+              </a:schemeClr>
+            </a:gs>
+            <a:gs pos="100000">
+              <a:schemeClr val="phClr">
+                <a:shade val="30000"/>
+                <a:satMod val="200000"/>
+              </a:schemeClr>
+            </a:gs>
+          </a:gsLst>
+          <a:path path="circle">
+            <a:fillToRect l="50000" t="50000" r="50000" b="50000"/>
+          </a:path>
+        </a:gradFill>
+      </a:bgFillStyleLst>
+    </a:fmtScheme>
+  </a:themeElements>
+</a:theme>
+</file>
+
+<file path=ppt/theme/theme2.xml><?xml version="1.0" encoding="utf-8"?>
 <a:theme xmlns:a="http://schemas.openxmlformats.org/drawingml/2006/main" xmlns:r="http://schemas.openxmlformats.org/officeDocument/2006/relationships" name="Custom Theme">
   <a:themeElements>
     <a:clrScheme name="Default">
@@ -17587,283 +19129,4 @@
     </a:fmtScheme>
   </a:themeElements>
 </a:theme>
-</file>
-
-<file path=ppt/theme/theme2.xml><?xml version="1.0" encoding="utf-8"?>
-<a:theme xmlns:a="http://schemas.openxmlformats.org/drawingml/2006/main" xmlns:r="http://schemas.openxmlformats.org/officeDocument/2006/relationships" name="Office Theme">
-  <a:themeElements>
-    <a:clrScheme name="Office">
-      <a:dk1>
-        <a:srgbClr val="000000"/>
-      </a:dk1>
-      <a:lt1>
-        <a:srgbClr val="FFFFFF"/>
-      </a:lt1>
-      <a:dk2>
-        <a:srgbClr val="44546A"/>
-      </a:dk2>
-      <a:lt2>
-        <a:srgbClr val="E7E6E6"/>
-      </a:lt2>
-      <a:accent1>
-        <a:srgbClr val="5B9BD5"/>
-      </a:accent1>
-      <a:accent2>
-        <a:srgbClr val="ED7D31"/>
-      </a:accent2>
-      <a:accent3>
-        <a:srgbClr val="A5A5A5"/>
-      </a:accent3>
-      <a:accent4>
-        <a:srgbClr val="FFC000"/>
-      </a:accent4>
-      <a:accent5>
-        <a:srgbClr val="4472C4"/>
-      </a:accent5>
-      <a:accent6>
-        <a:srgbClr val="70AD47"/>
-      </a:accent6>
-      <a:hlink>
-        <a:srgbClr val="0563C1"/>
-      </a:hlink>
-      <a:folHlink>
-        <a:srgbClr val="954F72"/>
-      </a:folHlink>
-    </a:clrScheme>
-    <a:fontScheme name="Office">
-      <a:majorFont>
-        <a:latin typeface="Arial"/>
-        <a:ea typeface=""/>
-        <a:cs typeface=""/>
-        <a:font script="Jpan" typeface="ＭＳ Ｐゴシック"/>
-        <a:font script="Hang" typeface="맑은 고딕"/>
-        <a:font script="Hans" typeface="宋体"/>
-        <a:font script="Hant" typeface="新細明體"/>
-        <a:font script="Arab" typeface="Times New Roman"/>
-        <a:font script="Hebr" typeface="Times New Roman"/>
-        <a:font script="Thai" typeface="Angsana New"/>
-        <a:font script="Ethi" typeface="Nyala"/>
-        <a:font script="Beng" typeface="Vrinda"/>
-        <a:font script="Gujr" typeface="Shruti"/>
-        <a:font script="Khmr" typeface="MoolBoran"/>
-        <a:font script="Knda" typeface="Tunga"/>
-        <a:font script="Guru" typeface="Raavi"/>
-        <a:font script="Cans" typeface="Euphemia"/>
-        <a:font script="Cher" typeface="Plantagenet Cherokee"/>
-        <a:font script="Yiii" typeface="Microsoft Yi Baiti"/>
-        <a:font script="Tibt" typeface="Microsoft Himalaya"/>
-        <a:font script="Thaa" typeface="MV Boli"/>
-        <a:font script="Deva" typeface="Mangal"/>
-        <a:font script="Telu" typeface="Gautami"/>
-        <a:font script="Taml" typeface="Latha"/>
-        <a:font script="Syrc" typeface="Estrangelo Edessa"/>
-        <a:font script="Orya" typeface="Kalinga"/>
-        <a:font script="Mlym" typeface="Kartika"/>
-        <a:font script="Laoo" typeface="DokChampa"/>
-        <a:font script="Sinh" typeface="Iskoola Pota"/>
-        <a:font script="Mong" typeface="Mongolian Baiti"/>
-        <a:font script="Viet" typeface="Times New Roman"/>
-        <a:font script="Uigh" typeface="Microsoft Uighur"/>
-        <a:font script="Geor" typeface="Sylfaen"/>
-      </a:majorFont>
-      <a:minorFont>
-        <a:latin typeface="Arial"/>
-        <a:ea typeface=""/>
-        <a:cs typeface=""/>
-        <a:font script="Jpan" typeface="ＭＳ Ｐゴシック"/>
-        <a:font script="Hang" typeface="맑은 고딕"/>
-        <a:font script="Hans" typeface="宋体"/>
-        <a:font script="Hant" typeface="新細明體"/>
-        <a:font script="Arab" typeface="Arial"/>
-        <a:font script="Hebr" typeface="Arial"/>
-        <a:font script="Thai" typeface="Cordia New"/>
-        <a:font script="Ethi" typeface="Nyala"/>
-        <a:font script="Beng" typeface="Vrinda"/>
-        <a:font script="Gujr" typeface="Shruti"/>
-        <a:font script="Khmr" typeface="DaunPenh"/>
-        <a:font script="Knda" typeface="Tunga"/>
-        <a:font script="Guru" typeface="Raavi"/>
-        <a:font script="Cans" typeface="Euphemia"/>
-        <a:font script="Cher" typeface="Plantagenet Cherokee"/>
-        <a:font script="Yiii" typeface="Microsoft Yi Baiti"/>
-        <a:font script="Tibt" typeface="Microsoft Himalaya"/>
-        <a:font script="Thaa" typeface="MV Boli"/>
-        <a:font script="Deva" typeface="Mangal"/>
-        <a:font script="Telu" typeface="Gautami"/>
-        <a:font script="Taml" typeface="Latha"/>
-        <a:font script="Syrc" typeface="Estrangelo Edessa"/>
-        <a:font script="Orya" typeface="Kalinga"/>
-        <a:font script="Mlym" typeface="Kartika"/>
-        <a:font script="Laoo" typeface="DokChampa"/>
-        <a:font script="Sinh" typeface="Iskoola Pota"/>
-        <a:font script="Mong" typeface="Mongolian Baiti"/>
-        <a:font script="Viet" typeface="Arial"/>
-        <a:font script="Uigh" typeface="Microsoft Uighur"/>
-        <a:font script="Geor" typeface="Sylfaen"/>
-      </a:minorFont>
-    </a:fontScheme>
-    <a:fmtScheme name="Office">
-      <a:fillStyleLst>
-        <a:solidFill>
-          <a:schemeClr val="phClr"/>
-        </a:solidFill>
-        <a:gradFill rotWithShape="1">
-          <a:gsLst>
-            <a:gs pos="0">
-              <a:schemeClr val="phClr">
-                <a:tint val="50000"/>
-                <a:satMod val="300000"/>
-              </a:schemeClr>
-            </a:gs>
-            <a:gs pos="35000">
-              <a:schemeClr val="phClr">
-                <a:tint val="37000"/>
-                <a:satMod val="300000"/>
-              </a:schemeClr>
-            </a:gs>
-            <a:gs pos="100000">
-              <a:schemeClr val="phClr">
-                <a:tint val="15000"/>
-                <a:satMod val="350000"/>
-              </a:schemeClr>
-            </a:gs>
-          </a:gsLst>
-          <a:lin ang="16200000" scaled="1"/>
-        </a:gradFill>
-        <a:gradFill rotWithShape="1">
-          <a:gsLst>
-            <a:gs pos="0">
-              <a:schemeClr val="phClr">
-                <a:tint val="100000"/>
-                <a:shade val="100000"/>
-                <a:satMod val="130000"/>
-              </a:schemeClr>
-            </a:gs>
-            <a:gs pos="100000">
-              <a:schemeClr val="phClr">
-                <a:tint val="50000"/>
-                <a:shade val="100000"/>
-                <a:satMod val="350000"/>
-              </a:schemeClr>
-            </a:gs>
-          </a:gsLst>
-          <a:lin ang="16200000" scaled="0"/>
-        </a:gradFill>
-      </a:fillStyleLst>
-      <a:lnStyleLst>
-        <a:ln w="9525" cap="flat" cmpd="sng" algn="ctr">
-          <a:solidFill>
-            <a:schemeClr val="phClr">
-              <a:shade val="95000"/>
-              <a:satMod val="105000"/>
-            </a:schemeClr>
-          </a:solidFill>
-          <a:prstDash val="solid"/>
-        </a:ln>
-        <a:ln w="25400" cap="flat" cmpd="sng" algn="ctr">
-          <a:solidFill>
-            <a:schemeClr val="phClr"/>
-          </a:solidFill>
-          <a:prstDash val="solid"/>
-        </a:ln>
-        <a:ln w="38100" cap="flat" cmpd="sng" algn="ctr">
-          <a:solidFill>
-            <a:schemeClr val="phClr"/>
-          </a:solidFill>
-          <a:prstDash val="solid"/>
-        </a:ln>
-      </a:lnStyleLst>
-      <a:effectStyleLst>
-        <a:effectStyle>
-          <a:effectLst>
-            <a:outerShdw blurRad="40000" dist="20000" dir="5400000" rotWithShape="0">
-              <a:srgbClr val="000000">
-                <a:alpha val="38000"/>
-              </a:srgbClr>
-            </a:outerShdw>
-          </a:effectLst>
-        </a:effectStyle>
-        <a:effectStyle>
-          <a:effectLst>
-            <a:outerShdw blurRad="40000" dist="23000" dir="5400000" rotWithShape="0">
-              <a:srgbClr val="000000">
-                <a:alpha val="35000"/>
-              </a:srgbClr>
-            </a:outerShdw>
-          </a:effectLst>
-        </a:effectStyle>
-        <a:effectStyle>
-          <a:effectLst>
-            <a:outerShdw blurRad="40000" dist="23000" dir="5400000" rotWithShape="0">
-              <a:srgbClr val="000000">
-                <a:alpha val="35000"/>
-              </a:srgbClr>
-            </a:outerShdw>
-          </a:effectLst>
-          <a:scene3d>
-            <a:camera prst="orthographicFront">
-              <a:rot lat="0" lon="0" rev="0"/>
-            </a:camera>
-            <a:lightRig rig="threePt" dir="t">
-              <a:rot lat="0" lon="0" rev="1200000"/>
-            </a:lightRig>
-          </a:scene3d>
-          <a:sp3d>
-            <a:bevelT w="63500" h="25400"/>
-          </a:sp3d>
-        </a:effectStyle>
-      </a:effectStyleLst>
-      <a:bgFillStyleLst>
-        <a:solidFill>
-          <a:schemeClr val="phClr"/>
-        </a:solidFill>
-        <a:gradFill rotWithShape="1">
-          <a:gsLst>
-            <a:gs pos="0">
-              <a:schemeClr val="phClr">
-                <a:tint val="40000"/>
-                <a:satMod val="350000"/>
-              </a:schemeClr>
-            </a:gs>
-            <a:gs pos="40000">
-              <a:schemeClr val="phClr">
-                <a:tint val="45000"/>
-                <a:shade val="99000"/>
-                <a:satMod val="350000"/>
-              </a:schemeClr>
-            </a:gs>
-            <a:gs pos="100000">
-              <a:schemeClr val="phClr">
-                <a:shade val="20000"/>
-                <a:satMod val="255000"/>
-              </a:schemeClr>
-            </a:gs>
-          </a:gsLst>
-          <a:path path="circle">
-            <a:fillToRect l="50000" t="-80000" r="50000" b="180000"/>
-          </a:path>
-        </a:gradFill>
-        <a:gradFill rotWithShape="1">
-          <a:gsLst>
-            <a:gs pos="0">
-              <a:schemeClr val="phClr">
-                <a:tint val="80000"/>
-                <a:satMod val="300000"/>
-              </a:schemeClr>
-            </a:gs>
-            <a:gs pos="100000">
-              <a:schemeClr val="phClr">
-                <a:shade val="30000"/>
-                <a:satMod val="200000"/>
-              </a:schemeClr>
-            </a:gs>
-          </a:gsLst>
-          <a:path path="circle">
-            <a:fillToRect l="50000" t="50000" r="50000" b="50000"/>
-          </a:path>
-        </a:gradFill>
-      </a:bgFillStyleLst>
-    </a:fmtScheme>
-  </a:themeElements>
-</a:theme>
 </file>